--- a/AWS Java Lambda Functions with Kotlin Ohio DevFest 2018.pptx
+++ b/AWS Java Lambda Functions with Kotlin Ohio DevFest 2018.pptx
@@ -15,7 +15,7 @@
     <p:sldId id="257" r:id="rId3"/>
     <p:sldId id="266" r:id="rId4"/>
     <p:sldId id="258" r:id="rId5"/>
-    <p:sldId id="259" r:id="rId6"/>
+    <p:sldId id="275" r:id="rId6"/>
     <p:sldId id="272" r:id="rId7"/>
     <p:sldId id="261" r:id="rId8"/>
     <p:sldId id="262" r:id="rId9"/>
@@ -226,7 +226,7 @@
           <a:p>
             <a:fld id="{B398E617-937E-FC4A-8748-C6BABACC53FE}" type="datetimeFigureOut">
               <a:rPr lang="en-US" smtClean="0"/>
-              <a:t>10/1/18</a:t>
+              <a:t>10/8/18</a:t>
             </a:fld>
             <a:endParaRPr lang="en-US"/>
           </a:p>
@@ -391,7 +391,7 @@
           <a:p>
             <a:fld id="{1DC1E76F-63EC-3849-B890-E56FE4AABDB1}" type="datetimeFigureOut">
               <a:rPr lang="en-US" smtClean="0"/>
-              <a:t>10/1/18</a:t>
+              <a:t>10/8/18</a:t>
             </a:fld>
             <a:endParaRPr lang="en-US"/>
           </a:p>
@@ -1090,7 +1090,7 @@
           <a:p>
             <a:fld id="{A0DB8B27-213D-1845-BA35-6CDA5CBC5B02}" type="datetime1">
               <a:rPr lang="en-US" smtClean="0"/>
-              <a:t>10/1/18</a:t>
+              <a:t>10/8/18</a:t>
             </a:fld>
             <a:endParaRPr lang="en-US"/>
           </a:p>
@@ -1291,7 +1291,7 @@
           <a:p>
             <a:fld id="{B0AB6128-0D2A-1245-9422-C3BE68F27997}" type="datetime1">
               <a:rPr lang="en-US" smtClean="0"/>
-              <a:t>10/1/18</a:t>
+              <a:t>10/8/18</a:t>
             </a:fld>
             <a:endParaRPr lang="en-US"/>
           </a:p>
@@ -1504,7 +1504,7 @@
           <a:p>
             <a:fld id="{5DDAD2AB-239F-2F48-8CAB-B916A8C6725B}" type="datetime1">
               <a:rPr lang="en-US" smtClean="0"/>
-              <a:t>10/1/18</a:t>
+              <a:t>10/8/18</a:t>
             </a:fld>
             <a:endParaRPr lang="en-US"/>
           </a:p>
@@ -1793,7 +1793,7 @@
           <a:p>
             <a:fld id="{AE59933F-E581-284D-9F44-23CAF5A7BE8E}" type="datetime1">
               <a:rPr lang="en-US" smtClean="0"/>
-              <a:t>10/1/18</a:t>
+              <a:t>10/8/18</a:t>
             </a:fld>
             <a:endParaRPr lang="en-US"/>
           </a:p>
@@ -2166,7 +2166,7 @@
           <a:p>
             <a:fld id="{0649FB6B-7974-BC47-8B12-FCA27EBCD9A0}" type="datetime1">
               <a:rPr lang="en-US" smtClean="0"/>
-              <a:t>10/1/18</a:t>
+              <a:t>10/8/18</a:t>
             </a:fld>
             <a:endParaRPr lang="en-US"/>
           </a:p>
@@ -2389,7 +2389,7 @@
           <a:p>
             <a:fld id="{4BE75957-40B6-744E-99B6-AB95327FBD2E}" type="datetime1">
               <a:rPr lang="en-US" smtClean="0"/>
-              <a:t>10/1/18</a:t>
+              <a:t>10/8/18</a:t>
             </a:fld>
             <a:endParaRPr lang="en-US"/>
           </a:p>
@@ -2669,7 +2669,7 @@
           <a:p>
             <a:fld id="{3E39426D-E7B7-DA40-93F8-CA6510E6F0EE}" type="datetime1">
               <a:rPr lang="en-US" smtClean="0"/>
-              <a:t>10/1/18</a:t>
+              <a:t>10/8/18</a:t>
             </a:fld>
             <a:endParaRPr lang="en-US"/>
           </a:p>
@@ -2939,7 +2939,7 @@
           <a:p>
             <a:fld id="{6B8E9881-841B-FD47-8067-4CE54162D2D7}" type="datetime1">
               <a:rPr lang="en-US" smtClean="0"/>
-              <a:t>10/1/18</a:t>
+              <a:t>10/8/18</a:t>
             </a:fld>
             <a:endParaRPr lang="en-US"/>
           </a:p>
@@ -3356,7 +3356,7 @@
           <a:p>
             <a:fld id="{70DA7BF9-37F6-DD44-9E60-798365980305}" type="datetime1">
               <a:rPr lang="en-US" smtClean="0"/>
-              <a:t>10/1/18</a:t>
+              <a:t>10/8/18</a:t>
             </a:fld>
             <a:endParaRPr lang="en-US"/>
           </a:p>
@@ -3502,7 +3502,7 @@
           <a:p>
             <a:fld id="{694812C7-2D69-FD44-8352-9031E5BB8854}" type="datetime1">
               <a:rPr lang="en-US" smtClean="0"/>
-              <a:t>10/1/18</a:t>
+              <a:t>10/8/18</a:t>
             </a:fld>
             <a:endParaRPr lang="en-US"/>
           </a:p>
@@ -3620,7 +3620,7 @@
           <a:p>
             <a:fld id="{D6DC22B3-CCBA-7E4B-9576-3F4BAADBA1E6}" type="datetime1">
               <a:rPr lang="en-US" smtClean="0"/>
-              <a:t>10/1/18</a:t>
+              <a:t>10/8/18</a:t>
             </a:fld>
             <a:endParaRPr lang="en-US"/>
           </a:p>
@@ -3936,7 +3936,7 @@
           <a:p>
             <a:fld id="{EADB070B-3D41-AA46-9B8A-CB2ED9C06DB1}" type="datetime1">
               <a:rPr lang="en-US" smtClean="0"/>
-              <a:t>10/1/18</a:t>
+              <a:t>10/8/18</a:t>
             </a:fld>
             <a:endParaRPr lang="en-US" dirty="0"/>
           </a:p>
@@ -4228,7 +4228,7 @@
           <a:p>
             <a:fld id="{1EE23566-357D-9145-AFF5-B5286448FCC5}" type="datetime1">
               <a:rPr lang="en-US" smtClean="0"/>
-              <a:t>10/1/18</a:t>
+              <a:t>10/8/18</a:t>
             </a:fld>
             <a:endParaRPr lang="en-US"/>
           </a:p>
@@ -4478,7 +4478,7 @@
           <a:p>
             <a:fld id="{DD03A468-7FFD-8642-805A-7250196496B4}" type="datetime1">
               <a:rPr lang="en-US" smtClean="0"/>
-              <a:t>10/1/18</a:t>
+              <a:t>10/8/18</a:t>
             </a:fld>
             <a:endParaRPr lang="en-US"/>
           </a:p>
@@ -5128,7 +5128,7 @@
           <a:p>
             <a:fld id="{5ECE730C-6F03-F84C-944B-1C568222F063}" type="datetime1">
               <a:rPr lang="en-US" smtClean="0"/>
-              <a:t>10/1/18</a:t>
+              <a:t>10/8/18</a:t>
             </a:fld>
             <a:endParaRPr lang="en-US"/>
           </a:p>
@@ -5304,7 +5304,7 @@
           <a:p>
             <a:fld id="{CCA7FE3F-9686-E74E-A1C5-774AE4FD679D}" type="datetime1">
               <a:rPr lang="en-US" smtClean="0"/>
-              <a:t>10/1/18</a:t>
+              <a:t>10/8/18</a:t>
             </a:fld>
             <a:endParaRPr lang="en-US"/>
           </a:p>
@@ -5638,7 +5638,7 @@
           <a:p>
             <a:fld id="{2C7281AE-07D0-B247-929E-89BE96173440}" type="datetime1">
               <a:rPr lang="en-US" smtClean="0"/>
-              <a:t>10/1/18</a:t>
+              <a:t>10/8/18</a:t>
             </a:fld>
             <a:endParaRPr lang="en-US"/>
           </a:p>
@@ -5918,7 +5918,7 @@
           <a:p>
             <a:fld id="{C6705A40-A93A-F546-99E4-15E941AFDCDE}" type="datetime1">
               <a:rPr lang="en-US" smtClean="0"/>
-              <a:t>10/1/18</a:t>
+              <a:t>10/8/18</a:t>
             </a:fld>
             <a:endParaRPr lang="en-US"/>
           </a:p>
@@ -6124,7 +6124,7 @@
           <a:p>
             <a:fld id="{8F4E8B77-2546-E24A-8CE5-D6A6150A518D}" type="datetime1">
               <a:rPr lang="en-US" smtClean="0"/>
-              <a:t>10/1/18</a:t>
+              <a:t>10/8/18</a:t>
             </a:fld>
             <a:endParaRPr lang="en-US"/>
           </a:p>
@@ -6338,7 +6338,7 @@
           <a:p>
             <a:fld id="{05923396-6093-FA48-B85F-62CA2E626F30}" type="datetime1">
               <a:rPr lang="en-US" smtClean="0"/>
-              <a:t>10/1/18</a:t>
+              <a:t>10/8/18</a:t>
             </a:fld>
             <a:endParaRPr lang="en-US"/>
           </a:p>
@@ -6571,7 +6571,7 @@
           <a:p>
             <a:fld id="{90F1244E-41D8-AA42-8B9B-7EE03FFE790D}" type="datetime1">
               <a:rPr lang="en-US" smtClean="0"/>
-              <a:t>10/1/18</a:t>
+              <a:t>10/8/18</a:t>
             </a:fld>
             <a:endParaRPr lang="en-US"/>
           </a:p>
@@ -6671,7 +6671,7 @@
           <p:cNvPr id="2" name="Title 1">
             <a:extLst>
               <a:ext uri="{FF2B5EF4-FFF2-40B4-BE49-F238E27FC236}">
-                <a16:creationId xmlns:a16="http://schemas.microsoft.com/office/drawing/2014/main" id="{FFC029B8-0887-0E44-94F7-FF3426F445C0}"/>
+                <a16:creationId xmlns:a16="http://schemas.microsoft.com/office/drawing/2014/main" id="{37A76CAF-80DC-C840-9F1B-4A3CD3151C0E}"/>
               </a:ext>
             </a:extLst>
           </p:cNvPr>
@@ -6689,7 +6689,7 @@
           <a:p>
             <a:r>
               <a:rPr lang="en-US" dirty="0"/>
-              <a:t>Introduction (Improving)</a:t>
+              <a:t>About Root Insurance</a:t>
             </a:r>
           </a:p>
         </p:txBody>
@@ -6699,7 +6699,7 @@
           <p:cNvPr id="3" name="Content Placeholder 2">
             <a:extLst>
               <a:ext uri="{FF2B5EF4-FFF2-40B4-BE49-F238E27FC236}">
-                <a16:creationId xmlns:a16="http://schemas.microsoft.com/office/drawing/2014/main" id="{70E434A7-7358-3F4D-B766-3F6626014219}"/>
+                <a16:creationId xmlns:a16="http://schemas.microsoft.com/office/drawing/2014/main" id="{30EC8718-0108-064F-B4C6-0F02BEB60B2B}"/>
               </a:ext>
             </a:extLst>
           </p:cNvPr>
@@ -6712,96 +6712,59 @@
         </p:nvSpPr>
         <p:spPr/>
         <p:txBody>
-          <a:bodyPr>
-            <a:normAutofit/>
-          </a:bodyPr>
-          <a:lstStyle/>
-          <a:p>
-            <a:r>
-              <a:rPr lang="en-US" sz="2000" b="1" dirty="0"/>
-              <a:t>Values: Excellence, Involvement, and Dedication</a:t>
-            </a:r>
-            <a:r>
-              <a:rPr lang="en-US" sz="2000" dirty="0"/>
-              <a:t> </a:t>
-            </a:r>
-          </a:p>
-          <a:p>
-            <a:r>
-              <a:rPr lang="en-US" sz="2000" dirty="0"/>
-              <a:t>Complete IT services firm, offering training, consulting, recruiting, and project services</a:t>
-            </a:r>
-          </a:p>
-          <a:p>
-            <a:r>
-              <a:rPr lang="en-US" sz="2000" dirty="0"/>
-              <a:t>Offices in Columbus, Cleveland, Calgary, Minneapolis, Dallas, Houston and College Station</a:t>
-            </a:r>
-          </a:p>
-          <a:p>
-            <a:r>
-              <a:rPr lang="en-US" sz="2000" dirty="0"/>
-              <a:t>Creating a great place to work by </a:t>
+          <a:bodyPr/>
+          <a:lstStyle/>
+          <a:p>
+            <a:r>
+              <a:rPr lang="en-US" dirty="0"/>
+              <a:t>Root is a car insurance carrier, like GEICO and Progressive</a:t>
+            </a:r>
+          </a:p>
+          <a:p>
+            <a:r>
+              <a:rPr lang="en-US" dirty="0"/>
+              <a:t>Root was started in 2015</a:t>
+            </a:r>
+          </a:p>
+          <a:p>
+            <a:r>
+              <a:rPr lang="en-US" dirty="0"/>
+              <a:t>We use data science and technology to identify and insure good drivers, reducing insurance premiums for good drivers as a result</a:t>
             </a:r>
           </a:p>
           <a:p>
             <a:pPr lvl="1"/>
             <a:r>
-              <a:rPr lang="en-US" sz="1800" dirty="0"/>
-              <a:t>Cultivating an environment that fosters authentic and long term professional relationships </a:t>
-            </a:r>
-          </a:p>
-          <a:p>
-            <a:pPr lvl="1"/>
-            <a:r>
-              <a:rPr lang="en-US" sz="1800" dirty="0"/>
-              <a:t>Sharing the success and accomplishments of the company </a:t>
-            </a:r>
-          </a:p>
-          <a:p>
-            <a:pPr lvl="1"/>
-            <a:r>
-              <a:rPr lang="en-US" sz="1800" dirty="0"/>
-              <a:t>Promoting open and honest communication </a:t>
-            </a:r>
-          </a:p>
-          <a:p>
-            <a:pPr lvl="1"/>
-            <a:r>
-              <a:rPr lang="en-US" sz="1800" dirty="0"/>
-              <a:t>Providing creative ways for each of us to learn and grow</a:t>
-            </a:r>
-          </a:p>
-          <a:p>
-            <a:pPr lvl="1"/>
-            <a:r>
-              <a:rPr lang="en-US" sz="1800" dirty="0"/>
-              <a:t>Encouraging a positive atmosphere which is both friendly and fun</a:t>
-            </a:r>
-          </a:p>
-          <a:p>
-            <a:r>
-              <a:rPr lang="en-US" sz="1950" dirty="0">
+              <a:rPr lang="en-US" dirty="0"/>
+              <a:t>Good drivers save up to $100/month.</a:t>
+            </a:r>
+          </a:p>
+          <a:p>
+            <a:r>
+              <a:rPr lang="en-US" dirty="0">
                 <a:hlinkClick r:id="rId2"/>
               </a:rPr>
-              <a:t>http://improving.com</a:t>
-            </a:r>
-            <a:endParaRPr lang="en-US" sz="1950" dirty="0"/>
-          </a:p>
-          <a:p>
-            <a:pPr marL="51435" indent="0">
-              <a:buNone/>
-            </a:pPr>
-            <a:endParaRPr lang="en-US" sz="1950" dirty="0"/>
-          </a:p>
-        </p:txBody>
-      </p:sp>
-      <p:sp>
-        <p:nvSpPr>
-          <p:cNvPr id="8" name="Date Placeholder 7">
-            <a:extLst>
-              <a:ext uri="{FF2B5EF4-FFF2-40B4-BE49-F238E27FC236}">
-                <a16:creationId xmlns:a16="http://schemas.microsoft.com/office/drawing/2014/main" id="{6E837635-BE8E-DC42-9AAD-543144F47EC4}"/>
+              <a:t>https://www.joinroot.com</a:t>
+            </a:r>
+            <a:endParaRPr lang="en-US" dirty="0"/>
+          </a:p>
+          <a:p>
+            <a:r>
+              <a:rPr lang="en-US" dirty="0">
+                <a:hlinkClick r:id="rId3"/>
+              </a:rPr>
+              <a:t>https://root.engineering</a:t>
+            </a:r>
+            <a:endParaRPr lang="en-US" dirty="0"/>
+          </a:p>
+        </p:txBody>
+      </p:sp>
+      <p:sp>
+        <p:nvSpPr>
+          <p:cNvPr id="4" name="Date Placeholder 3">
+            <a:extLst>
+              <a:ext uri="{FF2B5EF4-FFF2-40B4-BE49-F238E27FC236}">
+                <a16:creationId xmlns:a16="http://schemas.microsoft.com/office/drawing/2014/main" id="{21008EB9-5FFD-6C47-B8A4-017A107DDB5C}"/>
               </a:ext>
             </a:extLst>
           </p:cNvPr>
@@ -6817,9 +6780,9 @@
           <a:bodyPr/>
           <a:lstStyle/>
           <a:p>
-            <a:fld id="{70B2BE3B-434A-4A43-BB3B-1EA5BEE9C30E}" type="datetime1">
+            <a:fld id="{4BE75957-40B6-744E-99B6-AB95327FBD2E}" type="datetime1">
               <a:rPr lang="en-US" smtClean="0"/>
-              <a:t>10/1/18</a:t>
+              <a:t>10/8/18</a:t>
             </a:fld>
             <a:endParaRPr lang="en-US"/>
           </a:p>
@@ -6827,10 +6790,10 @@
       </p:sp>
       <p:sp>
         <p:nvSpPr>
-          <p:cNvPr id="9" name="Footer Placeholder 8">
-            <a:extLst>
-              <a:ext uri="{FF2B5EF4-FFF2-40B4-BE49-F238E27FC236}">
-                <a16:creationId xmlns:a16="http://schemas.microsoft.com/office/drawing/2014/main" id="{B3735C77-F02D-2B42-888A-7AFF083562A5}"/>
+          <p:cNvPr id="5" name="Footer Placeholder 4">
+            <a:extLst>
+              <a:ext uri="{FF2B5EF4-FFF2-40B4-BE49-F238E27FC236}">
+                <a16:creationId xmlns:a16="http://schemas.microsoft.com/office/drawing/2014/main" id="{51B27459-EBE3-B742-A4C9-257FAA18EFA7}"/>
               </a:ext>
             </a:extLst>
           </p:cNvPr>
@@ -6856,10 +6819,10 @@
       </p:sp>
       <p:sp>
         <p:nvSpPr>
-          <p:cNvPr id="10" name="Slide Number Placeholder 9">
-            <a:extLst>
-              <a:ext uri="{FF2B5EF4-FFF2-40B4-BE49-F238E27FC236}">
-                <a16:creationId xmlns:a16="http://schemas.microsoft.com/office/drawing/2014/main" id="{EC0E2B3D-519A-6246-BE1F-03C0D8E65832}"/>
+          <p:cNvPr id="6" name="Slide Number Placeholder 5">
+            <a:extLst>
+              <a:ext uri="{FF2B5EF4-FFF2-40B4-BE49-F238E27FC236}">
+                <a16:creationId xmlns:a16="http://schemas.microsoft.com/office/drawing/2014/main" id="{4C57BF17-F039-6B4D-94DC-B6E5490B8EAD}"/>
               </a:ext>
             </a:extLst>
           </p:cNvPr>
@@ -6887,7 +6850,7 @@
     </p:spTree>
     <p:extLst>
       <p:ext uri="{BB962C8B-B14F-4D97-AF65-F5344CB8AC3E}">
-        <p14:creationId xmlns:p14="http://schemas.microsoft.com/office/powerpoint/2010/main" val="2676875404"/>
+        <p14:creationId xmlns:p14="http://schemas.microsoft.com/office/powerpoint/2010/main" val="3933599127"/>
       </p:ext>
     </p:extLst>
   </p:cSld>
@@ -6961,7 +6924,7 @@
         <p:spPr/>
         <p:txBody>
           <a:bodyPr>
-            <a:normAutofit fontScale="92500" lnSpcReduction="20000"/>
+            <a:normAutofit fontScale="85000" lnSpcReduction="20000"/>
           </a:bodyPr>
           <a:lstStyle/>
           <a:p>
@@ -7055,7 +7018,14 @@
             <a:pPr lvl="2"/>
             <a:r>
               <a:rPr lang="en-US" dirty="0"/>
-              <a:t>C# with .NET Core 1.0 or 2.0</a:t>
+              <a:t>C# with .NET Core 1.0 or 2.0, C# and PowerShell with .NET Core 2.1</a:t>
+            </a:r>
+          </a:p>
+          <a:p>
+            <a:pPr lvl="2"/>
+            <a:r>
+              <a:rPr lang="en-US" dirty="0"/>
+              <a:t>Go 1.x</a:t>
             </a:r>
           </a:p>
           <a:p>
@@ -7069,7 +7039,7 @@
             <a:pPr lvl="2"/>
             <a:r>
               <a:rPr lang="en-US" dirty="0"/>
-              <a:t>NodeJS 6.10 or 8.10</a:t>
+              <a:t>NodeJS 4.3, 6.10 or 8.10</a:t>
             </a:r>
           </a:p>
           <a:p>
@@ -7108,7 +7078,7 @@
           <a:p>
             <a:fld id="{93D0FE6E-FA00-124B-A222-C2299CA2B7B2}" type="datetime1">
               <a:rPr lang="en-US" smtClean="0"/>
-              <a:t>10/1/18</a:t>
+              <a:t>10/8/18</a:t>
             </a:fld>
             <a:endParaRPr lang="en-US"/>
           </a:p>
@@ -7408,7 +7378,7 @@
           <a:p>
             <a:fld id="{2FC4B022-2D37-A442-BF0D-962CFBDC1E4F}" type="datetime1">
               <a:rPr lang="en-US" smtClean="0"/>
-              <a:t>10/1/18</a:t>
+              <a:t>10/8/18</a:t>
             </a:fld>
             <a:endParaRPr lang="en-US"/>
           </a:p>
@@ -7672,7 +7642,7 @@
           <a:p>
             <a:fld id="{4D9900D3-85F8-9C41-B3C3-A18873D7AF03}" type="datetime1">
               <a:rPr lang="en-US" smtClean="0"/>
-              <a:t>10/1/18</a:t>
+              <a:t>10/8/18</a:t>
             </a:fld>
             <a:endParaRPr lang="en-US"/>
           </a:p>
@@ -7997,7 +7967,7 @@
           <a:p>
             <a:fld id="{B455ACDA-5709-E44F-B381-D5CB3CB1E13A}" type="datetime1">
               <a:rPr lang="en-US" smtClean="0"/>
-              <a:t>10/1/18</a:t>
+              <a:t>10/8/18</a:t>
             </a:fld>
             <a:endParaRPr lang="en-US"/>
           </a:p>

--- a/AWS Java Lambda Functions with Kotlin Ohio DevFest 2018.pptx
+++ b/AWS Java Lambda Functions with Kotlin Ohio DevFest 2018.pptx
@@ -2,7 +2,7 @@
 <file path=ppt/presentation.xml><?xml version="1.0" encoding="utf-8"?>
 <p:presentation xmlns:a="http://schemas.openxmlformats.org/drawingml/2006/main" xmlns:r="http://schemas.openxmlformats.org/officeDocument/2006/relationships" xmlns:p="http://schemas.openxmlformats.org/presentationml/2006/main" showSpecialPlsOnTitleSld="0" saveSubsetFonts="1" autoCompressPictures="0">
   <p:sldMasterIdLst>
-    <p:sldMasterId id="2147483816" r:id="rId1"/>
+    <p:sldMasterId id="2147484121" r:id="rId1"/>
   </p:sldMasterIdLst>
   <p:notesMasterIdLst>
     <p:notesMasterId r:id="rId15"/>
@@ -960,52 +960,73 @@
           <a:chExt cx="0" cy="0"/>
         </a:xfrm>
       </p:grpSpPr>
-      <p:sp>
-        <p:nvSpPr>
-          <p:cNvPr id="2" name="Title 1">
+      <p:pic>
+        <p:nvPicPr>
+          <p:cNvPr id="8" name="Picture 7" descr="C1-HD-BTM.png"/>
+          <p:cNvPicPr>
+            <a:picLocks noChangeAspect="1"/>
+          </p:cNvPicPr>
+          <p:nvPr/>
+        </p:nvPicPr>
+        <p:blipFill>
+          <a:blip r:embed="rId2">
             <a:extLst>
-              <a:ext uri="{FF2B5EF4-FFF2-40B4-BE49-F238E27FC236}">
-                <a16:creationId xmlns:a16="http://schemas.microsoft.com/office/drawing/2014/main" id="{7D247639-C25F-694D-8468-D92E871763BE}"/>
+              <a:ext uri="{28A0092B-C50C-407E-A947-70E740481C1C}">
+                <a14:useLocalDpi xmlns:a14="http://schemas.microsoft.com/office/drawing/2010/main" val="0"/>
               </a:ext>
             </a:extLst>
-          </p:cNvPr>
-          <p:cNvSpPr>
-            <a:spLocks noGrp="1"/>
-          </p:cNvSpPr>
-          <p:nvPr>
-            <p:ph type="ctrTitle"/>
-          </p:nvPr>
-        </p:nvSpPr>
+          </a:blip>
+          <a:stretch>
+            <a:fillRect/>
+          </a:stretch>
+        </p:blipFill>
         <p:spPr>
           <a:xfrm>
-            <a:off x="1523603" y="1122363"/>
-            <a:ext cx="9141619" cy="2387600"/>
+            <a:off x="0" y="4375150"/>
+            <a:ext cx="12188825" cy="2482850"/>
+          </a:xfrm>
+          <a:prstGeom prst="rect">
+            <a:avLst/>
+          </a:prstGeom>
+        </p:spPr>
+      </p:pic>
+      <p:sp>
+        <p:nvSpPr>
+          <p:cNvPr id="2" name="Title 1"/>
+          <p:cNvSpPr>
+            <a:spLocks noGrp="1"/>
+          </p:cNvSpPr>
+          <p:nvPr>
+            <p:ph type="ctrTitle"/>
+          </p:nvPr>
+        </p:nvSpPr>
+        <p:spPr>
+          <a:xfrm>
+            <a:off x="1371243" y="1803405"/>
+            <a:ext cx="9446339" cy="1825096"/>
           </a:xfrm>
         </p:spPr>
         <p:txBody>
-          <a:bodyPr anchor="b"/>
+          <a:bodyPr anchor="b">
+            <a:normAutofit/>
+          </a:bodyPr>
           <a:lstStyle>
-            <a:lvl1pPr algn="ctr">
+            <a:lvl1pPr algn="l">
               <a:defRPr sz="5998"/>
             </a:lvl1pPr>
           </a:lstStyle>
           <a:p>
             <a:r>
-              <a:rPr lang="en-US" dirty="0"/>
+              <a:rPr lang="en-US"/>
               <a:t>Click to edit Master title style</a:t>
             </a:r>
-          </a:p>
-        </p:txBody>
-      </p:sp>
-      <p:sp>
-        <p:nvSpPr>
-          <p:cNvPr id="3" name="Subtitle 2">
-            <a:extLst>
-              <a:ext uri="{FF2B5EF4-FFF2-40B4-BE49-F238E27FC236}">
-                <a16:creationId xmlns:a16="http://schemas.microsoft.com/office/drawing/2014/main" id="{52E5D5D0-7E66-6A49-8F2B-DF7A21497B62}"/>
-              </a:ext>
-            </a:extLst>
-          </p:cNvPr>
+            <a:endParaRPr lang="en-US" dirty="0"/>
+          </a:p>
+        </p:txBody>
+      </p:sp>
+      <p:sp>
+        <p:nvSpPr>
+          <p:cNvPr id="3" name="Subtitle 2"/>
           <p:cNvSpPr>
             <a:spLocks noGrp="1"/>
           </p:cNvSpPr>
@@ -1015,16 +1036,18 @@
         </p:nvSpPr>
         <p:spPr>
           <a:xfrm>
-            <a:off x="1523603" y="3602038"/>
-            <a:ext cx="9141619" cy="1655762"/>
+            <a:off x="1371243" y="3632201"/>
+            <a:ext cx="9446339" cy="685800"/>
           </a:xfrm>
         </p:spPr>
         <p:txBody>
-          <a:bodyPr/>
+          <a:bodyPr>
+            <a:normAutofit/>
+          </a:bodyPr>
           <a:lstStyle>
-            <a:lvl1pPr marL="0" indent="0" algn="ctr">
-              <a:buNone/>
-              <a:defRPr sz="2399"/>
+            <a:lvl1pPr marL="0" indent="0" algn="l">
+              <a:buNone/>
+              <a:defRPr sz="1999"/>
             </a:lvl1pPr>
             <a:lvl2pPr marL="457063" indent="0" algn="ctr">
               <a:buNone/>
@@ -1061,21 +1084,16 @@
           </a:lstStyle>
           <a:p>
             <a:r>
-              <a:rPr lang="en-US" dirty="0"/>
+              <a:rPr lang="en-US"/>
               <a:t>Click to edit Master subtitle style</a:t>
             </a:r>
-          </a:p>
-        </p:txBody>
-      </p:sp>
-      <p:sp>
-        <p:nvSpPr>
-          <p:cNvPr id="4" name="Date Placeholder 3">
-            <a:extLst>
-              <a:ext uri="{FF2B5EF4-FFF2-40B4-BE49-F238E27FC236}">
-                <a16:creationId xmlns:a16="http://schemas.microsoft.com/office/drawing/2014/main" id="{0137B58F-6A94-AD4A-93BE-A5E8B8BC8494}"/>
-              </a:ext>
-            </a:extLst>
-          </p:cNvPr>
+            <a:endParaRPr lang="en-US" dirty="0"/>
+          </a:p>
+        </p:txBody>
+      </p:sp>
+      <p:sp>
+        <p:nvSpPr>
+          <p:cNvPr id="4" name="Date Placeholder 3"/>
           <p:cNvSpPr>
             <a:spLocks noGrp="1"/>
           </p:cNvSpPr>
@@ -1083,7 +1101,12 @@
             <p:ph type="dt" sz="half" idx="10"/>
           </p:nvPr>
         </p:nvSpPr>
-        <p:spPr/>
+        <p:spPr>
+          <a:xfrm>
+            <a:off x="7907501" y="4314328"/>
+            <a:ext cx="2910082" cy="374642"/>
+          </a:xfrm>
+        </p:spPr>
         <p:txBody>
           <a:bodyPr/>
           <a:lstStyle/>
@@ -1098,13 +1121,7 @@
       </p:sp>
       <p:sp>
         <p:nvSpPr>
-          <p:cNvPr id="5" name="Footer Placeholder 4">
-            <a:extLst>
-              <a:ext uri="{FF2B5EF4-FFF2-40B4-BE49-F238E27FC236}">
-                <a16:creationId xmlns:a16="http://schemas.microsoft.com/office/drawing/2014/main" id="{202E4223-57CF-9A4A-9C20-45B892D2D8C9}"/>
-              </a:ext>
-            </a:extLst>
-          </p:cNvPr>
+          <p:cNvPr id="5" name="Footer Placeholder 4"/>
           <p:cNvSpPr>
             <a:spLocks noGrp="1"/>
           </p:cNvSpPr>
@@ -1112,7 +1129,12 @@
             <p:ph type="ftr" sz="quarter" idx="11"/>
           </p:nvPr>
         </p:nvSpPr>
-        <p:spPr/>
+        <p:spPr>
+          <a:xfrm>
+            <a:off x="1371243" y="4323846"/>
+            <a:ext cx="6399133" cy="365125"/>
+          </a:xfrm>
+        </p:spPr>
         <p:txBody>
           <a:bodyPr/>
           <a:lstStyle/>
@@ -1126,13 +1148,7 @@
       </p:sp>
       <p:sp>
         <p:nvSpPr>
-          <p:cNvPr id="6" name="Slide Number Placeholder 5">
-            <a:extLst>
-              <a:ext uri="{FF2B5EF4-FFF2-40B4-BE49-F238E27FC236}">
-                <a16:creationId xmlns:a16="http://schemas.microsoft.com/office/drawing/2014/main" id="{01584042-C2C1-704E-8565-693CA3DACA35}"/>
-              </a:ext>
-            </a:extLst>
-          </p:cNvPr>
+          <p:cNvPr id="6" name="Slide Number Placeholder 5"/>
           <p:cNvSpPr>
             <a:spLocks noGrp="1"/>
           </p:cNvSpPr>
@@ -1140,7 +1156,12 @@
             <p:ph type="sldNum" sz="quarter" idx="12"/>
           </p:nvPr>
         </p:nvSpPr>
-        <p:spPr/>
+        <p:spPr>
+          <a:xfrm>
+            <a:off x="8075096" y="1430867"/>
+            <a:ext cx="2742486" cy="365125"/>
+          </a:xfrm>
+        </p:spPr>
         <p:txBody>
           <a:bodyPr/>
           <a:lstStyle/>
@@ -1156,7 +1177,7 @@
     </p:spTree>
     <p:extLst>
       <p:ext uri="{BB962C8B-B14F-4D97-AF65-F5344CB8AC3E}">
-        <p14:creationId xmlns:p14="http://schemas.microsoft.com/office/powerpoint/2010/main" val="2273767280"/>
+        <p14:creationId xmlns:p14="http://schemas.microsoft.com/office/powerpoint/2010/main" val="3522360191"/>
       </p:ext>
     </p:extLst>
   </p:cSld>
@@ -1167,6 +1188,2634 @@
 </file>
 
 <file path=ppt/slideLayouts/slideLayout10.xml><?xml version="1.0" encoding="utf-8"?>
+<p:sldLayout xmlns:a="http://schemas.openxmlformats.org/drawingml/2006/main" xmlns:r="http://schemas.openxmlformats.org/officeDocument/2006/relationships" xmlns:p="http://schemas.openxmlformats.org/presentationml/2006/main" preserve="1">
+  <p:cSld name="Panoramic Picture with Caption">
+    <p:spTree>
+      <p:nvGrpSpPr>
+        <p:cNvPr id="1" name=""/>
+        <p:cNvGrpSpPr/>
+        <p:nvPr/>
+      </p:nvGrpSpPr>
+      <p:grpSpPr>
+        <a:xfrm>
+          <a:off x="0" y="0"/>
+          <a:ext cx="0" cy="0"/>
+          <a:chOff x="0" y="0"/>
+          <a:chExt cx="0" cy="0"/>
+        </a:xfrm>
+      </p:grpSpPr>
+      <p:sp>
+        <p:nvSpPr>
+          <p:cNvPr id="2" name="Title 1"/>
+          <p:cNvSpPr>
+            <a:spLocks noGrp="1"/>
+          </p:cNvSpPr>
+          <p:nvPr>
+            <p:ph type="title"/>
+          </p:nvPr>
+        </p:nvSpPr>
+        <p:spPr>
+          <a:xfrm>
+            <a:off x="685598" y="4697361"/>
+            <a:ext cx="10819216" cy="819355"/>
+          </a:xfrm>
+        </p:spPr>
+        <p:txBody>
+          <a:bodyPr anchor="b"/>
+          <a:lstStyle>
+            <a:lvl1pPr algn="l">
+              <a:defRPr sz="3199"/>
+            </a:lvl1pPr>
+          </a:lstStyle>
+          <a:p>
+            <a:r>
+              <a:rPr lang="en-US"/>
+              <a:t>Click to edit Master title style</a:t>
+            </a:r>
+            <a:endParaRPr lang="en-US" dirty="0"/>
+          </a:p>
+        </p:txBody>
+      </p:sp>
+      <p:sp>
+        <p:nvSpPr>
+          <p:cNvPr id="3" name="Picture Placeholder 2"/>
+          <p:cNvSpPr>
+            <a:spLocks noGrp="1" noChangeAspect="1"/>
+          </p:cNvSpPr>
+          <p:nvPr>
+            <p:ph type="pic" idx="1"/>
+          </p:nvPr>
+        </p:nvSpPr>
+        <p:spPr>
+          <a:xfrm>
+            <a:off x="681549" y="941440"/>
+            <a:ext cx="10819022" cy="3478161"/>
+          </a:xfrm>
+        </p:spPr>
+        <p:txBody>
+          <a:bodyPr anchor="t"/>
+          <a:lstStyle>
+            <a:lvl1pPr marL="0" indent="0">
+              <a:buNone/>
+              <a:defRPr sz="3199"/>
+            </a:lvl1pPr>
+            <a:lvl2pPr marL="457063" indent="0">
+              <a:buNone/>
+              <a:defRPr sz="2799"/>
+            </a:lvl2pPr>
+            <a:lvl3pPr marL="914126" indent="0">
+              <a:buNone/>
+              <a:defRPr sz="2399"/>
+            </a:lvl3pPr>
+            <a:lvl4pPr marL="1371189" indent="0">
+              <a:buNone/>
+              <a:defRPr sz="1999"/>
+            </a:lvl4pPr>
+            <a:lvl5pPr marL="1828251" indent="0">
+              <a:buNone/>
+              <a:defRPr sz="1999"/>
+            </a:lvl5pPr>
+            <a:lvl6pPr marL="2285314" indent="0">
+              <a:buNone/>
+              <a:defRPr sz="1999"/>
+            </a:lvl6pPr>
+            <a:lvl7pPr marL="2742377" indent="0">
+              <a:buNone/>
+              <a:defRPr sz="1999"/>
+            </a:lvl7pPr>
+            <a:lvl8pPr marL="3199440" indent="0">
+              <a:buNone/>
+              <a:defRPr sz="1999"/>
+            </a:lvl8pPr>
+            <a:lvl9pPr marL="3656503" indent="0">
+              <a:buNone/>
+              <a:defRPr sz="1999"/>
+            </a:lvl9pPr>
+          </a:lstStyle>
+          <a:p>
+            <a:r>
+              <a:rPr lang="en-US"/>
+              <a:t>Click icon to add picture</a:t>
+            </a:r>
+            <a:endParaRPr lang="en-US" dirty="0"/>
+          </a:p>
+        </p:txBody>
+      </p:sp>
+      <p:sp>
+        <p:nvSpPr>
+          <p:cNvPr id="4" name="Text Placeholder 3"/>
+          <p:cNvSpPr>
+            <a:spLocks noGrp="1"/>
+          </p:cNvSpPr>
+          <p:nvPr>
+            <p:ph type="body" sz="half" idx="2"/>
+          </p:nvPr>
+        </p:nvSpPr>
+        <p:spPr>
+          <a:xfrm>
+            <a:off x="685622" y="5516716"/>
+            <a:ext cx="10817582" cy="701969"/>
+          </a:xfrm>
+        </p:spPr>
+        <p:txBody>
+          <a:bodyPr/>
+          <a:lstStyle>
+            <a:lvl1pPr marL="0" indent="0" algn="l">
+              <a:buNone/>
+              <a:defRPr sz="1600"/>
+            </a:lvl1pPr>
+            <a:lvl2pPr marL="457063" indent="0">
+              <a:buNone/>
+              <a:defRPr sz="1400"/>
+            </a:lvl2pPr>
+            <a:lvl3pPr marL="914126" indent="0">
+              <a:buNone/>
+              <a:defRPr sz="1200"/>
+            </a:lvl3pPr>
+            <a:lvl4pPr marL="1371189" indent="0">
+              <a:buNone/>
+              <a:defRPr sz="1000"/>
+            </a:lvl4pPr>
+            <a:lvl5pPr marL="1828251" indent="0">
+              <a:buNone/>
+              <a:defRPr sz="1000"/>
+            </a:lvl5pPr>
+            <a:lvl6pPr marL="2285314" indent="0">
+              <a:buNone/>
+              <a:defRPr sz="1000"/>
+            </a:lvl6pPr>
+            <a:lvl7pPr marL="2742377" indent="0">
+              <a:buNone/>
+              <a:defRPr sz="1000"/>
+            </a:lvl7pPr>
+            <a:lvl8pPr marL="3199440" indent="0">
+              <a:buNone/>
+              <a:defRPr sz="1000"/>
+            </a:lvl8pPr>
+            <a:lvl9pPr marL="3656503" indent="0">
+              <a:buNone/>
+              <a:defRPr sz="1000"/>
+            </a:lvl9pPr>
+          </a:lstStyle>
+          <a:p>
+            <a:pPr lvl="0"/>
+            <a:r>
+              <a:rPr lang="en-US"/>
+              <a:t>Edit Master text styles</a:t>
+            </a:r>
+          </a:p>
+        </p:txBody>
+      </p:sp>
+      <p:sp>
+        <p:nvSpPr>
+          <p:cNvPr id="5" name="Date Placeholder 4"/>
+          <p:cNvSpPr>
+            <a:spLocks noGrp="1"/>
+          </p:cNvSpPr>
+          <p:nvPr>
+            <p:ph type="dt" sz="half" idx="10"/>
+          </p:nvPr>
+        </p:nvSpPr>
+        <p:spPr/>
+        <p:txBody>
+          <a:bodyPr/>
+          <a:lstStyle/>
+          <a:p>
+            <a:fld id="{DD03A468-7FFD-8642-805A-7250196496B4}" type="datetime1">
+              <a:rPr lang="en-US" smtClean="0"/>
+              <a:t>10/8/18</a:t>
+            </a:fld>
+            <a:endParaRPr lang="en-US"/>
+          </a:p>
+        </p:txBody>
+      </p:sp>
+      <p:sp>
+        <p:nvSpPr>
+          <p:cNvPr id="6" name="Footer Placeholder 5"/>
+          <p:cNvSpPr>
+            <a:spLocks noGrp="1"/>
+          </p:cNvSpPr>
+          <p:nvPr>
+            <p:ph type="ftr" sz="quarter" idx="11"/>
+          </p:nvPr>
+        </p:nvSpPr>
+        <p:spPr/>
+        <p:txBody>
+          <a:bodyPr/>
+          <a:lstStyle/>
+          <a:p>
+            <a:r>
+              <a:rPr lang="en-US"/>
+              <a:t>AWS Java Lambda Functions with Kotlin</a:t>
+            </a:r>
+            <a:endParaRPr lang="en-US" dirty="0"/>
+          </a:p>
+        </p:txBody>
+      </p:sp>
+      <p:sp>
+        <p:nvSpPr>
+          <p:cNvPr id="7" name="Slide Number Placeholder 6"/>
+          <p:cNvSpPr>
+            <a:spLocks noGrp="1"/>
+          </p:cNvSpPr>
+          <p:nvPr>
+            <p:ph type="sldNum" sz="quarter" idx="12"/>
+          </p:nvPr>
+        </p:nvSpPr>
+        <p:spPr/>
+        <p:txBody>
+          <a:bodyPr/>
+          <a:lstStyle/>
+          <a:p>
+            <a:fld id="{ABCABC6B-F667-1540-8370-D056DC2C0FCE}" type="slidenum">
+              <a:rPr lang="en-US" smtClean="0"/>
+              <a:pPr/>
+              <a:t>‹#›</a:t>
+            </a:fld>
+            <a:endParaRPr lang="en-US" dirty="0"/>
+          </a:p>
+        </p:txBody>
+      </p:sp>
+    </p:spTree>
+    <p:extLst>
+      <p:ext uri="{BB962C8B-B14F-4D97-AF65-F5344CB8AC3E}">
+        <p14:creationId xmlns:p14="http://schemas.microsoft.com/office/powerpoint/2010/main" val="1082723083"/>
+      </p:ext>
+    </p:extLst>
+  </p:cSld>
+  <p:clrMapOvr>
+    <a:masterClrMapping/>
+  </p:clrMapOvr>
+  <p:hf hdr="0"/>
+</p:sldLayout>
+</file>
+
+<file path=ppt/slideLayouts/slideLayout11.xml><?xml version="1.0" encoding="utf-8"?>
+<p:sldLayout xmlns:a="http://schemas.openxmlformats.org/drawingml/2006/main" xmlns:r="http://schemas.openxmlformats.org/officeDocument/2006/relationships" xmlns:p="http://schemas.openxmlformats.org/presentationml/2006/main" showMasterSp="0" preserve="1">
+  <p:cSld name="Title and Caption">
+    <p:spTree>
+      <p:nvGrpSpPr>
+        <p:cNvPr id="1" name=""/>
+        <p:cNvGrpSpPr/>
+        <p:nvPr/>
+      </p:nvGrpSpPr>
+      <p:grpSpPr>
+        <a:xfrm>
+          <a:off x="0" y="0"/>
+          <a:ext cx="0" cy="0"/>
+          <a:chOff x="0" y="0"/>
+          <a:chExt cx="0" cy="0"/>
+        </a:xfrm>
+      </p:grpSpPr>
+      <p:pic>
+        <p:nvPicPr>
+          <p:cNvPr id="9" name="Picture 8" descr="C1-HD-BTM.png"/>
+          <p:cNvPicPr>
+            <a:picLocks noChangeAspect="1"/>
+          </p:cNvPicPr>
+          <p:nvPr/>
+        </p:nvPicPr>
+        <p:blipFill>
+          <a:blip r:embed="rId2">
+            <a:extLst>
+              <a:ext uri="{28A0092B-C50C-407E-A947-70E740481C1C}">
+                <a14:useLocalDpi xmlns:a14="http://schemas.microsoft.com/office/drawing/2010/main" val="0"/>
+              </a:ext>
+            </a:extLst>
+          </a:blip>
+          <a:stretch>
+            <a:fillRect/>
+          </a:stretch>
+        </p:blipFill>
+        <p:spPr>
+          <a:xfrm>
+            <a:off x="0" y="4375150"/>
+            <a:ext cx="12188825" cy="2482850"/>
+          </a:xfrm>
+          <a:prstGeom prst="rect">
+            <a:avLst/>
+          </a:prstGeom>
+        </p:spPr>
+      </p:pic>
+      <p:sp>
+        <p:nvSpPr>
+          <p:cNvPr id="2" name="Title 1"/>
+          <p:cNvSpPr>
+            <a:spLocks noGrp="1"/>
+          </p:cNvSpPr>
+          <p:nvPr>
+            <p:ph type="title"/>
+          </p:nvPr>
+        </p:nvSpPr>
+        <p:spPr>
+          <a:xfrm>
+            <a:off x="685622" y="753533"/>
+            <a:ext cx="10817582" cy="2802467"/>
+          </a:xfrm>
+        </p:spPr>
+        <p:txBody>
+          <a:bodyPr anchor="ctr"/>
+          <a:lstStyle>
+            <a:lvl1pPr algn="l">
+              <a:defRPr sz="3199"/>
+            </a:lvl1pPr>
+          </a:lstStyle>
+          <a:p>
+            <a:r>
+              <a:rPr lang="en-US"/>
+              <a:t>Click to edit Master title style</a:t>
+            </a:r>
+            <a:endParaRPr lang="en-US" dirty="0"/>
+          </a:p>
+        </p:txBody>
+      </p:sp>
+      <p:sp>
+        <p:nvSpPr>
+          <p:cNvPr id="4" name="Text Placeholder 3"/>
+          <p:cNvSpPr>
+            <a:spLocks noGrp="1"/>
+          </p:cNvSpPr>
+          <p:nvPr>
+            <p:ph type="body" sz="half" idx="2"/>
+          </p:nvPr>
+        </p:nvSpPr>
+        <p:spPr>
+          <a:xfrm>
+            <a:off x="1024200" y="3649134"/>
+            <a:ext cx="10127878" cy="999067"/>
+          </a:xfrm>
+        </p:spPr>
+        <p:txBody>
+          <a:bodyPr anchor="ctr"/>
+          <a:lstStyle>
+            <a:lvl1pPr marL="0" indent="0">
+              <a:buNone/>
+              <a:defRPr sz="1600"/>
+            </a:lvl1pPr>
+            <a:lvl2pPr marL="457063" indent="0">
+              <a:buNone/>
+              <a:defRPr sz="1400"/>
+            </a:lvl2pPr>
+            <a:lvl3pPr marL="914126" indent="0">
+              <a:buNone/>
+              <a:defRPr sz="1200"/>
+            </a:lvl3pPr>
+            <a:lvl4pPr marL="1371189" indent="0">
+              <a:buNone/>
+              <a:defRPr sz="1000"/>
+            </a:lvl4pPr>
+            <a:lvl5pPr marL="1828251" indent="0">
+              <a:buNone/>
+              <a:defRPr sz="1000"/>
+            </a:lvl5pPr>
+            <a:lvl6pPr marL="2285314" indent="0">
+              <a:buNone/>
+              <a:defRPr sz="1000"/>
+            </a:lvl6pPr>
+            <a:lvl7pPr marL="2742377" indent="0">
+              <a:buNone/>
+              <a:defRPr sz="1000"/>
+            </a:lvl7pPr>
+            <a:lvl8pPr marL="3199440" indent="0">
+              <a:buNone/>
+              <a:defRPr sz="1000"/>
+            </a:lvl8pPr>
+            <a:lvl9pPr marL="3656503" indent="0">
+              <a:buNone/>
+              <a:defRPr sz="1000"/>
+            </a:lvl9pPr>
+          </a:lstStyle>
+          <a:p>
+            <a:pPr lvl="0"/>
+            <a:r>
+              <a:rPr lang="en-US"/>
+              <a:t>Edit Master text styles</a:t>
+            </a:r>
+          </a:p>
+        </p:txBody>
+      </p:sp>
+      <p:sp>
+        <p:nvSpPr>
+          <p:cNvPr id="5" name="Date Placeholder 4"/>
+          <p:cNvSpPr>
+            <a:spLocks noGrp="1"/>
+          </p:cNvSpPr>
+          <p:nvPr>
+            <p:ph type="dt" sz="half" idx="10"/>
+          </p:nvPr>
+        </p:nvSpPr>
+        <p:spPr>
+          <a:xfrm>
+            <a:off x="7812417" y="381001"/>
+            <a:ext cx="2910082" cy="365125"/>
+          </a:xfrm>
+        </p:spPr>
+        <p:txBody>
+          <a:bodyPr/>
+          <a:lstStyle>
+            <a:lvl1pPr algn="r">
+              <a:defRPr/>
+            </a:lvl1pPr>
+          </a:lstStyle>
+          <a:p>
+            <a:fld id="{DD03A468-7FFD-8642-805A-7250196496B4}" type="datetime1">
+              <a:rPr lang="en-US" smtClean="0"/>
+              <a:t>10/8/18</a:t>
+            </a:fld>
+            <a:endParaRPr lang="en-US"/>
+          </a:p>
+        </p:txBody>
+      </p:sp>
+      <p:sp>
+        <p:nvSpPr>
+          <p:cNvPr id="6" name="Footer Placeholder 5"/>
+          <p:cNvSpPr>
+            <a:spLocks noGrp="1"/>
+          </p:cNvSpPr>
+          <p:nvPr>
+            <p:ph type="ftr" sz="quarter" idx="11"/>
+          </p:nvPr>
+        </p:nvSpPr>
+        <p:spPr>
+          <a:xfrm>
+            <a:off x="685622" y="379942"/>
+            <a:ext cx="6989671" cy="365125"/>
+          </a:xfrm>
+        </p:spPr>
+        <p:txBody>
+          <a:bodyPr/>
+          <a:lstStyle/>
+          <a:p>
+            <a:r>
+              <a:rPr lang="en-US"/>
+              <a:t>AWS Java Lambda Functions with Kotlin</a:t>
+            </a:r>
+            <a:endParaRPr lang="en-US" dirty="0"/>
+          </a:p>
+        </p:txBody>
+      </p:sp>
+      <p:sp>
+        <p:nvSpPr>
+          <p:cNvPr id="7" name="Slide Number Placeholder 6"/>
+          <p:cNvSpPr>
+            <a:spLocks noGrp="1"/>
+          </p:cNvSpPr>
+          <p:nvPr>
+            <p:ph type="sldNum" sz="quarter" idx="12"/>
+          </p:nvPr>
+        </p:nvSpPr>
+        <p:spPr>
+          <a:xfrm>
+            <a:off x="10859623" y="381001"/>
+            <a:ext cx="643580" cy="365125"/>
+          </a:xfrm>
+        </p:spPr>
+        <p:txBody>
+          <a:bodyPr/>
+          <a:lstStyle/>
+          <a:p>
+            <a:fld id="{ABCABC6B-F667-1540-8370-D056DC2C0FCE}" type="slidenum">
+              <a:rPr lang="en-US" smtClean="0"/>
+              <a:pPr/>
+              <a:t>‹#›</a:t>
+            </a:fld>
+            <a:endParaRPr lang="en-US" dirty="0"/>
+          </a:p>
+        </p:txBody>
+      </p:sp>
+    </p:spTree>
+    <p:extLst>
+      <p:ext uri="{BB962C8B-B14F-4D97-AF65-F5344CB8AC3E}">
+        <p14:creationId xmlns:p14="http://schemas.microsoft.com/office/powerpoint/2010/main" val="1875602577"/>
+      </p:ext>
+    </p:extLst>
+  </p:cSld>
+  <p:clrMapOvr>
+    <a:masterClrMapping/>
+  </p:clrMapOvr>
+  <p:hf hdr="0"/>
+</p:sldLayout>
+</file>
+
+<file path=ppt/slideLayouts/slideLayout12.xml><?xml version="1.0" encoding="utf-8"?>
+<p:sldLayout xmlns:a="http://schemas.openxmlformats.org/drawingml/2006/main" xmlns:r="http://schemas.openxmlformats.org/officeDocument/2006/relationships" xmlns:p="http://schemas.openxmlformats.org/presentationml/2006/main" showMasterSp="0" preserve="1">
+  <p:cSld name="Quote with Caption">
+    <p:spTree>
+      <p:nvGrpSpPr>
+        <p:cNvPr id="1" name=""/>
+        <p:cNvGrpSpPr/>
+        <p:nvPr/>
+      </p:nvGrpSpPr>
+      <p:grpSpPr>
+        <a:xfrm>
+          <a:off x="0" y="0"/>
+          <a:ext cx="0" cy="0"/>
+          <a:chOff x="0" y="0"/>
+          <a:chExt cx="0" cy="0"/>
+        </a:xfrm>
+      </p:grpSpPr>
+      <p:pic>
+        <p:nvPicPr>
+          <p:cNvPr id="11" name="Picture 10" descr="C1-HD-BTM.png"/>
+          <p:cNvPicPr>
+            <a:picLocks noChangeAspect="1"/>
+          </p:cNvPicPr>
+          <p:nvPr/>
+        </p:nvPicPr>
+        <p:blipFill>
+          <a:blip r:embed="rId2">
+            <a:extLst>
+              <a:ext uri="{28A0092B-C50C-407E-A947-70E740481C1C}">
+                <a14:useLocalDpi xmlns:a14="http://schemas.microsoft.com/office/drawing/2010/main" val="0"/>
+              </a:ext>
+            </a:extLst>
+          </a:blip>
+          <a:stretch>
+            <a:fillRect/>
+          </a:stretch>
+        </p:blipFill>
+        <p:spPr>
+          <a:xfrm>
+            <a:off x="0" y="4375150"/>
+            <a:ext cx="12188825" cy="2482850"/>
+          </a:xfrm>
+          <a:prstGeom prst="rect">
+            <a:avLst/>
+          </a:prstGeom>
+        </p:spPr>
+      </p:pic>
+      <p:sp>
+        <p:nvSpPr>
+          <p:cNvPr id="2" name="Title 1"/>
+          <p:cNvSpPr>
+            <a:spLocks noGrp="1"/>
+          </p:cNvSpPr>
+          <p:nvPr>
+            <p:ph type="title"/>
+          </p:nvPr>
+        </p:nvSpPr>
+        <p:spPr>
+          <a:xfrm>
+            <a:off x="1024201" y="753534"/>
+            <a:ext cx="10148889" cy="2604495"/>
+          </a:xfrm>
+        </p:spPr>
+        <p:txBody>
+          <a:bodyPr anchor="ctr"/>
+          <a:lstStyle>
+            <a:lvl1pPr algn="l">
+              <a:defRPr sz="3199"/>
+            </a:lvl1pPr>
+          </a:lstStyle>
+          <a:p>
+            <a:r>
+              <a:rPr lang="en-US"/>
+              <a:t>Click to edit Master title style</a:t>
+            </a:r>
+            <a:endParaRPr lang="en-US" dirty="0"/>
+          </a:p>
+        </p:txBody>
+      </p:sp>
+      <p:sp>
+        <p:nvSpPr>
+          <p:cNvPr id="12" name="Text Placeholder 3"/>
+          <p:cNvSpPr>
+            <a:spLocks noGrp="1"/>
+          </p:cNvSpPr>
+          <p:nvPr>
+            <p:ph type="body" sz="half" idx="13"/>
+          </p:nvPr>
+        </p:nvSpPr>
+        <p:spPr>
+          <a:xfrm>
+            <a:off x="1303525" y="3365557"/>
+            <a:ext cx="9590238" cy="444443"/>
+          </a:xfrm>
+        </p:spPr>
+        <p:txBody>
+          <a:bodyPr anchor="t">
+            <a:normAutofit/>
+          </a:bodyPr>
+          <a:lstStyle>
+            <a:lvl1pPr marL="0" indent="0">
+              <a:buNone/>
+              <a:defRPr sz="1400"/>
+            </a:lvl1pPr>
+            <a:lvl2pPr marL="457063" indent="0">
+              <a:buNone/>
+              <a:defRPr sz="1400"/>
+            </a:lvl2pPr>
+            <a:lvl3pPr marL="914126" indent="0">
+              <a:buNone/>
+              <a:defRPr sz="1200"/>
+            </a:lvl3pPr>
+            <a:lvl4pPr marL="1371189" indent="0">
+              <a:buNone/>
+              <a:defRPr sz="1000"/>
+            </a:lvl4pPr>
+            <a:lvl5pPr marL="1828251" indent="0">
+              <a:buNone/>
+              <a:defRPr sz="1000"/>
+            </a:lvl5pPr>
+            <a:lvl6pPr marL="2285314" indent="0">
+              <a:buNone/>
+              <a:defRPr sz="1000"/>
+            </a:lvl6pPr>
+            <a:lvl7pPr marL="2742377" indent="0">
+              <a:buNone/>
+              <a:defRPr sz="1000"/>
+            </a:lvl7pPr>
+            <a:lvl8pPr marL="3199440" indent="0">
+              <a:buNone/>
+              <a:defRPr sz="1000"/>
+            </a:lvl8pPr>
+            <a:lvl9pPr marL="3656503" indent="0">
+              <a:buNone/>
+              <a:defRPr sz="1000"/>
+            </a:lvl9pPr>
+          </a:lstStyle>
+          <a:p>
+            <a:pPr lvl="0"/>
+            <a:r>
+              <a:rPr lang="en-US"/>
+              <a:t>Edit Master text styles</a:t>
+            </a:r>
+          </a:p>
+        </p:txBody>
+      </p:sp>
+      <p:sp>
+        <p:nvSpPr>
+          <p:cNvPr id="4" name="Text Placeholder 3"/>
+          <p:cNvSpPr>
+            <a:spLocks noGrp="1"/>
+          </p:cNvSpPr>
+          <p:nvPr>
+            <p:ph type="body" sz="half" idx="2"/>
+          </p:nvPr>
+        </p:nvSpPr>
+        <p:spPr>
+          <a:xfrm>
+            <a:off x="1024201" y="3959863"/>
+            <a:ext cx="10148889" cy="679871"/>
+          </a:xfrm>
+        </p:spPr>
+        <p:txBody>
+          <a:bodyPr anchor="ctr">
+            <a:normAutofit/>
+          </a:bodyPr>
+          <a:lstStyle>
+            <a:lvl1pPr marL="0" indent="0">
+              <a:buNone/>
+              <a:defRPr sz="1600"/>
+            </a:lvl1pPr>
+            <a:lvl2pPr marL="457063" indent="0">
+              <a:buNone/>
+              <a:defRPr sz="1400"/>
+            </a:lvl2pPr>
+            <a:lvl3pPr marL="914126" indent="0">
+              <a:buNone/>
+              <a:defRPr sz="1200"/>
+            </a:lvl3pPr>
+            <a:lvl4pPr marL="1371189" indent="0">
+              <a:buNone/>
+              <a:defRPr sz="1000"/>
+            </a:lvl4pPr>
+            <a:lvl5pPr marL="1828251" indent="0">
+              <a:buNone/>
+              <a:defRPr sz="1000"/>
+            </a:lvl5pPr>
+            <a:lvl6pPr marL="2285314" indent="0">
+              <a:buNone/>
+              <a:defRPr sz="1000"/>
+            </a:lvl6pPr>
+            <a:lvl7pPr marL="2742377" indent="0">
+              <a:buNone/>
+              <a:defRPr sz="1000"/>
+            </a:lvl7pPr>
+            <a:lvl8pPr marL="3199440" indent="0">
+              <a:buNone/>
+              <a:defRPr sz="1000"/>
+            </a:lvl8pPr>
+            <a:lvl9pPr marL="3656503" indent="0">
+              <a:buNone/>
+              <a:defRPr sz="1000"/>
+            </a:lvl9pPr>
+          </a:lstStyle>
+          <a:p>
+            <a:pPr lvl="0"/>
+            <a:r>
+              <a:rPr lang="en-US"/>
+              <a:t>Edit Master text styles</a:t>
+            </a:r>
+          </a:p>
+        </p:txBody>
+      </p:sp>
+      <p:sp>
+        <p:nvSpPr>
+          <p:cNvPr id="5" name="Date Placeholder 4"/>
+          <p:cNvSpPr>
+            <a:spLocks noGrp="1"/>
+          </p:cNvSpPr>
+          <p:nvPr>
+            <p:ph type="dt" sz="half" idx="10"/>
+          </p:nvPr>
+        </p:nvSpPr>
+        <p:spPr>
+          <a:xfrm>
+            <a:off x="7812417" y="381001"/>
+            <a:ext cx="2910082" cy="365125"/>
+          </a:xfrm>
+        </p:spPr>
+        <p:txBody>
+          <a:bodyPr/>
+          <a:lstStyle>
+            <a:lvl1pPr algn="r">
+              <a:defRPr/>
+            </a:lvl1pPr>
+          </a:lstStyle>
+          <a:p>
+            <a:fld id="{DD03A468-7FFD-8642-805A-7250196496B4}" type="datetime1">
+              <a:rPr lang="en-US" smtClean="0"/>
+              <a:t>10/8/18</a:t>
+            </a:fld>
+            <a:endParaRPr lang="en-US"/>
+          </a:p>
+        </p:txBody>
+      </p:sp>
+      <p:sp>
+        <p:nvSpPr>
+          <p:cNvPr id="6" name="Footer Placeholder 5"/>
+          <p:cNvSpPr>
+            <a:spLocks noGrp="1"/>
+          </p:cNvSpPr>
+          <p:nvPr>
+            <p:ph type="ftr" sz="quarter" idx="11"/>
+          </p:nvPr>
+        </p:nvSpPr>
+        <p:spPr>
+          <a:xfrm>
+            <a:off x="685622" y="379942"/>
+            <a:ext cx="6989671" cy="365125"/>
+          </a:xfrm>
+        </p:spPr>
+        <p:txBody>
+          <a:bodyPr/>
+          <a:lstStyle/>
+          <a:p>
+            <a:r>
+              <a:rPr lang="en-US"/>
+              <a:t>AWS Java Lambda Functions with Kotlin</a:t>
+            </a:r>
+            <a:endParaRPr lang="en-US" dirty="0"/>
+          </a:p>
+        </p:txBody>
+      </p:sp>
+      <p:sp>
+        <p:nvSpPr>
+          <p:cNvPr id="7" name="Slide Number Placeholder 6"/>
+          <p:cNvSpPr>
+            <a:spLocks noGrp="1"/>
+          </p:cNvSpPr>
+          <p:nvPr>
+            <p:ph type="sldNum" sz="quarter" idx="12"/>
+          </p:nvPr>
+        </p:nvSpPr>
+        <p:spPr>
+          <a:xfrm>
+            <a:off x="10859623" y="381001"/>
+            <a:ext cx="643580" cy="365125"/>
+          </a:xfrm>
+        </p:spPr>
+        <p:txBody>
+          <a:bodyPr/>
+          <a:lstStyle/>
+          <a:p>
+            <a:fld id="{ABCABC6B-F667-1540-8370-D056DC2C0FCE}" type="slidenum">
+              <a:rPr lang="en-US" smtClean="0"/>
+              <a:pPr/>
+              <a:t>‹#›</a:t>
+            </a:fld>
+            <a:endParaRPr lang="en-US" dirty="0"/>
+          </a:p>
+        </p:txBody>
+      </p:sp>
+      <p:sp>
+        <p:nvSpPr>
+          <p:cNvPr id="9" name="TextBox 8"/>
+          <p:cNvSpPr txBox="1"/>
+          <p:nvPr/>
+        </p:nvSpPr>
+        <p:spPr>
+          <a:xfrm>
+            <a:off x="476126" y="933450"/>
+            <a:ext cx="609441" cy="584776"/>
+          </a:xfrm>
+          <a:prstGeom prst="rect">
+            <a:avLst/>
+          </a:prstGeom>
+        </p:spPr>
+        <p:txBody>
+          <a:bodyPr vert="horz" lIns="91416" tIns="45708" rIns="91416" bIns="45708" rtlCol="0" anchor="ctr">
+            <a:noAutofit/>
+          </a:bodyPr>
+          <a:lstStyle>
+            <a:lvl1pPr>
+              <a:spcBef>
+                <a:spcPct val="0"/>
+              </a:spcBef>
+              <a:buNone/>
+              <a:defRPr sz="3200" b="0" cap="all">
+                <a:ln w="3175" cmpd="sng">
+                  <a:noFill/>
+                </a:ln>
+                <a:effectLst>
+                  <a:glow rad="38100">
+                    <a:schemeClr val="bg1">
+                      <a:lumMod val="65000"/>
+                      <a:lumOff val="35000"/>
+                      <a:alpha val="40000"/>
+                    </a:schemeClr>
+                  </a:glow>
+                  <a:outerShdw blurRad="28575" dist="38100" dir="14040000" algn="tl" rotWithShape="0">
+                    <a:srgbClr val="000000">
+                      <a:alpha val="25000"/>
+                    </a:srgbClr>
+                  </a:outerShdw>
+                </a:effectLst>
+              </a:defRPr>
+            </a:lvl1pPr>
+            <a:lvl2pPr>
+              <a:defRPr>
+                <a:solidFill>
+                  <a:schemeClr val="tx2"/>
+                </a:solidFill>
+              </a:defRPr>
+            </a:lvl2pPr>
+            <a:lvl3pPr>
+              <a:defRPr>
+                <a:solidFill>
+                  <a:schemeClr val="tx2"/>
+                </a:solidFill>
+              </a:defRPr>
+            </a:lvl3pPr>
+            <a:lvl4pPr>
+              <a:defRPr>
+                <a:solidFill>
+                  <a:schemeClr val="tx2"/>
+                </a:solidFill>
+              </a:defRPr>
+            </a:lvl4pPr>
+            <a:lvl5pPr>
+              <a:defRPr>
+                <a:solidFill>
+                  <a:schemeClr val="tx2"/>
+                </a:solidFill>
+              </a:defRPr>
+            </a:lvl5pPr>
+            <a:lvl6pPr>
+              <a:defRPr>
+                <a:solidFill>
+                  <a:schemeClr val="tx2"/>
+                </a:solidFill>
+              </a:defRPr>
+            </a:lvl6pPr>
+            <a:lvl7pPr>
+              <a:defRPr>
+                <a:solidFill>
+                  <a:schemeClr val="tx2"/>
+                </a:solidFill>
+              </a:defRPr>
+            </a:lvl7pPr>
+            <a:lvl8pPr>
+              <a:defRPr>
+                <a:solidFill>
+                  <a:schemeClr val="tx2"/>
+                </a:solidFill>
+              </a:defRPr>
+            </a:lvl8pPr>
+            <a:lvl9pPr>
+              <a:defRPr>
+                <a:solidFill>
+                  <a:schemeClr val="tx2"/>
+                </a:solidFill>
+              </a:defRPr>
+            </a:lvl9pPr>
+          </a:lstStyle>
+          <a:p>
+            <a:pPr lvl="0"/>
+            <a:r>
+              <a:rPr lang="en-US" sz="7998" dirty="0">
+                <a:solidFill>
+                  <a:schemeClr val="tx1"/>
+                </a:solidFill>
+                <a:effectLst/>
+              </a:rPr>
+              <a:t>“</a:t>
+            </a:r>
+          </a:p>
+        </p:txBody>
+      </p:sp>
+      <p:sp>
+        <p:nvSpPr>
+          <p:cNvPr id="10" name="TextBox 9"/>
+          <p:cNvSpPr txBox="1"/>
+          <p:nvPr/>
+        </p:nvSpPr>
+        <p:spPr>
+          <a:xfrm>
+            <a:off x="10981370" y="2701290"/>
+            <a:ext cx="609441" cy="584776"/>
+          </a:xfrm>
+          <a:prstGeom prst="rect">
+            <a:avLst/>
+          </a:prstGeom>
+        </p:spPr>
+        <p:txBody>
+          <a:bodyPr vert="horz" lIns="91416" tIns="45708" rIns="91416" bIns="45708" rtlCol="0" anchor="ctr">
+            <a:noAutofit/>
+          </a:bodyPr>
+          <a:lstStyle>
+            <a:lvl1pPr>
+              <a:spcBef>
+                <a:spcPct val="0"/>
+              </a:spcBef>
+              <a:buNone/>
+              <a:defRPr sz="3200" b="0" cap="all">
+                <a:ln w="3175" cmpd="sng">
+                  <a:noFill/>
+                </a:ln>
+                <a:effectLst>
+                  <a:glow rad="38100">
+                    <a:schemeClr val="bg1">
+                      <a:lumMod val="65000"/>
+                      <a:lumOff val="35000"/>
+                      <a:alpha val="40000"/>
+                    </a:schemeClr>
+                  </a:glow>
+                  <a:outerShdw blurRad="28575" dist="38100" dir="14040000" algn="tl" rotWithShape="0">
+                    <a:srgbClr val="000000">
+                      <a:alpha val="25000"/>
+                    </a:srgbClr>
+                  </a:outerShdw>
+                </a:effectLst>
+              </a:defRPr>
+            </a:lvl1pPr>
+            <a:lvl2pPr>
+              <a:defRPr>
+                <a:solidFill>
+                  <a:schemeClr val="tx2"/>
+                </a:solidFill>
+              </a:defRPr>
+            </a:lvl2pPr>
+            <a:lvl3pPr>
+              <a:defRPr>
+                <a:solidFill>
+                  <a:schemeClr val="tx2"/>
+                </a:solidFill>
+              </a:defRPr>
+            </a:lvl3pPr>
+            <a:lvl4pPr>
+              <a:defRPr>
+                <a:solidFill>
+                  <a:schemeClr val="tx2"/>
+                </a:solidFill>
+              </a:defRPr>
+            </a:lvl4pPr>
+            <a:lvl5pPr>
+              <a:defRPr>
+                <a:solidFill>
+                  <a:schemeClr val="tx2"/>
+                </a:solidFill>
+              </a:defRPr>
+            </a:lvl5pPr>
+            <a:lvl6pPr>
+              <a:defRPr>
+                <a:solidFill>
+                  <a:schemeClr val="tx2"/>
+                </a:solidFill>
+              </a:defRPr>
+            </a:lvl6pPr>
+            <a:lvl7pPr>
+              <a:defRPr>
+                <a:solidFill>
+                  <a:schemeClr val="tx2"/>
+                </a:solidFill>
+              </a:defRPr>
+            </a:lvl7pPr>
+            <a:lvl8pPr>
+              <a:defRPr>
+                <a:solidFill>
+                  <a:schemeClr val="tx2"/>
+                </a:solidFill>
+              </a:defRPr>
+            </a:lvl8pPr>
+            <a:lvl9pPr>
+              <a:defRPr>
+                <a:solidFill>
+                  <a:schemeClr val="tx2"/>
+                </a:solidFill>
+              </a:defRPr>
+            </a:lvl9pPr>
+          </a:lstStyle>
+          <a:p>
+            <a:pPr lvl="0" algn="r"/>
+            <a:r>
+              <a:rPr lang="en-US" sz="7998" dirty="0">
+                <a:solidFill>
+                  <a:schemeClr val="tx1"/>
+                </a:solidFill>
+                <a:effectLst/>
+              </a:rPr>
+              <a:t>”</a:t>
+            </a:r>
+          </a:p>
+        </p:txBody>
+      </p:sp>
+    </p:spTree>
+    <p:extLst>
+      <p:ext uri="{BB962C8B-B14F-4D97-AF65-F5344CB8AC3E}">
+        <p14:creationId xmlns:p14="http://schemas.microsoft.com/office/powerpoint/2010/main" val="288790332"/>
+      </p:ext>
+    </p:extLst>
+  </p:cSld>
+  <p:clrMapOvr>
+    <a:masterClrMapping/>
+  </p:clrMapOvr>
+  <p:hf hdr="0"/>
+</p:sldLayout>
+</file>
+
+<file path=ppt/slideLayouts/slideLayout13.xml><?xml version="1.0" encoding="utf-8"?>
+<p:sldLayout xmlns:a="http://schemas.openxmlformats.org/drawingml/2006/main" xmlns:r="http://schemas.openxmlformats.org/officeDocument/2006/relationships" xmlns:p="http://schemas.openxmlformats.org/presentationml/2006/main" showMasterSp="0" preserve="1">
+  <p:cSld name="Name Card">
+    <p:spTree>
+      <p:nvGrpSpPr>
+        <p:cNvPr id="1" name=""/>
+        <p:cNvGrpSpPr/>
+        <p:nvPr/>
+      </p:nvGrpSpPr>
+      <p:grpSpPr>
+        <a:xfrm>
+          <a:off x="0" y="0"/>
+          <a:ext cx="0" cy="0"/>
+          <a:chOff x="0" y="0"/>
+          <a:chExt cx="0" cy="0"/>
+        </a:xfrm>
+      </p:grpSpPr>
+      <p:pic>
+        <p:nvPicPr>
+          <p:cNvPr id="8" name="Picture 7" descr="C1-HD-BTM.png"/>
+          <p:cNvPicPr>
+            <a:picLocks noChangeAspect="1"/>
+          </p:cNvPicPr>
+          <p:nvPr/>
+        </p:nvPicPr>
+        <p:blipFill>
+          <a:blip r:embed="rId2">
+            <a:extLst>
+              <a:ext uri="{28A0092B-C50C-407E-A947-70E740481C1C}">
+                <a14:useLocalDpi xmlns:a14="http://schemas.microsoft.com/office/drawing/2010/main" val="0"/>
+              </a:ext>
+            </a:extLst>
+          </a:blip>
+          <a:stretch>
+            <a:fillRect/>
+          </a:stretch>
+        </p:blipFill>
+        <p:spPr>
+          <a:xfrm>
+            <a:off x="0" y="4375150"/>
+            <a:ext cx="12188825" cy="2482850"/>
+          </a:xfrm>
+          <a:prstGeom prst="rect">
+            <a:avLst/>
+          </a:prstGeom>
+        </p:spPr>
+      </p:pic>
+      <p:sp>
+        <p:nvSpPr>
+          <p:cNvPr id="2" name="Title 1"/>
+          <p:cNvSpPr>
+            <a:spLocks noGrp="1"/>
+          </p:cNvSpPr>
+          <p:nvPr>
+            <p:ph type="title"/>
+          </p:nvPr>
+        </p:nvSpPr>
+        <p:spPr>
+          <a:xfrm>
+            <a:off x="1024228" y="1124702"/>
+            <a:ext cx="10143544" cy="2511835"/>
+          </a:xfrm>
+        </p:spPr>
+        <p:txBody>
+          <a:bodyPr anchor="b"/>
+          <a:lstStyle>
+            <a:lvl1pPr algn="l">
+              <a:defRPr sz="3199"/>
+            </a:lvl1pPr>
+          </a:lstStyle>
+          <a:p>
+            <a:r>
+              <a:rPr lang="en-US"/>
+              <a:t>Click to edit Master title style</a:t>
+            </a:r>
+            <a:endParaRPr lang="en-US" dirty="0"/>
+          </a:p>
+        </p:txBody>
+      </p:sp>
+      <p:sp>
+        <p:nvSpPr>
+          <p:cNvPr id="4" name="Text Placeholder 3"/>
+          <p:cNvSpPr>
+            <a:spLocks noGrp="1"/>
+          </p:cNvSpPr>
+          <p:nvPr>
+            <p:ph type="body" sz="half" idx="2"/>
+          </p:nvPr>
+        </p:nvSpPr>
+        <p:spPr>
+          <a:xfrm>
+            <a:off x="1024200" y="3648316"/>
+            <a:ext cx="10142012" cy="999885"/>
+          </a:xfrm>
+        </p:spPr>
+        <p:txBody>
+          <a:bodyPr anchor="t"/>
+          <a:lstStyle>
+            <a:lvl1pPr marL="0" indent="0">
+              <a:buNone/>
+              <a:defRPr sz="1600"/>
+            </a:lvl1pPr>
+            <a:lvl2pPr marL="457063" indent="0">
+              <a:buNone/>
+              <a:defRPr sz="1400"/>
+            </a:lvl2pPr>
+            <a:lvl3pPr marL="914126" indent="0">
+              <a:buNone/>
+              <a:defRPr sz="1200"/>
+            </a:lvl3pPr>
+            <a:lvl4pPr marL="1371189" indent="0">
+              <a:buNone/>
+              <a:defRPr sz="1000"/>
+            </a:lvl4pPr>
+            <a:lvl5pPr marL="1828251" indent="0">
+              <a:buNone/>
+              <a:defRPr sz="1000"/>
+            </a:lvl5pPr>
+            <a:lvl6pPr marL="2285314" indent="0">
+              <a:buNone/>
+              <a:defRPr sz="1000"/>
+            </a:lvl6pPr>
+            <a:lvl7pPr marL="2742377" indent="0">
+              <a:buNone/>
+              <a:defRPr sz="1000"/>
+            </a:lvl7pPr>
+            <a:lvl8pPr marL="3199440" indent="0">
+              <a:buNone/>
+              <a:defRPr sz="1000"/>
+            </a:lvl8pPr>
+            <a:lvl9pPr marL="3656503" indent="0">
+              <a:buNone/>
+              <a:defRPr sz="1000"/>
+            </a:lvl9pPr>
+          </a:lstStyle>
+          <a:p>
+            <a:pPr lvl="0"/>
+            <a:r>
+              <a:rPr lang="en-US"/>
+              <a:t>Edit Master text styles</a:t>
+            </a:r>
+          </a:p>
+        </p:txBody>
+      </p:sp>
+      <p:sp>
+        <p:nvSpPr>
+          <p:cNvPr id="5" name="Date Placeholder 4"/>
+          <p:cNvSpPr>
+            <a:spLocks noGrp="1"/>
+          </p:cNvSpPr>
+          <p:nvPr>
+            <p:ph type="dt" sz="half" idx="10"/>
+          </p:nvPr>
+        </p:nvSpPr>
+        <p:spPr>
+          <a:xfrm>
+            <a:off x="7812417" y="378884"/>
+            <a:ext cx="2910082" cy="365125"/>
+          </a:xfrm>
+        </p:spPr>
+        <p:txBody>
+          <a:bodyPr/>
+          <a:lstStyle>
+            <a:lvl1pPr algn="r">
+              <a:defRPr/>
+            </a:lvl1pPr>
+          </a:lstStyle>
+          <a:p>
+            <a:fld id="{DD03A468-7FFD-8642-805A-7250196496B4}" type="datetime1">
+              <a:rPr lang="en-US" smtClean="0"/>
+              <a:t>10/8/18</a:t>
+            </a:fld>
+            <a:endParaRPr lang="en-US"/>
+          </a:p>
+        </p:txBody>
+      </p:sp>
+      <p:sp>
+        <p:nvSpPr>
+          <p:cNvPr id="6" name="Footer Placeholder 5"/>
+          <p:cNvSpPr>
+            <a:spLocks noGrp="1"/>
+          </p:cNvSpPr>
+          <p:nvPr>
+            <p:ph type="ftr" sz="quarter" idx="11"/>
+          </p:nvPr>
+        </p:nvSpPr>
+        <p:spPr>
+          <a:xfrm>
+            <a:off x="685622" y="378884"/>
+            <a:ext cx="6989671" cy="365125"/>
+          </a:xfrm>
+        </p:spPr>
+        <p:txBody>
+          <a:bodyPr/>
+          <a:lstStyle/>
+          <a:p>
+            <a:r>
+              <a:rPr lang="en-US"/>
+              <a:t>AWS Java Lambda Functions with Kotlin</a:t>
+            </a:r>
+            <a:endParaRPr lang="en-US" dirty="0"/>
+          </a:p>
+        </p:txBody>
+      </p:sp>
+      <p:sp>
+        <p:nvSpPr>
+          <p:cNvPr id="7" name="Slide Number Placeholder 6"/>
+          <p:cNvSpPr>
+            <a:spLocks noGrp="1"/>
+          </p:cNvSpPr>
+          <p:nvPr>
+            <p:ph type="sldNum" sz="quarter" idx="12"/>
+          </p:nvPr>
+        </p:nvSpPr>
+        <p:spPr>
+          <a:xfrm>
+            <a:off x="10859623" y="381001"/>
+            <a:ext cx="643580" cy="365125"/>
+          </a:xfrm>
+        </p:spPr>
+        <p:txBody>
+          <a:bodyPr/>
+          <a:lstStyle/>
+          <a:p>
+            <a:fld id="{ABCABC6B-F667-1540-8370-D056DC2C0FCE}" type="slidenum">
+              <a:rPr lang="en-US" smtClean="0"/>
+              <a:pPr/>
+              <a:t>‹#›</a:t>
+            </a:fld>
+            <a:endParaRPr lang="en-US" dirty="0"/>
+          </a:p>
+        </p:txBody>
+      </p:sp>
+    </p:spTree>
+    <p:extLst>
+      <p:ext uri="{BB962C8B-B14F-4D97-AF65-F5344CB8AC3E}">
+        <p14:creationId xmlns:p14="http://schemas.microsoft.com/office/powerpoint/2010/main" val="3797992765"/>
+      </p:ext>
+    </p:extLst>
+  </p:cSld>
+  <p:clrMapOvr>
+    <a:masterClrMapping/>
+  </p:clrMapOvr>
+  <p:hf hdr="0"/>
+</p:sldLayout>
+</file>
+
+<file path=ppt/slideLayouts/slideLayout14.xml><?xml version="1.0" encoding="utf-8"?>
+<p:sldLayout xmlns:a="http://schemas.openxmlformats.org/drawingml/2006/main" xmlns:r="http://schemas.openxmlformats.org/officeDocument/2006/relationships" xmlns:p="http://schemas.openxmlformats.org/presentationml/2006/main" preserve="1">
+  <p:cSld name="3 Column">
+    <p:spTree>
+      <p:nvGrpSpPr>
+        <p:cNvPr id="1" name=""/>
+        <p:cNvGrpSpPr/>
+        <p:nvPr/>
+      </p:nvGrpSpPr>
+      <p:grpSpPr>
+        <a:xfrm>
+          <a:off x="0" y="0"/>
+          <a:ext cx="0" cy="0"/>
+          <a:chOff x="0" y="0"/>
+          <a:chExt cx="0" cy="0"/>
+        </a:xfrm>
+      </p:grpSpPr>
+      <p:sp>
+        <p:nvSpPr>
+          <p:cNvPr id="15" name="Title 1"/>
+          <p:cNvSpPr>
+            <a:spLocks noGrp="1"/>
+          </p:cNvSpPr>
+          <p:nvPr>
+            <p:ph type="title"/>
+          </p:nvPr>
+        </p:nvSpPr>
+        <p:spPr>
+          <a:xfrm>
+            <a:off x="2894846" y="762000"/>
+            <a:ext cx="8608357" cy="1303867"/>
+          </a:xfrm>
+        </p:spPr>
+        <p:txBody>
+          <a:bodyPr/>
+          <a:lstStyle/>
+          <a:p>
+            <a:r>
+              <a:rPr lang="en-US"/>
+              <a:t>Click to edit Master title style</a:t>
+            </a:r>
+            <a:endParaRPr lang="en-US" dirty="0"/>
+          </a:p>
+        </p:txBody>
+      </p:sp>
+      <p:sp>
+        <p:nvSpPr>
+          <p:cNvPr id="7" name="Text Placeholder 2"/>
+          <p:cNvSpPr>
+            <a:spLocks noGrp="1"/>
+          </p:cNvSpPr>
+          <p:nvPr>
+            <p:ph type="body" idx="1"/>
+          </p:nvPr>
+        </p:nvSpPr>
+        <p:spPr>
+          <a:xfrm>
+            <a:off x="685621" y="2202080"/>
+            <a:ext cx="3455532" cy="617320"/>
+          </a:xfrm>
+        </p:spPr>
+        <p:txBody>
+          <a:bodyPr anchor="b">
+            <a:noAutofit/>
+          </a:bodyPr>
+          <a:lstStyle>
+            <a:lvl1pPr marL="0" indent="0">
+              <a:buNone/>
+              <a:defRPr sz="2399" b="0">
+                <a:solidFill>
+                  <a:schemeClr val="tx1"/>
+                </a:solidFill>
+              </a:defRPr>
+            </a:lvl1pPr>
+            <a:lvl2pPr marL="457063" indent="0">
+              <a:buNone/>
+              <a:defRPr sz="1999" b="1"/>
+            </a:lvl2pPr>
+            <a:lvl3pPr marL="914126" indent="0">
+              <a:buNone/>
+              <a:defRPr sz="1799" b="1"/>
+            </a:lvl3pPr>
+            <a:lvl4pPr marL="1371189" indent="0">
+              <a:buNone/>
+              <a:defRPr sz="1600" b="1"/>
+            </a:lvl4pPr>
+            <a:lvl5pPr marL="1828251" indent="0">
+              <a:buNone/>
+              <a:defRPr sz="1600" b="1"/>
+            </a:lvl5pPr>
+            <a:lvl6pPr marL="2285314" indent="0">
+              <a:buNone/>
+              <a:defRPr sz="1600" b="1"/>
+            </a:lvl6pPr>
+            <a:lvl7pPr marL="2742377" indent="0">
+              <a:buNone/>
+              <a:defRPr sz="1600" b="1"/>
+            </a:lvl7pPr>
+            <a:lvl8pPr marL="3199440" indent="0">
+              <a:buNone/>
+              <a:defRPr sz="1600" b="1"/>
+            </a:lvl8pPr>
+            <a:lvl9pPr marL="3656503" indent="0">
+              <a:buNone/>
+              <a:defRPr sz="1600" b="1"/>
+            </a:lvl9pPr>
+          </a:lstStyle>
+          <a:p>
+            <a:pPr lvl="0"/>
+            <a:r>
+              <a:rPr lang="en-US"/>
+              <a:t>Edit Master text styles</a:t>
+            </a:r>
+          </a:p>
+        </p:txBody>
+      </p:sp>
+      <p:sp>
+        <p:nvSpPr>
+          <p:cNvPr id="8" name="Text Placeholder 3"/>
+          <p:cNvSpPr>
+            <a:spLocks noGrp="1"/>
+          </p:cNvSpPr>
+          <p:nvPr>
+            <p:ph type="body" sz="half" idx="15"/>
+          </p:nvPr>
+        </p:nvSpPr>
+        <p:spPr>
+          <a:xfrm>
+            <a:off x="685620" y="2904565"/>
+            <a:ext cx="3455532" cy="3314132"/>
+          </a:xfrm>
+        </p:spPr>
+        <p:txBody>
+          <a:bodyPr anchor="t">
+            <a:normAutofit/>
+          </a:bodyPr>
+          <a:lstStyle>
+            <a:lvl1pPr marL="0" indent="0">
+              <a:buNone/>
+              <a:defRPr sz="1400"/>
+            </a:lvl1pPr>
+            <a:lvl2pPr marL="457063" indent="0">
+              <a:buNone/>
+              <a:defRPr sz="1200"/>
+            </a:lvl2pPr>
+            <a:lvl3pPr marL="914126" indent="0">
+              <a:buNone/>
+              <a:defRPr sz="1000"/>
+            </a:lvl3pPr>
+            <a:lvl4pPr marL="1371189" indent="0">
+              <a:buNone/>
+              <a:defRPr sz="900"/>
+            </a:lvl4pPr>
+            <a:lvl5pPr marL="1828251" indent="0">
+              <a:buNone/>
+              <a:defRPr sz="900"/>
+            </a:lvl5pPr>
+            <a:lvl6pPr marL="2285314" indent="0">
+              <a:buNone/>
+              <a:defRPr sz="900"/>
+            </a:lvl6pPr>
+            <a:lvl7pPr marL="2742377" indent="0">
+              <a:buNone/>
+              <a:defRPr sz="900"/>
+            </a:lvl7pPr>
+            <a:lvl8pPr marL="3199440" indent="0">
+              <a:buNone/>
+              <a:defRPr sz="900"/>
+            </a:lvl8pPr>
+            <a:lvl9pPr marL="3656503" indent="0">
+              <a:buNone/>
+              <a:defRPr sz="900"/>
+            </a:lvl9pPr>
+          </a:lstStyle>
+          <a:p>
+            <a:pPr lvl="0"/>
+            <a:r>
+              <a:rPr lang="en-US"/>
+              <a:t>Edit Master text styles</a:t>
+            </a:r>
+          </a:p>
+        </p:txBody>
+      </p:sp>
+      <p:sp>
+        <p:nvSpPr>
+          <p:cNvPr id="9" name="Text Placeholder 4"/>
+          <p:cNvSpPr>
+            <a:spLocks noGrp="1"/>
+          </p:cNvSpPr>
+          <p:nvPr>
+            <p:ph type="body" sz="quarter" idx="3"/>
+          </p:nvPr>
+        </p:nvSpPr>
+        <p:spPr>
+          <a:xfrm>
+            <a:off x="4367662" y="2201333"/>
+            <a:ext cx="3455532" cy="626534"/>
+          </a:xfrm>
+        </p:spPr>
+        <p:txBody>
+          <a:bodyPr anchor="b">
+            <a:noAutofit/>
+          </a:bodyPr>
+          <a:lstStyle>
+            <a:lvl1pPr marL="0" indent="0">
+              <a:buNone/>
+              <a:defRPr sz="2399" b="0">
+                <a:solidFill>
+                  <a:schemeClr val="tx1"/>
+                </a:solidFill>
+              </a:defRPr>
+            </a:lvl1pPr>
+            <a:lvl2pPr marL="457063" indent="0">
+              <a:buNone/>
+              <a:defRPr sz="1999" b="1"/>
+            </a:lvl2pPr>
+            <a:lvl3pPr marL="914126" indent="0">
+              <a:buNone/>
+              <a:defRPr sz="1799" b="1"/>
+            </a:lvl3pPr>
+            <a:lvl4pPr marL="1371189" indent="0">
+              <a:buNone/>
+              <a:defRPr sz="1600" b="1"/>
+            </a:lvl4pPr>
+            <a:lvl5pPr marL="1828251" indent="0">
+              <a:buNone/>
+              <a:defRPr sz="1600" b="1"/>
+            </a:lvl5pPr>
+            <a:lvl6pPr marL="2285314" indent="0">
+              <a:buNone/>
+              <a:defRPr sz="1600" b="1"/>
+            </a:lvl6pPr>
+            <a:lvl7pPr marL="2742377" indent="0">
+              <a:buNone/>
+              <a:defRPr sz="1600" b="1"/>
+            </a:lvl7pPr>
+            <a:lvl8pPr marL="3199440" indent="0">
+              <a:buNone/>
+              <a:defRPr sz="1600" b="1"/>
+            </a:lvl8pPr>
+            <a:lvl9pPr marL="3656503" indent="0">
+              <a:buNone/>
+              <a:defRPr sz="1600" b="1"/>
+            </a:lvl9pPr>
+          </a:lstStyle>
+          <a:p>
+            <a:pPr lvl="0"/>
+            <a:r>
+              <a:rPr lang="en-US"/>
+              <a:t>Edit Master text styles</a:t>
+            </a:r>
+          </a:p>
+        </p:txBody>
+      </p:sp>
+      <p:sp>
+        <p:nvSpPr>
+          <p:cNvPr id="10" name="Text Placeholder 3"/>
+          <p:cNvSpPr>
+            <a:spLocks noGrp="1"/>
+          </p:cNvSpPr>
+          <p:nvPr>
+            <p:ph type="body" sz="half" idx="16"/>
+          </p:nvPr>
+        </p:nvSpPr>
+        <p:spPr>
+          <a:xfrm>
+            <a:off x="4365721" y="2904067"/>
+            <a:ext cx="3455532" cy="3314618"/>
+          </a:xfrm>
+        </p:spPr>
+        <p:txBody>
+          <a:bodyPr anchor="t">
+            <a:normAutofit/>
+          </a:bodyPr>
+          <a:lstStyle>
+            <a:lvl1pPr marL="0" indent="0">
+              <a:buNone/>
+              <a:defRPr sz="1400"/>
+            </a:lvl1pPr>
+            <a:lvl2pPr marL="457063" indent="0">
+              <a:buNone/>
+              <a:defRPr sz="1200"/>
+            </a:lvl2pPr>
+            <a:lvl3pPr marL="914126" indent="0">
+              <a:buNone/>
+              <a:defRPr sz="1000"/>
+            </a:lvl3pPr>
+            <a:lvl4pPr marL="1371189" indent="0">
+              <a:buNone/>
+              <a:defRPr sz="900"/>
+            </a:lvl4pPr>
+            <a:lvl5pPr marL="1828251" indent="0">
+              <a:buNone/>
+              <a:defRPr sz="900"/>
+            </a:lvl5pPr>
+            <a:lvl6pPr marL="2285314" indent="0">
+              <a:buNone/>
+              <a:defRPr sz="900"/>
+            </a:lvl6pPr>
+            <a:lvl7pPr marL="2742377" indent="0">
+              <a:buNone/>
+              <a:defRPr sz="900"/>
+            </a:lvl7pPr>
+            <a:lvl8pPr marL="3199440" indent="0">
+              <a:buNone/>
+              <a:defRPr sz="900"/>
+            </a:lvl8pPr>
+            <a:lvl9pPr marL="3656503" indent="0">
+              <a:buNone/>
+              <a:defRPr sz="900"/>
+            </a:lvl9pPr>
+          </a:lstStyle>
+          <a:p>
+            <a:pPr lvl="0"/>
+            <a:r>
+              <a:rPr lang="en-US"/>
+              <a:t>Edit Master text styles</a:t>
+            </a:r>
+          </a:p>
+        </p:txBody>
+      </p:sp>
+      <p:sp>
+        <p:nvSpPr>
+          <p:cNvPr id="11" name="Text Placeholder 4"/>
+          <p:cNvSpPr>
+            <a:spLocks noGrp="1"/>
+          </p:cNvSpPr>
+          <p:nvPr>
+            <p:ph type="body" sz="quarter" idx="13"/>
+          </p:nvPr>
+        </p:nvSpPr>
+        <p:spPr>
+          <a:xfrm>
+            <a:off x="8049703" y="2192866"/>
+            <a:ext cx="3455532" cy="626534"/>
+          </a:xfrm>
+        </p:spPr>
+        <p:txBody>
+          <a:bodyPr anchor="b">
+            <a:noAutofit/>
+          </a:bodyPr>
+          <a:lstStyle>
+            <a:lvl1pPr marL="0" indent="0">
+              <a:buNone/>
+              <a:defRPr sz="2399" b="0">
+                <a:solidFill>
+                  <a:schemeClr val="tx1"/>
+                </a:solidFill>
+              </a:defRPr>
+            </a:lvl1pPr>
+            <a:lvl2pPr marL="457063" indent="0">
+              <a:buNone/>
+              <a:defRPr sz="1999" b="1"/>
+            </a:lvl2pPr>
+            <a:lvl3pPr marL="914126" indent="0">
+              <a:buNone/>
+              <a:defRPr sz="1799" b="1"/>
+            </a:lvl3pPr>
+            <a:lvl4pPr marL="1371189" indent="0">
+              <a:buNone/>
+              <a:defRPr sz="1600" b="1"/>
+            </a:lvl4pPr>
+            <a:lvl5pPr marL="1828251" indent="0">
+              <a:buNone/>
+              <a:defRPr sz="1600" b="1"/>
+            </a:lvl5pPr>
+            <a:lvl6pPr marL="2285314" indent="0">
+              <a:buNone/>
+              <a:defRPr sz="1600" b="1"/>
+            </a:lvl6pPr>
+            <a:lvl7pPr marL="2742377" indent="0">
+              <a:buNone/>
+              <a:defRPr sz="1600" b="1"/>
+            </a:lvl7pPr>
+            <a:lvl8pPr marL="3199440" indent="0">
+              <a:buNone/>
+              <a:defRPr sz="1600" b="1"/>
+            </a:lvl8pPr>
+            <a:lvl9pPr marL="3656503" indent="0">
+              <a:buNone/>
+              <a:defRPr sz="1600" b="1"/>
+            </a:lvl9pPr>
+          </a:lstStyle>
+          <a:p>
+            <a:pPr lvl="0"/>
+            <a:r>
+              <a:rPr lang="en-US"/>
+              <a:t>Edit Master text styles</a:t>
+            </a:r>
+          </a:p>
+        </p:txBody>
+      </p:sp>
+      <p:sp>
+        <p:nvSpPr>
+          <p:cNvPr id="12" name="Text Placeholder 3"/>
+          <p:cNvSpPr>
+            <a:spLocks noGrp="1"/>
+          </p:cNvSpPr>
+          <p:nvPr>
+            <p:ph type="body" sz="half" idx="17"/>
+          </p:nvPr>
+        </p:nvSpPr>
+        <p:spPr>
+          <a:xfrm>
+            <a:off x="8049704" y="2904565"/>
+            <a:ext cx="3455532" cy="3314132"/>
+          </a:xfrm>
+        </p:spPr>
+        <p:txBody>
+          <a:bodyPr anchor="t">
+            <a:normAutofit/>
+          </a:bodyPr>
+          <a:lstStyle>
+            <a:lvl1pPr marL="0" indent="0">
+              <a:buNone/>
+              <a:defRPr sz="1400"/>
+            </a:lvl1pPr>
+            <a:lvl2pPr marL="457063" indent="0">
+              <a:buNone/>
+              <a:defRPr sz="1200"/>
+            </a:lvl2pPr>
+            <a:lvl3pPr marL="914126" indent="0">
+              <a:buNone/>
+              <a:defRPr sz="1000"/>
+            </a:lvl3pPr>
+            <a:lvl4pPr marL="1371189" indent="0">
+              <a:buNone/>
+              <a:defRPr sz="900"/>
+            </a:lvl4pPr>
+            <a:lvl5pPr marL="1828251" indent="0">
+              <a:buNone/>
+              <a:defRPr sz="900"/>
+            </a:lvl5pPr>
+            <a:lvl6pPr marL="2285314" indent="0">
+              <a:buNone/>
+              <a:defRPr sz="900"/>
+            </a:lvl6pPr>
+            <a:lvl7pPr marL="2742377" indent="0">
+              <a:buNone/>
+              <a:defRPr sz="900"/>
+            </a:lvl7pPr>
+            <a:lvl8pPr marL="3199440" indent="0">
+              <a:buNone/>
+              <a:defRPr sz="900"/>
+            </a:lvl8pPr>
+            <a:lvl9pPr marL="3656503" indent="0">
+              <a:buNone/>
+              <a:defRPr sz="900"/>
+            </a:lvl9pPr>
+          </a:lstStyle>
+          <a:p>
+            <a:pPr lvl="0"/>
+            <a:r>
+              <a:rPr lang="en-US"/>
+              <a:t>Edit Master text styles</a:t>
+            </a:r>
+          </a:p>
+        </p:txBody>
+      </p:sp>
+      <p:sp>
+        <p:nvSpPr>
+          <p:cNvPr id="3" name="Date Placeholder 2"/>
+          <p:cNvSpPr>
+            <a:spLocks noGrp="1"/>
+          </p:cNvSpPr>
+          <p:nvPr>
+            <p:ph type="dt" sz="half" idx="10"/>
+          </p:nvPr>
+        </p:nvSpPr>
+        <p:spPr/>
+        <p:txBody>
+          <a:bodyPr/>
+          <a:lstStyle/>
+          <a:p>
+            <a:fld id="{DD03A468-7FFD-8642-805A-7250196496B4}" type="datetime1">
+              <a:rPr lang="en-US" smtClean="0"/>
+              <a:t>10/8/18</a:t>
+            </a:fld>
+            <a:endParaRPr lang="en-US"/>
+          </a:p>
+        </p:txBody>
+      </p:sp>
+      <p:sp>
+        <p:nvSpPr>
+          <p:cNvPr id="4" name="Footer Placeholder 3"/>
+          <p:cNvSpPr>
+            <a:spLocks noGrp="1"/>
+          </p:cNvSpPr>
+          <p:nvPr>
+            <p:ph type="ftr" sz="quarter" idx="11"/>
+          </p:nvPr>
+        </p:nvSpPr>
+        <p:spPr/>
+        <p:txBody>
+          <a:bodyPr/>
+          <a:lstStyle/>
+          <a:p>
+            <a:r>
+              <a:rPr lang="en-US"/>
+              <a:t>AWS Java Lambda Functions with Kotlin</a:t>
+            </a:r>
+            <a:endParaRPr lang="en-US" dirty="0"/>
+          </a:p>
+        </p:txBody>
+      </p:sp>
+      <p:sp>
+        <p:nvSpPr>
+          <p:cNvPr id="5" name="Slide Number Placeholder 4"/>
+          <p:cNvSpPr>
+            <a:spLocks noGrp="1"/>
+          </p:cNvSpPr>
+          <p:nvPr>
+            <p:ph type="sldNum" sz="quarter" idx="12"/>
+          </p:nvPr>
+        </p:nvSpPr>
+        <p:spPr/>
+        <p:txBody>
+          <a:bodyPr/>
+          <a:lstStyle/>
+          <a:p>
+            <a:fld id="{ABCABC6B-F667-1540-8370-D056DC2C0FCE}" type="slidenum">
+              <a:rPr lang="en-US" smtClean="0"/>
+              <a:pPr/>
+              <a:t>‹#›</a:t>
+            </a:fld>
+            <a:endParaRPr lang="en-US" dirty="0"/>
+          </a:p>
+        </p:txBody>
+      </p:sp>
+    </p:spTree>
+    <p:extLst>
+      <p:ext uri="{BB962C8B-B14F-4D97-AF65-F5344CB8AC3E}">
+        <p14:creationId xmlns:p14="http://schemas.microsoft.com/office/powerpoint/2010/main" val="3955137516"/>
+      </p:ext>
+    </p:extLst>
+  </p:cSld>
+  <p:clrMapOvr>
+    <a:masterClrMapping/>
+  </p:clrMapOvr>
+  <p:hf hdr="0"/>
+</p:sldLayout>
+</file>
+
+<file path=ppt/slideLayouts/slideLayout15.xml><?xml version="1.0" encoding="utf-8"?>
+<p:sldLayout xmlns:a="http://schemas.openxmlformats.org/drawingml/2006/main" xmlns:r="http://schemas.openxmlformats.org/officeDocument/2006/relationships" xmlns:p="http://schemas.openxmlformats.org/presentationml/2006/main" preserve="1">
+  <p:cSld name="3 Picture Column">
+    <p:spTree>
+      <p:nvGrpSpPr>
+        <p:cNvPr id="1" name=""/>
+        <p:cNvGrpSpPr/>
+        <p:nvPr/>
+      </p:nvGrpSpPr>
+      <p:grpSpPr>
+        <a:xfrm>
+          <a:off x="0" y="0"/>
+          <a:ext cx="0" cy="0"/>
+          <a:chOff x="0" y="0"/>
+          <a:chExt cx="0" cy="0"/>
+        </a:xfrm>
+      </p:grpSpPr>
+      <p:sp>
+        <p:nvSpPr>
+          <p:cNvPr id="30" name="Title 1"/>
+          <p:cNvSpPr>
+            <a:spLocks noGrp="1"/>
+          </p:cNvSpPr>
+          <p:nvPr>
+            <p:ph type="title"/>
+          </p:nvPr>
+        </p:nvSpPr>
+        <p:spPr>
+          <a:xfrm>
+            <a:off x="2894846" y="762000"/>
+            <a:ext cx="8608357" cy="1295400"/>
+          </a:xfrm>
+        </p:spPr>
+        <p:txBody>
+          <a:bodyPr/>
+          <a:lstStyle/>
+          <a:p>
+            <a:r>
+              <a:rPr lang="en-US"/>
+              <a:t>Click to edit Master title style</a:t>
+            </a:r>
+            <a:endParaRPr lang="en-US" dirty="0"/>
+          </a:p>
+        </p:txBody>
+      </p:sp>
+      <p:sp>
+        <p:nvSpPr>
+          <p:cNvPr id="19" name="Text Placeholder 2"/>
+          <p:cNvSpPr>
+            <a:spLocks noGrp="1"/>
+          </p:cNvSpPr>
+          <p:nvPr>
+            <p:ph type="body" idx="1"/>
+          </p:nvPr>
+        </p:nvSpPr>
+        <p:spPr>
+          <a:xfrm>
+            <a:off x="688439" y="4191001"/>
+            <a:ext cx="3450683" cy="682765"/>
+          </a:xfrm>
+        </p:spPr>
+        <p:txBody>
+          <a:bodyPr anchor="b">
+            <a:noAutofit/>
+          </a:bodyPr>
+          <a:lstStyle>
+            <a:lvl1pPr marL="0" indent="0">
+              <a:buNone/>
+              <a:defRPr sz="2399" b="0">
+                <a:solidFill>
+                  <a:schemeClr val="tx1"/>
+                </a:solidFill>
+              </a:defRPr>
+            </a:lvl1pPr>
+            <a:lvl2pPr marL="457063" indent="0">
+              <a:buNone/>
+              <a:defRPr sz="1999" b="1"/>
+            </a:lvl2pPr>
+            <a:lvl3pPr marL="914126" indent="0">
+              <a:buNone/>
+              <a:defRPr sz="1799" b="1"/>
+            </a:lvl3pPr>
+            <a:lvl4pPr marL="1371189" indent="0">
+              <a:buNone/>
+              <a:defRPr sz="1600" b="1"/>
+            </a:lvl4pPr>
+            <a:lvl5pPr marL="1828251" indent="0">
+              <a:buNone/>
+              <a:defRPr sz="1600" b="1"/>
+            </a:lvl5pPr>
+            <a:lvl6pPr marL="2285314" indent="0">
+              <a:buNone/>
+              <a:defRPr sz="1600" b="1"/>
+            </a:lvl6pPr>
+            <a:lvl7pPr marL="2742377" indent="0">
+              <a:buNone/>
+              <a:defRPr sz="1600" b="1"/>
+            </a:lvl7pPr>
+            <a:lvl8pPr marL="3199440" indent="0">
+              <a:buNone/>
+              <a:defRPr sz="1600" b="1"/>
+            </a:lvl8pPr>
+            <a:lvl9pPr marL="3656503" indent="0">
+              <a:buNone/>
+              <a:defRPr sz="1600" b="1"/>
+            </a:lvl9pPr>
+          </a:lstStyle>
+          <a:p>
+            <a:pPr lvl="0"/>
+            <a:r>
+              <a:rPr lang="en-US"/>
+              <a:t>Edit Master text styles</a:t>
+            </a:r>
+          </a:p>
+        </p:txBody>
+      </p:sp>
+      <p:sp>
+        <p:nvSpPr>
+          <p:cNvPr id="20" name="Picture Placeholder 2"/>
+          <p:cNvSpPr>
+            <a:spLocks noGrp="1" noChangeAspect="1"/>
+          </p:cNvSpPr>
+          <p:nvPr>
+            <p:ph type="pic" idx="15"/>
+          </p:nvPr>
+        </p:nvSpPr>
+        <p:spPr>
+          <a:xfrm>
+            <a:off x="688439" y="2362200"/>
+            <a:ext cx="3450683" cy="1524000"/>
+          </a:xfrm>
+          <a:prstGeom prst="roundRect">
+            <a:avLst>
+              <a:gd name="adj" fmla="val 0"/>
+            </a:avLst>
+          </a:prstGeom>
+          <a:effectLst>
+            <a:outerShdw blurRad="50800" dist="50800" dir="5400000" algn="tl" rotWithShape="0">
+              <a:srgbClr val="000000">
+                <a:alpha val="43000"/>
+              </a:srgbClr>
+            </a:outerShdw>
+          </a:effectLst>
+        </p:spPr>
+        <p:txBody>
+          <a:bodyPr anchor="t">
+            <a:normAutofit/>
+          </a:bodyPr>
+          <a:lstStyle>
+            <a:lvl1pPr marL="0" indent="0" algn="ctr">
+              <a:buNone/>
+              <a:defRPr sz="1600"/>
+            </a:lvl1pPr>
+            <a:lvl2pPr marL="457063" indent="0">
+              <a:buNone/>
+              <a:defRPr sz="1600"/>
+            </a:lvl2pPr>
+            <a:lvl3pPr marL="914126" indent="0">
+              <a:buNone/>
+              <a:defRPr sz="1600"/>
+            </a:lvl3pPr>
+            <a:lvl4pPr marL="1371189" indent="0">
+              <a:buNone/>
+              <a:defRPr sz="1600"/>
+            </a:lvl4pPr>
+            <a:lvl5pPr marL="1828251" indent="0">
+              <a:buNone/>
+              <a:defRPr sz="1600"/>
+            </a:lvl5pPr>
+            <a:lvl6pPr marL="2285314" indent="0">
+              <a:buNone/>
+              <a:defRPr sz="1600"/>
+            </a:lvl6pPr>
+            <a:lvl7pPr marL="2742377" indent="0">
+              <a:buNone/>
+              <a:defRPr sz="1600"/>
+            </a:lvl7pPr>
+            <a:lvl8pPr marL="3199440" indent="0">
+              <a:buNone/>
+              <a:defRPr sz="1600"/>
+            </a:lvl8pPr>
+            <a:lvl9pPr marL="3656503" indent="0">
+              <a:buNone/>
+              <a:defRPr sz="1600"/>
+            </a:lvl9pPr>
+          </a:lstStyle>
+          <a:p>
+            <a:r>
+              <a:rPr lang="en-US"/>
+              <a:t>Click icon to add picture</a:t>
+            </a:r>
+            <a:endParaRPr lang="en-US" dirty="0"/>
+          </a:p>
+        </p:txBody>
+      </p:sp>
+      <p:sp>
+        <p:nvSpPr>
+          <p:cNvPr id="21" name="Text Placeholder 3"/>
+          <p:cNvSpPr>
+            <a:spLocks noGrp="1"/>
+          </p:cNvSpPr>
+          <p:nvPr>
+            <p:ph type="body" sz="half" idx="18"/>
+          </p:nvPr>
+        </p:nvSpPr>
+        <p:spPr>
+          <a:xfrm>
+            <a:off x="688439" y="4873765"/>
+            <a:ext cx="3450683" cy="1344921"/>
+          </a:xfrm>
+        </p:spPr>
+        <p:txBody>
+          <a:bodyPr anchor="t">
+            <a:normAutofit/>
+          </a:bodyPr>
+          <a:lstStyle>
+            <a:lvl1pPr marL="0" indent="0">
+              <a:buNone/>
+              <a:defRPr sz="1400"/>
+            </a:lvl1pPr>
+            <a:lvl2pPr marL="457063" indent="0">
+              <a:buNone/>
+              <a:defRPr sz="1200"/>
+            </a:lvl2pPr>
+            <a:lvl3pPr marL="914126" indent="0">
+              <a:buNone/>
+              <a:defRPr sz="1000"/>
+            </a:lvl3pPr>
+            <a:lvl4pPr marL="1371189" indent="0">
+              <a:buNone/>
+              <a:defRPr sz="900"/>
+            </a:lvl4pPr>
+            <a:lvl5pPr marL="1828251" indent="0">
+              <a:buNone/>
+              <a:defRPr sz="900"/>
+            </a:lvl5pPr>
+            <a:lvl6pPr marL="2285314" indent="0">
+              <a:buNone/>
+              <a:defRPr sz="900"/>
+            </a:lvl6pPr>
+            <a:lvl7pPr marL="2742377" indent="0">
+              <a:buNone/>
+              <a:defRPr sz="900"/>
+            </a:lvl7pPr>
+            <a:lvl8pPr marL="3199440" indent="0">
+              <a:buNone/>
+              <a:defRPr sz="900"/>
+            </a:lvl8pPr>
+            <a:lvl9pPr marL="3656503" indent="0">
+              <a:buNone/>
+              <a:defRPr sz="900"/>
+            </a:lvl9pPr>
+          </a:lstStyle>
+          <a:p>
+            <a:pPr lvl="0"/>
+            <a:r>
+              <a:rPr lang="en-US"/>
+              <a:t>Edit Master text styles</a:t>
+            </a:r>
+          </a:p>
+        </p:txBody>
+      </p:sp>
+      <p:sp>
+        <p:nvSpPr>
+          <p:cNvPr id="22" name="Text Placeholder 4"/>
+          <p:cNvSpPr>
+            <a:spLocks noGrp="1"/>
+          </p:cNvSpPr>
+          <p:nvPr>
+            <p:ph type="body" sz="quarter" idx="3"/>
+          </p:nvPr>
+        </p:nvSpPr>
+        <p:spPr>
+          <a:xfrm>
+            <a:off x="4373124" y="4191001"/>
+            <a:ext cx="3448037" cy="682765"/>
+          </a:xfrm>
+        </p:spPr>
+        <p:txBody>
+          <a:bodyPr anchor="b">
+            <a:noAutofit/>
+          </a:bodyPr>
+          <a:lstStyle>
+            <a:lvl1pPr marL="0" indent="0">
+              <a:buNone/>
+              <a:defRPr sz="2399" b="0">
+                <a:solidFill>
+                  <a:schemeClr val="tx1"/>
+                </a:solidFill>
+              </a:defRPr>
+            </a:lvl1pPr>
+            <a:lvl2pPr marL="457063" indent="0">
+              <a:buNone/>
+              <a:defRPr sz="1999" b="1"/>
+            </a:lvl2pPr>
+            <a:lvl3pPr marL="914126" indent="0">
+              <a:buNone/>
+              <a:defRPr sz="1799" b="1"/>
+            </a:lvl3pPr>
+            <a:lvl4pPr marL="1371189" indent="0">
+              <a:buNone/>
+              <a:defRPr sz="1600" b="1"/>
+            </a:lvl4pPr>
+            <a:lvl5pPr marL="1828251" indent="0">
+              <a:buNone/>
+              <a:defRPr sz="1600" b="1"/>
+            </a:lvl5pPr>
+            <a:lvl6pPr marL="2285314" indent="0">
+              <a:buNone/>
+              <a:defRPr sz="1600" b="1"/>
+            </a:lvl6pPr>
+            <a:lvl7pPr marL="2742377" indent="0">
+              <a:buNone/>
+              <a:defRPr sz="1600" b="1"/>
+            </a:lvl7pPr>
+            <a:lvl8pPr marL="3199440" indent="0">
+              <a:buNone/>
+              <a:defRPr sz="1600" b="1"/>
+            </a:lvl8pPr>
+            <a:lvl9pPr marL="3656503" indent="0">
+              <a:buNone/>
+              <a:defRPr sz="1600" b="1"/>
+            </a:lvl9pPr>
+          </a:lstStyle>
+          <a:p>
+            <a:pPr lvl="0"/>
+            <a:r>
+              <a:rPr lang="en-US"/>
+              <a:t>Edit Master text styles</a:t>
+            </a:r>
+          </a:p>
+        </p:txBody>
+      </p:sp>
+      <p:sp>
+        <p:nvSpPr>
+          <p:cNvPr id="23" name="Picture Placeholder 2"/>
+          <p:cNvSpPr>
+            <a:spLocks noGrp="1" noChangeAspect="1"/>
+          </p:cNvSpPr>
+          <p:nvPr>
+            <p:ph type="pic" idx="21"/>
+          </p:nvPr>
+        </p:nvSpPr>
+        <p:spPr>
+          <a:xfrm>
+            <a:off x="4373124" y="2362200"/>
+            <a:ext cx="3448038" cy="1524000"/>
+          </a:xfrm>
+          <a:prstGeom prst="roundRect">
+            <a:avLst>
+              <a:gd name="adj" fmla="val 0"/>
+            </a:avLst>
+          </a:prstGeom>
+          <a:effectLst>
+            <a:outerShdw blurRad="50800" dist="50800" dir="5400000" algn="tl" rotWithShape="0">
+              <a:srgbClr val="000000">
+                <a:alpha val="43000"/>
+              </a:srgbClr>
+            </a:outerShdw>
+          </a:effectLst>
+        </p:spPr>
+        <p:txBody>
+          <a:bodyPr anchor="t">
+            <a:normAutofit/>
+          </a:bodyPr>
+          <a:lstStyle>
+            <a:lvl1pPr marL="0" indent="0" algn="ctr">
+              <a:buNone/>
+              <a:defRPr sz="1600"/>
+            </a:lvl1pPr>
+            <a:lvl2pPr marL="457063" indent="0">
+              <a:buNone/>
+              <a:defRPr sz="1600"/>
+            </a:lvl2pPr>
+            <a:lvl3pPr marL="914126" indent="0">
+              <a:buNone/>
+              <a:defRPr sz="1600"/>
+            </a:lvl3pPr>
+            <a:lvl4pPr marL="1371189" indent="0">
+              <a:buNone/>
+              <a:defRPr sz="1600"/>
+            </a:lvl4pPr>
+            <a:lvl5pPr marL="1828251" indent="0">
+              <a:buNone/>
+              <a:defRPr sz="1600"/>
+            </a:lvl5pPr>
+            <a:lvl6pPr marL="2285314" indent="0">
+              <a:buNone/>
+              <a:defRPr sz="1600"/>
+            </a:lvl6pPr>
+            <a:lvl7pPr marL="2742377" indent="0">
+              <a:buNone/>
+              <a:defRPr sz="1600"/>
+            </a:lvl7pPr>
+            <a:lvl8pPr marL="3199440" indent="0">
+              <a:buNone/>
+              <a:defRPr sz="1600"/>
+            </a:lvl8pPr>
+            <a:lvl9pPr marL="3656503" indent="0">
+              <a:buNone/>
+              <a:defRPr sz="1600"/>
+            </a:lvl9pPr>
+          </a:lstStyle>
+          <a:p>
+            <a:r>
+              <a:rPr lang="en-US"/>
+              <a:t>Click icon to add picture</a:t>
+            </a:r>
+            <a:endParaRPr lang="en-US" dirty="0"/>
+          </a:p>
+        </p:txBody>
+      </p:sp>
+      <p:sp>
+        <p:nvSpPr>
+          <p:cNvPr id="24" name="Text Placeholder 3"/>
+          <p:cNvSpPr>
+            <a:spLocks noGrp="1"/>
+          </p:cNvSpPr>
+          <p:nvPr>
+            <p:ph type="body" sz="half" idx="19"/>
+          </p:nvPr>
+        </p:nvSpPr>
+        <p:spPr>
+          <a:xfrm>
+            <a:off x="4373125" y="4873764"/>
+            <a:ext cx="3448037" cy="1344921"/>
+          </a:xfrm>
+        </p:spPr>
+        <p:txBody>
+          <a:bodyPr anchor="t">
+            <a:normAutofit/>
+          </a:bodyPr>
+          <a:lstStyle>
+            <a:lvl1pPr marL="0" indent="0">
+              <a:buNone/>
+              <a:defRPr sz="1400"/>
+            </a:lvl1pPr>
+            <a:lvl2pPr marL="457063" indent="0">
+              <a:buNone/>
+              <a:defRPr sz="1200"/>
+            </a:lvl2pPr>
+            <a:lvl3pPr marL="914126" indent="0">
+              <a:buNone/>
+              <a:defRPr sz="1000"/>
+            </a:lvl3pPr>
+            <a:lvl4pPr marL="1371189" indent="0">
+              <a:buNone/>
+              <a:defRPr sz="900"/>
+            </a:lvl4pPr>
+            <a:lvl5pPr marL="1828251" indent="0">
+              <a:buNone/>
+              <a:defRPr sz="900"/>
+            </a:lvl5pPr>
+            <a:lvl6pPr marL="2285314" indent="0">
+              <a:buNone/>
+              <a:defRPr sz="900"/>
+            </a:lvl6pPr>
+            <a:lvl7pPr marL="2742377" indent="0">
+              <a:buNone/>
+              <a:defRPr sz="900"/>
+            </a:lvl7pPr>
+            <a:lvl8pPr marL="3199440" indent="0">
+              <a:buNone/>
+              <a:defRPr sz="900"/>
+            </a:lvl8pPr>
+            <a:lvl9pPr marL="3656503" indent="0">
+              <a:buNone/>
+              <a:defRPr sz="900"/>
+            </a:lvl9pPr>
+          </a:lstStyle>
+          <a:p>
+            <a:pPr lvl="0"/>
+            <a:r>
+              <a:rPr lang="en-US"/>
+              <a:t>Edit Master text styles</a:t>
+            </a:r>
+          </a:p>
+        </p:txBody>
+      </p:sp>
+      <p:sp>
+        <p:nvSpPr>
+          <p:cNvPr id="25" name="Text Placeholder 4"/>
+          <p:cNvSpPr>
+            <a:spLocks noGrp="1"/>
+          </p:cNvSpPr>
+          <p:nvPr>
+            <p:ph type="body" sz="quarter" idx="13"/>
+          </p:nvPr>
+        </p:nvSpPr>
+        <p:spPr>
+          <a:xfrm>
+            <a:off x="8047635" y="4191001"/>
+            <a:ext cx="3455569" cy="682765"/>
+          </a:xfrm>
+        </p:spPr>
+        <p:txBody>
+          <a:bodyPr anchor="b">
+            <a:noAutofit/>
+          </a:bodyPr>
+          <a:lstStyle>
+            <a:lvl1pPr marL="0" indent="0">
+              <a:buNone/>
+              <a:defRPr sz="2399" b="0">
+                <a:solidFill>
+                  <a:schemeClr val="tx1"/>
+                </a:solidFill>
+              </a:defRPr>
+            </a:lvl1pPr>
+            <a:lvl2pPr marL="457063" indent="0">
+              <a:buNone/>
+              <a:defRPr sz="1999" b="1"/>
+            </a:lvl2pPr>
+            <a:lvl3pPr marL="914126" indent="0">
+              <a:buNone/>
+              <a:defRPr sz="1799" b="1"/>
+            </a:lvl3pPr>
+            <a:lvl4pPr marL="1371189" indent="0">
+              <a:buNone/>
+              <a:defRPr sz="1600" b="1"/>
+            </a:lvl4pPr>
+            <a:lvl5pPr marL="1828251" indent="0">
+              <a:buNone/>
+              <a:defRPr sz="1600" b="1"/>
+            </a:lvl5pPr>
+            <a:lvl6pPr marL="2285314" indent="0">
+              <a:buNone/>
+              <a:defRPr sz="1600" b="1"/>
+            </a:lvl6pPr>
+            <a:lvl7pPr marL="2742377" indent="0">
+              <a:buNone/>
+              <a:defRPr sz="1600" b="1"/>
+            </a:lvl7pPr>
+            <a:lvl8pPr marL="3199440" indent="0">
+              <a:buNone/>
+              <a:defRPr sz="1600" b="1"/>
+            </a:lvl8pPr>
+            <a:lvl9pPr marL="3656503" indent="0">
+              <a:buNone/>
+              <a:defRPr sz="1600" b="1"/>
+            </a:lvl9pPr>
+          </a:lstStyle>
+          <a:p>
+            <a:pPr lvl="0"/>
+            <a:r>
+              <a:rPr lang="en-US"/>
+              <a:t>Edit Master text styles</a:t>
+            </a:r>
+          </a:p>
+        </p:txBody>
+      </p:sp>
+      <p:sp>
+        <p:nvSpPr>
+          <p:cNvPr id="26" name="Picture Placeholder 2"/>
+          <p:cNvSpPr>
+            <a:spLocks noGrp="1" noChangeAspect="1"/>
+          </p:cNvSpPr>
+          <p:nvPr>
+            <p:ph type="pic" idx="22"/>
+          </p:nvPr>
+        </p:nvSpPr>
+        <p:spPr>
+          <a:xfrm>
+            <a:off x="8047759" y="2362200"/>
+            <a:ext cx="3446980" cy="1524000"/>
+          </a:xfrm>
+          <a:prstGeom prst="roundRect">
+            <a:avLst>
+              <a:gd name="adj" fmla="val 0"/>
+            </a:avLst>
+          </a:prstGeom>
+          <a:effectLst>
+            <a:outerShdw blurRad="50800" dist="50800" dir="5400000" algn="tl" rotWithShape="0">
+              <a:srgbClr val="000000">
+                <a:alpha val="43000"/>
+              </a:srgbClr>
+            </a:outerShdw>
+          </a:effectLst>
+        </p:spPr>
+        <p:txBody>
+          <a:bodyPr anchor="t">
+            <a:normAutofit/>
+          </a:bodyPr>
+          <a:lstStyle>
+            <a:lvl1pPr marL="0" indent="0" algn="ctr">
+              <a:buNone/>
+              <a:defRPr sz="1600"/>
+            </a:lvl1pPr>
+            <a:lvl2pPr marL="457063" indent="0">
+              <a:buNone/>
+              <a:defRPr sz="1600"/>
+            </a:lvl2pPr>
+            <a:lvl3pPr marL="914126" indent="0">
+              <a:buNone/>
+              <a:defRPr sz="1600"/>
+            </a:lvl3pPr>
+            <a:lvl4pPr marL="1371189" indent="0">
+              <a:buNone/>
+              <a:defRPr sz="1600"/>
+            </a:lvl4pPr>
+            <a:lvl5pPr marL="1828251" indent="0">
+              <a:buNone/>
+              <a:defRPr sz="1600"/>
+            </a:lvl5pPr>
+            <a:lvl6pPr marL="2285314" indent="0">
+              <a:buNone/>
+              <a:defRPr sz="1600"/>
+            </a:lvl6pPr>
+            <a:lvl7pPr marL="2742377" indent="0">
+              <a:buNone/>
+              <a:defRPr sz="1600"/>
+            </a:lvl7pPr>
+            <a:lvl8pPr marL="3199440" indent="0">
+              <a:buNone/>
+              <a:defRPr sz="1600"/>
+            </a:lvl8pPr>
+            <a:lvl9pPr marL="3656503" indent="0">
+              <a:buNone/>
+              <a:defRPr sz="1600"/>
+            </a:lvl9pPr>
+          </a:lstStyle>
+          <a:p>
+            <a:r>
+              <a:rPr lang="en-US"/>
+              <a:t>Click icon to add picture</a:t>
+            </a:r>
+            <a:endParaRPr lang="en-US" dirty="0"/>
+          </a:p>
+        </p:txBody>
+      </p:sp>
+      <p:sp>
+        <p:nvSpPr>
+          <p:cNvPr id="27" name="Text Placeholder 3"/>
+          <p:cNvSpPr>
+            <a:spLocks noGrp="1"/>
+          </p:cNvSpPr>
+          <p:nvPr>
+            <p:ph type="body" sz="half" idx="20"/>
+          </p:nvPr>
+        </p:nvSpPr>
+        <p:spPr>
+          <a:xfrm>
+            <a:off x="8047635" y="4873762"/>
+            <a:ext cx="3451546" cy="1344921"/>
+          </a:xfrm>
+        </p:spPr>
+        <p:txBody>
+          <a:bodyPr anchor="t">
+            <a:normAutofit/>
+          </a:bodyPr>
+          <a:lstStyle>
+            <a:lvl1pPr marL="0" indent="0">
+              <a:buNone/>
+              <a:defRPr sz="1400"/>
+            </a:lvl1pPr>
+            <a:lvl2pPr marL="457063" indent="0">
+              <a:buNone/>
+              <a:defRPr sz="1200"/>
+            </a:lvl2pPr>
+            <a:lvl3pPr marL="914126" indent="0">
+              <a:buNone/>
+              <a:defRPr sz="1000"/>
+            </a:lvl3pPr>
+            <a:lvl4pPr marL="1371189" indent="0">
+              <a:buNone/>
+              <a:defRPr sz="900"/>
+            </a:lvl4pPr>
+            <a:lvl5pPr marL="1828251" indent="0">
+              <a:buNone/>
+              <a:defRPr sz="900"/>
+            </a:lvl5pPr>
+            <a:lvl6pPr marL="2285314" indent="0">
+              <a:buNone/>
+              <a:defRPr sz="900"/>
+            </a:lvl6pPr>
+            <a:lvl7pPr marL="2742377" indent="0">
+              <a:buNone/>
+              <a:defRPr sz="900"/>
+            </a:lvl7pPr>
+            <a:lvl8pPr marL="3199440" indent="0">
+              <a:buNone/>
+              <a:defRPr sz="900"/>
+            </a:lvl8pPr>
+            <a:lvl9pPr marL="3656503" indent="0">
+              <a:buNone/>
+              <a:defRPr sz="900"/>
+            </a:lvl9pPr>
+          </a:lstStyle>
+          <a:p>
+            <a:pPr lvl="0"/>
+            <a:r>
+              <a:rPr lang="en-US"/>
+              <a:t>Edit Master text styles</a:t>
+            </a:r>
+          </a:p>
+        </p:txBody>
+      </p:sp>
+      <p:sp>
+        <p:nvSpPr>
+          <p:cNvPr id="3" name="Date Placeholder 2"/>
+          <p:cNvSpPr>
+            <a:spLocks noGrp="1"/>
+          </p:cNvSpPr>
+          <p:nvPr>
+            <p:ph type="dt" sz="half" idx="10"/>
+          </p:nvPr>
+        </p:nvSpPr>
+        <p:spPr/>
+        <p:txBody>
+          <a:bodyPr/>
+          <a:lstStyle/>
+          <a:p>
+            <a:fld id="{DD03A468-7FFD-8642-805A-7250196496B4}" type="datetime1">
+              <a:rPr lang="en-US" smtClean="0"/>
+              <a:t>10/8/18</a:t>
+            </a:fld>
+            <a:endParaRPr lang="en-US"/>
+          </a:p>
+        </p:txBody>
+      </p:sp>
+      <p:sp>
+        <p:nvSpPr>
+          <p:cNvPr id="4" name="Footer Placeholder 3"/>
+          <p:cNvSpPr>
+            <a:spLocks noGrp="1"/>
+          </p:cNvSpPr>
+          <p:nvPr>
+            <p:ph type="ftr" sz="quarter" idx="11"/>
+          </p:nvPr>
+        </p:nvSpPr>
+        <p:spPr/>
+        <p:txBody>
+          <a:bodyPr/>
+          <a:lstStyle/>
+          <a:p>
+            <a:r>
+              <a:rPr lang="en-US"/>
+              <a:t>AWS Java Lambda Functions with Kotlin</a:t>
+            </a:r>
+            <a:endParaRPr lang="en-US" dirty="0"/>
+          </a:p>
+        </p:txBody>
+      </p:sp>
+      <p:sp>
+        <p:nvSpPr>
+          <p:cNvPr id="5" name="Slide Number Placeholder 4"/>
+          <p:cNvSpPr>
+            <a:spLocks noGrp="1"/>
+          </p:cNvSpPr>
+          <p:nvPr>
+            <p:ph type="sldNum" sz="quarter" idx="12"/>
+          </p:nvPr>
+        </p:nvSpPr>
+        <p:spPr/>
+        <p:txBody>
+          <a:bodyPr/>
+          <a:lstStyle/>
+          <a:p>
+            <a:fld id="{ABCABC6B-F667-1540-8370-D056DC2C0FCE}" type="slidenum">
+              <a:rPr lang="en-US" smtClean="0"/>
+              <a:pPr/>
+              <a:t>‹#›</a:t>
+            </a:fld>
+            <a:endParaRPr lang="en-US" dirty="0"/>
+          </a:p>
+        </p:txBody>
+      </p:sp>
+    </p:spTree>
+    <p:extLst>
+      <p:ext uri="{BB962C8B-B14F-4D97-AF65-F5344CB8AC3E}">
+        <p14:creationId xmlns:p14="http://schemas.microsoft.com/office/powerpoint/2010/main" val="1542771910"/>
+      </p:ext>
+    </p:extLst>
+  </p:cSld>
+  <p:clrMapOvr>
+    <a:masterClrMapping/>
+  </p:clrMapOvr>
+  <p:hf hdr="0"/>
+</p:sldLayout>
+</file>
+
+<file path=ppt/slideLayouts/slideLayout16.xml><?xml version="1.0" encoding="utf-8"?>
 <p:sldLayout xmlns:a="http://schemas.openxmlformats.org/drawingml/2006/main" xmlns:r="http://schemas.openxmlformats.org/officeDocument/2006/relationships" xmlns:p="http://schemas.openxmlformats.org/presentationml/2006/main" type="vertTx" preserve="1">
   <p:cSld name="Title and Vertical Text">
     <p:spTree>
@@ -1185,13 +3834,7 @@
       </p:grpSpPr>
       <p:sp>
         <p:nvSpPr>
-          <p:cNvPr id="2" name="Title 1">
-            <a:extLst>
-              <a:ext uri="{FF2B5EF4-FFF2-40B4-BE49-F238E27FC236}">
-                <a16:creationId xmlns:a16="http://schemas.microsoft.com/office/drawing/2014/main" id="{A69462E5-245B-BE4A-8B80-B92A8C3168CE}"/>
-              </a:ext>
-            </a:extLst>
-          </p:cNvPr>
+          <p:cNvPr id="2" name="Title 1"/>
           <p:cNvSpPr>
             <a:spLocks noGrp="1"/>
           </p:cNvSpPr>
@@ -1208,18 +3851,13 @@
               <a:rPr lang="en-US"/>
               <a:t>Click to edit Master title style</a:t>
             </a:r>
-          </a:p>
-        </p:txBody>
-      </p:sp>
-      <p:sp>
-        <p:nvSpPr>
-          <p:cNvPr id="3" name="Vertical Text Placeholder 2">
-            <a:extLst>
-              <a:ext uri="{FF2B5EF4-FFF2-40B4-BE49-F238E27FC236}">
-                <a16:creationId xmlns:a16="http://schemas.microsoft.com/office/drawing/2014/main" id="{1F0E036D-BCCF-5C40-A63A-B502076B538A}"/>
-              </a:ext>
-            </a:extLst>
-          </p:cNvPr>
+            <a:endParaRPr lang="en-US" dirty="0"/>
+          </a:p>
+        </p:txBody>
+      </p:sp>
+      <p:sp>
+        <p:nvSpPr>
+          <p:cNvPr id="3" name="Vertical Text Placeholder 2"/>
           <p:cNvSpPr>
             <a:spLocks noGrp="1"/>
           </p:cNvSpPr>
@@ -1227,69 +3865,69 @@
             <p:ph type="body" orient="vert" idx="1"/>
           </p:nvPr>
         </p:nvSpPr>
+        <p:spPr>
+          <a:xfrm>
+            <a:off x="685622" y="2194560"/>
+            <a:ext cx="10817582" cy="4024125"/>
+          </a:xfrm>
+        </p:spPr>
+        <p:txBody>
+          <a:bodyPr vert="eaVert"/>
+          <a:lstStyle/>
+          <a:p>
+            <a:pPr lvl="0"/>
+            <a:r>
+              <a:rPr lang="en-US"/>
+              <a:t>Edit Master text styles</a:t>
+            </a:r>
+          </a:p>
+          <a:p>
+            <a:pPr lvl="1"/>
+            <a:r>
+              <a:rPr lang="en-US"/>
+              <a:t>Second level</a:t>
+            </a:r>
+          </a:p>
+          <a:p>
+            <a:pPr lvl="2"/>
+            <a:r>
+              <a:rPr lang="en-US"/>
+              <a:t>Third level</a:t>
+            </a:r>
+          </a:p>
+          <a:p>
+            <a:pPr lvl="3"/>
+            <a:r>
+              <a:rPr lang="en-US"/>
+              <a:t>Fourth level</a:t>
+            </a:r>
+          </a:p>
+          <a:p>
+            <a:pPr lvl="4"/>
+            <a:r>
+              <a:rPr lang="en-US"/>
+              <a:t>Fifth level</a:t>
+            </a:r>
+            <a:endParaRPr lang="en-US" dirty="0"/>
+          </a:p>
+        </p:txBody>
+      </p:sp>
+      <p:sp>
+        <p:nvSpPr>
+          <p:cNvPr id="4" name="Date Placeholder 3"/>
+          <p:cNvSpPr>
+            <a:spLocks noGrp="1"/>
+          </p:cNvSpPr>
+          <p:nvPr>
+            <p:ph type="dt" sz="half" idx="10"/>
+          </p:nvPr>
+        </p:nvSpPr>
         <p:spPr/>
         <p:txBody>
-          <a:bodyPr vert="eaVert"/>
-          <a:lstStyle/>
-          <a:p>
-            <a:pPr lvl="0"/>
-            <a:r>
-              <a:rPr lang="en-US"/>
-              <a:t>Edit Master text styles</a:t>
-            </a:r>
-          </a:p>
-          <a:p>
-            <a:pPr lvl="1"/>
-            <a:r>
-              <a:rPr lang="en-US"/>
-              <a:t>Second level</a:t>
-            </a:r>
-          </a:p>
-          <a:p>
-            <a:pPr lvl="2"/>
-            <a:r>
-              <a:rPr lang="en-US"/>
-              <a:t>Third level</a:t>
-            </a:r>
-          </a:p>
-          <a:p>
-            <a:pPr lvl="3"/>
-            <a:r>
-              <a:rPr lang="en-US"/>
-              <a:t>Fourth level</a:t>
-            </a:r>
-          </a:p>
-          <a:p>
-            <a:pPr lvl="4"/>
-            <a:r>
-              <a:rPr lang="en-US"/>
-              <a:t>Fifth level</a:t>
-            </a:r>
-          </a:p>
-        </p:txBody>
-      </p:sp>
-      <p:sp>
-        <p:nvSpPr>
-          <p:cNvPr id="4" name="Date Placeholder 3">
-            <a:extLst>
-              <a:ext uri="{FF2B5EF4-FFF2-40B4-BE49-F238E27FC236}">
-                <a16:creationId xmlns:a16="http://schemas.microsoft.com/office/drawing/2014/main" id="{8DEE5B01-4E13-7345-BDD7-B1E67D231AFC}"/>
-              </a:ext>
-            </a:extLst>
-          </p:cNvPr>
-          <p:cNvSpPr>
-            <a:spLocks noGrp="1"/>
-          </p:cNvSpPr>
-          <p:nvPr>
-            <p:ph type="dt" sz="half" idx="10"/>
-          </p:nvPr>
-        </p:nvSpPr>
-        <p:spPr/>
-        <p:txBody>
-          <a:bodyPr/>
-          <a:lstStyle/>
-          <a:p>
-            <a:fld id="{B0AB6128-0D2A-1245-9422-C3BE68F27997}" type="datetime1">
+          <a:bodyPr/>
+          <a:lstStyle/>
+          <a:p>
+            <a:fld id="{DD03A468-7FFD-8642-805A-7250196496B4}" type="datetime1">
               <a:rPr lang="en-US" smtClean="0"/>
               <a:t>10/8/18</a:t>
             </a:fld>
@@ -1299,13 +3937,7 @@
       </p:sp>
       <p:sp>
         <p:nvSpPr>
-          <p:cNvPr id="5" name="Footer Placeholder 4">
-            <a:extLst>
-              <a:ext uri="{FF2B5EF4-FFF2-40B4-BE49-F238E27FC236}">
-                <a16:creationId xmlns:a16="http://schemas.microsoft.com/office/drawing/2014/main" id="{42383E6E-CAC2-D844-A5F5-3BDE2FDD7A0A}"/>
-              </a:ext>
-            </a:extLst>
-          </p:cNvPr>
+          <p:cNvPr id="5" name="Footer Placeholder 4"/>
           <p:cNvSpPr>
             <a:spLocks noGrp="1"/>
           </p:cNvSpPr>
@@ -1328,13 +3960,7 @@
       </p:sp>
       <p:sp>
         <p:nvSpPr>
-          <p:cNvPr id="6" name="Slide Number Placeholder 5">
-            <a:extLst>
-              <a:ext uri="{FF2B5EF4-FFF2-40B4-BE49-F238E27FC236}">
-                <a16:creationId xmlns:a16="http://schemas.microsoft.com/office/drawing/2014/main" id="{99015331-0D72-6B4F-A1AA-FBA7BA4AA60A}"/>
-              </a:ext>
-            </a:extLst>
-          </p:cNvPr>
+          <p:cNvPr id="6" name="Slide Number Placeholder 5"/>
           <p:cNvSpPr>
             <a:spLocks noGrp="1"/>
           </p:cNvSpPr>
@@ -1359,18 +3985,19 @@
     </p:spTree>
     <p:extLst>
       <p:ext uri="{BB962C8B-B14F-4D97-AF65-F5344CB8AC3E}">
-        <p14:creationId xmlns:p14="http://schemas.microsoft.com/office/powerpoint/2010/main" val="277141881"/>
+        <p14:creationId xmlns:p14="http://schemas.microsoft.com/office/powerpoint/2010/main" val="3563013986"/>
       </p:ext>
     </p:extLst>
   </p:cSld>
   <p:clrMapOvr>
     <a:masterClrMapping/>
   </p:clrMapOvr>
+  <p:hf hdr="0"/>
 </p:sldLayout>
 </file>
 
-<file path=ppt/slideLayouts/slideLayout11.xml><?xml version="1.0" encoding="utf-8"?>
-<p:sldLayout xmlns:a="http://schemas.openxmlformats.org/drawingml/2006/main" xmlns:r="http://schemas.openxmlformats.org/officeDocument/2006/relationships" xmlns:p="http://schemas.openxmlformats.org/presentationml/2006/main" type="vertTitleAndTx" preserve="1">
+<file path=ppt/slideLayouts/slideLayout17.xml><?xml version="1.0" encoding="utf-8"?>
+<p:sldLayout xmlns:a="http://schemas.openxmlformats.org/drawingml/2006/main" xmlns:r="http://schemas.openxmlformats.org/officeDocument/2006/relationships" xmlns:p="http://schemas.openxmlformats.org/presentationml/2006/main" showMasterSp="0" type="vertTitleAndTx" preserve="1">
   <p:cSld name="Vertical Title and Text">
     <p:spTree>
       <p:nvGrpSpPr>
@@ -1386,48 +4013,71 @@
           <a:chExt cx="0" cy="0"/>
         </a:xfrm>
       </p:grpSpPr>
-      <p:sp>
-        <p:nvSpPr>
-          <p:cNvPr id="2" name="Vertical Title 1">
+      <p:pic>
+        <p:nvPicPr>
+          <p:cNvPr id="9" name="Picture 8" descr="C1-HD-BTM.png"/>
+          <p:cNvPicPr>
+            <a:picLocks noChangeAspect="1"/>
+          </p:cNvPicPr>
+          <p:nvPr/>
+        </p:nvPicPr>
+        <p:blipFill>
+          <a:blip r:embed="rId2">
             <a:extLst>
-              <a:ext uri="{FF2B5EF4-FFF2-40B4-BE49-F238E27FC236}">
-                <a16:creationId xmlns:a16="http://schemas.microsoft.com/office/drawing/2014/main" id="{FB1E3B32-29A4-6F44-9EBE-2E2D644B3708}"/>
+              <a:ext uri="{28A0092B-C50C-407E-A947-70E740481C1C}">
+                <a14:useLocalDpi xmlns:a14="http://schemas.microsoft.com/office/drawing/2010/main" val="0"/>
               </a:ext>
             </a:extLst>
-          </p:cNvPr>
-          <p:cNvSpPr>
-            <a:spLocks noGrp="1"/>
-          </p:cNvSpPr>
-          <p:nvPr>
-            <p:ph type="title" orient="vert"/>
-          </p:nvPr>
-        </p:nvSpPr>
+          </a:blip>
+          <a:stretch>
+            <a:fillRect/>
+          </a:stretch>
+        </p:blipFill>
         <p:spPr>
           <a:xfrm>
-            <a:off x="8722628" y="365125"/>
-            <a:ext cx="2628215" cy="5811838"/>
+            <a:off x="0" y="4375150"/>
+            <a:ext cx="12188825" cy="2482850"/>
+          </a:xfrm>
+          <a:prstGeom prst="rect">
+            <a:avLst/>
+          </a:prstGeom>
+        </p:spPr>
+      </p:pic>
+      <p:sp>
+        <p:nvSpPr>
+          <p:cNvPr id="2" name="Vertical Title 1"/>
+          <p:cNvSpPr>
+            <a:spLocks noGrp="1"/>
+          </p:cNvSpPr>
+          <p:nvPr>
+            <p:ph type="title" orient="vert"/>
+          </p:nvPr>
+        </p:nvSpPr>
+        <p:spPr>
+          <a:xfrm>
+            <a:off x="9446339" y="745067"/>
+            <a:ext cx="2056864" cy="3903133"/>
           </a:xfrm>
         </p:spPr>
         <p:txBody>
           <a:bodyPr vert="eaVert"/>
-          <a:lstStyle/>
+          <a:lstStyle>
+            <a:lvl1pPr algn="l">
+              <a:defRPr/>
+            </a:lvl1pPr>
+          </a:lstStyle>
           <a:p>
             <a:r>
               <a:rPr lang="en-US"/>
               <a:t>Click to edit Master title style</a:t>
             </a:r>
-          </a:p>
-        </p:txBody>
-      </p:sp>
-      <p:sp>
-        <p:nvSpPr>
-          <p:cNvPr id="3" name="Vertical Text Placeholder 2">
-            <a:extLst>
-              <a:ext uri="{FF2B5EF4-FFF2-40B4-BE49-F238E27FC236}">
-                <a16:creationId xmlns:a16="http://schemas.microsoft.com/office/drawing/2014/main" id="{371F8D2E-6947-5041-A4FE-7FA62BF72C4A}"/>
-              </a:ext>
-            </a:extLst>
-          </p:cNvPr>
+            <a:endParaRPr lang="en-US" dirty="0"/>
+          </a:p>
+        </p:txBody>
+      </p:sp>
+      <p:sp>
+        <p:nvSpPr>
+          <p:cNvPr id="3" name="Vertical Text Placeholder 2"/>
           <p:cNvSpPr>
             <a:spLocks noGrp="1"/>
           </p:cNvSpPr>
@@ -1437,8 +4087,8 @@
         </p:nvSpPr>
         <p:spPr>
           <a:xfrm>
-            <a:off x="837982" y="365125"/>
-            <a:ext cx="7732286" cy="5811838"/>
+            <a:off x="1024200" y="745068"/>
+            <a:ext cx="8202064" cy="3903133"/>
           </a:xfrm>
         </p:spPr>
         <p:txBody>
@@ -1478,18 +4128,13 @@
               <a:rPr lang="en-US"/>
               <a:t>Fifth level</a:t>
             </a:r>
-          </a:p>
-        </p:txBody>
-      </p:sp>
-      <p:sp>
-        <p:nvSpPr>
-          <p:cNvPr id="4" name="Date Placeholder 3">
-            <a:extLst>
-              <a:ext uri="{FF2B5EF4-FFF2-40B4-BE49-F238E27FC236}">
-                <a16:creationId xmlns:a16="http://schemas.microsoft.com/office/drawing/2014/main" id="{C5258905-AE98-CC4D-AC00-FBF337E8CB3F}"/>
-              </a:ext>
-            </a:extLst>
-          </p:cNvPr>
+            <a:endParaRPr lang="en-US" dirty="0"/>
+          </a:p>
+        </p:txBody>
+      </p:sp>
+      <p:sp>
+        <p:nvSpPr>
+          <p:cNvPr id="4" name="Date Placeholder 3"/>
           <p:cNvSpPr>
             <a:spLocks noGrp="1"/>
           </p:cNvSpPr>
@@ -1497,12 +4142,21 @@
             <p:ph type="dt" sz="half" idx="10"/>
           </p:nvPr>
         </p:nvSpPr>
-        <p:spPr/>
-        <p:txBody>
-          <a:bodyPr/>
-          <a:lstStyle/>
-          <a:p>
-            <a:fld id="{5DDAD2AB-239F-2F48-8CAB-B916A8C6725B}" type="datetime1">
+        <p:spPr>
+          <a:xfrm>
+            <a:off x="7812417" y="379942"/>
+            <a:ext cx="2910082" cy="365125"/>
+          </a:xfrm>
+        </p:spPr>
+        <p:txBody>
+          <a:bodyPr/>
+          <a:lstStyle>
+            <a:lvl1pPr algn="r">
+              <a:defRPr/>
+            </a:lvl1pPr>
+          </a:lstStyle>
+          <a:p>
+            <a:fld id="{DD03A468-7FFD-8642-805A-7250196496B4}" type="datetime1">
               <a:rPr lang="en-US" smtClean="0"/>
               <a:t>10/8/18</a:t>
             </a:fld>
@@ -1512,13 +4166,7 @@
       </p:sp>
       <p:sp>
         <p:nvSpPr>
-          <p:cNvPr id="5" name="Footer Placeholder 4">
-            <a:extLst>
-              <a:ext uri="{FF2B5EF4-FFF2-40B4-BE49-F238E27FC236}">
-                <a16:creationId xmlns:a16="http://schemas.microsoft.com/office/drawing/2014/main" id="{58813F81-0E88-C548-996C-97D412530B33}"/>
-              </a:ext>
-            </a:extLst>
-          </p:cNvPr>
+          <p:cNvPr id="5" name="Footer Placeholder 4"/>
           <p:cNvSpPr>
             <a:spLocks noGrp="1"/>
           </p:cNvSpPr>
@@ -1526,7 +4174,12 @@
             <p:ph type="ftr" sz="quarter" idx="11"/>
           </p:nvPr>
         </p:nvSpPr>
-        <p:spPr/>
+        <p:spPr>
+          <a:xfrm>
+            <a:off x="685622" y="381001"/>
+            <a:ext cx="6989671" cy="365125"/>
+          </a:xfrm>
+        </p:spPr>
         <p:txBody>
           <a:bodyPr/>
           <a:lstStyle/>
@@ -1535,18 +4188,13 @@
               <a:rPr lang="en-US"/>
               <a:t>AWS Java Lambda Functions with Kotlin</a:t>
             </a:r>
-          </a:p>
-        </p:txBody>
-      </p:sp>
-      <p:sp>
-        <p:nvSpPr>
-          <p:cNvPr id="6" name="Slide Number Placeholder 5">
-            <a:extLst>
-              <a:ext uri="{FF2B5EF4-FFF2-40B4-BE49-F238E27FC236}">
-                <a16:creationId xmlns:a16="http://schemas.microsoft.com/office/drawing/2014/main" id="{B14F8C89-20D4-B54D-920E-37669604509D}"/>
-              </a:ext>
-            </a:extLst>
-          </p:cNvPr>
+            <a:endParaRPr lang="en-US" dirty="0"/>
+          </a:p>
+        </p:txBody>
+      </p:sp>
+      <p:sp>
+        <p:nvSpPr>
+          <p:cNvPr id="6" name="Slide Number Placeholder 5"/>
           <p:cNvSpPr>
             <a:spLocks noGrp="1"/>
           </p:cNvSpPr>
@@ -1554,33 +4202,40 @@
             <p:ph type="sldNum" sz="quarter" idx="12"/>
           </p:nvPr>
         </p:nvSpPr>
-        <p:spPr/>
-        <p:txBody>
-          <a:bodyPr/>
-          <a:lstStyle/>
-          <a:p>
-            <a:fld id="{FDD84730-9A28-D44A-A27A-CC381838E885}" type="slidenum">
+        <p:spPr>
+          <a:xfrm>
+            <a:off x="10859623" y="381001"/>
+            <a:ext cx="643580" cy="365125"/>
+          </a:xfrm>
+        </p:spPr>
+        <p:txBody>
+          <a:bodyPr/>
+          <a:lstStyle/>
+          <a:p>
+            <a:fld id="{ABCABC6B-F667-1540-8370-D056DC2C0FCE}" type="slidenum">
               <a:rPr lang="en-US" smtClean="0"/>
+              <a:pPr/>
               <a:t>‹#›</a:t>
             </a:fld>
-            <a:endParaRPr lang="en-US"/>
+            <a:endParaRPr lang="en-US" dirty="0"/>
           </a:p>
         </p:txBody>
       </p:sp>
     </p:spTree>
     <p:extLst>
       <p:ext uri="{BB962C8B-B14F-4D97-AF65-F5344CB8AC3E}">
-        <p14:creationId xmlns:p14="http://schemas.microsoft.com/office/powerpoint/2010/main" val="1466561338"/>
+        <p14:creationId xmlns:p14="http://schemas.microsoft.com/office/powerpoint/2010/main" val="577777386"/>
       </p:ext>
     </p:extLst>
   </p:cSld>
   <p:clrMapOvr>
     <a:masterClrMapping/>
   </p:clrMapOvr>
+  <p:hf hdr="0"/>
 </p:sldLayout>
 </file>
 
-<file path=ppt/slideLayouts/slideLayout12.xml><?xml version="1.0" encoding="utf-8"?>
+<file path=ppt/slideLayouts/slideLayout18.xml><?xml version="1.0" encoding="utf-8"?>
 <p:sldLayout xmlns:a="http://schemas.openxmlformats.org/drawingml/2006/main" xmlns:r="http://schemas.openxmlformats.org/officeDocument/2006/relationships" xmlns:p="http://schemas.openxmlformats.org/presentationml/2006/main" preserve="1" userDrawn="1">
   <p:cSld name="2_Title and Content">
     <p:spTree>
@@ -1896,7 +4551,7 @@
 </p:sldLayout>
 </file>
 
-<file path=ppt/slideLayouts/slideLayout13.xml><?xml version="1.0" encoding="utf-8"?>
+<file path=ppt/slideLayouts/slideLayout19.xml><?xml version="1.0" encoding="utf-8"?>
 <p:sldLayout xmlns:a="http://schemas.openxmlformats.org/drawingml/2006/main" xmlns:r="http://schemas.openxmlformats.org/officeDocument/2006/relationships" xmlns:p="http://schemas.openxmlformats.org/presentationml/2006/main" preserve="1" userDrawn="1">
   <p:cSld name="1_Title and Vertical Text">
     <p:spTree>
@@ -2283,13 +4938,7 @@
       </p:grpSpPr>
       <p:sp>
         <p:nvSpPr>
-          <p:cNvPr id="2" name="Title 1">
-            <a:extLst>
-              <a:ext uri="{FF2B5EF4-FFF2-40B4-BE49-F238E27FC236}">
-                <a16:creationId xmlns:a16="http://schemas.microsoft.com/office/drawing/2014/main" id="{C294D1B4-B935-9340-8D2A-BD0AA5835D3C}"/>
-              </a:ext>
-            </a:extLst>
-          </p:cNvPr>
+          <p:cNvPr id="2" name="Title 1"/>
           <p:cNvSpPr>
             <a:spLocks noGrp="1"/>
           </p:cNvSpPr>
@@ -2306,18 +4955,13 @@
               <a:rPr lang="en-US"/>
               <a:t>Click to edit Master title style</a:t>
             </a:r>
-          </a:p>
-        </p:txBody>
-      </p:sp>
-      <p:sp>
-        <p:nvSpPr>
-          <p:cNvPr id="3" name="Content Placeholder 2">
-            <a:extLst>
-              <a:ext uri="{FF2B5EF4-FFF2-40B4-BE49-F238E27FC236}">
-                <a16:creationId xmlns:a16="http://schemas.microsoft.com/office/drawing/2014/main" id="{B5D11AAA-1FC7-B342-940D-D056A377E1D5}"/>
-              </a:ext>
-            </a:extLst>
-          </p:cNvPr>
+            <a:endParaRPr lang="en-US" dirty="0"/>
+          </a:p>
+        </p:txBody>
+      </p:sp>
+      <p:sp>
+        <p:nvSpPr>
+          <p:cNvPr id="3" name="Content Placeholder 2"/>
           <p:cNvSpPr>
             <a:spLocks noGrp="1"/>
           </p:cNvSpPr>
@@ -2363,18 +5007,13 @@
               <a:rPr lang="en-US"/>
               <a:t>Fifth level</a:t>
             </a:r>
-          </a:p>
-        </p:txBody>
-      </p:sp>
-      <p:sp>
-        <p:nvSpPr>
-          <p:cNvPr id="4" name="Date Placeholder 3">
-            <a:extLst>
-              <a:ext uri="{FF2B5EF4-FFF2-40B4-BE49-F238E27FC236}">
-                <a16:creationId xmlns:a16="http://schemas.microsoft.com/office/drawing/2014/main" id="{778F099C-672D-074A-99B8-12A2A30DB681}"/>
-              </a:ext>
-            </a:extLst>
-          </p:cNvPr>
+            <a:endParaRPr lang="en-US" dirty="0"/>
+          </a:p>
+        </p:txBody>
+      </p:sp>
+      <p:sp>
+        <p:nvSpPr>
+          <p:cNvPr id="4" name="Date Placeholder 3"/>
           <p:cNvSpPr>
             <a:spLocks noGrp="1"/>
           </p:cNvSpPr>
@@ -2387,7 +5026,7 @@
           <a:bodyPr/>
           <a:lstStyle/>
           <a:p>
-            <a:fld id="{4BE75957-40B6-744E-99B6-AB95327FBD2E}" type="datetime1">
+            <a:fld id="{DD03A468-7FFD-8642-805A-7250196496B4}" type="datetime1">
               <a:rPr lang="en-US" smtClean="0"/>
               <a:t>10/8/18</a:t>
             </a:fld>
@@ -2397,13 +5036,7 @@
       </p:sp>
       <p:sp>
         <p:nvSpPr>
-          <p:cNvPr id="5" name="Footer Placeholder 4">
-            <a:extLst>
-              <a:ext uri="{FF2B5EF4-FFF2-40B4-BE49-F238E27FC236}">
-                <a16:creationId xmlns:a16="http://schemas.microsoft.com/office/drawing/2014/main" id="{B99CC7E8-8B05-2C47-ABD7-B487EF9D26F1}"/>
-              </a:ext>
-            </a:extLst>
-          </p:cNvPr>
+          <p:cNvPr id="5" name="Footer Placeholder 4"/>
           <p:cNvSpPr>
             <a:spLocks noGrp="1"/>
           </p:cNvSpPr>
@@ -2426,13 +5059,7 @@
       </p:sp>
       <p:sp>
         <p:nvSpPr>
-          <p:cNvPr id="6" name="Slide Number Placeholder 5">
-            <a:extLst>
-              <a:ext uri="{FF2B5EF4-FFF2-40B4-BE49-F238E27FC236}">
-                <a16:creationId xmlns:a16="http://schemas.microsoft.com/office/drawing/2014/main" id="{491B580A-D2E1-5B48-990A-38BAD8A99FC3}"/>
-              </a:ext>
-            </a:extLst>
-          </p:cNvPr>
+          <p:cNvPr id="6" name="Slide Number Placeholder 5"/>
           <p:cNvSpPr>
             <a:spLocks noGrp="1"/>
           </p:cNvSpPr>
@@ -2457,18 +5084,19 @@
     </p:spTree>
     <p:extLst>
       <p:ext uri="{BB962C8B-B14F-4D97-AF65-F5344CB8AC3E}">
-        <p14:creationId xmlns:p14="http://schemas.microsoft.com/office/powerpoint/2010/main" val="1903269701"/>
+        <p14:creationId xmlns:p14="http://schemas.microsoft.com/office/powerpoint/2010/main" val="3959174276"/>
       </p:ext>
     </p:extLst>
   </p:cSld>
   <p:clrMapOvr>
     <a:masterClrMapping/>
   </p:clrMapOvr>
+  <p:hf hdr="0"/>
 </p:sldLayout>
 </file>
 
 <file path=ppt/slideLayouts/slideLayout3.xml><?xml version="1.0" encoding="utf-8"?>
-<p:sldLayout xmlns:a="http://schemas.openxmlformats.org/drawingml/2006/main" xmlns:r="http://schemas.openxmlformats.org/officeDocument/2006/relationships" xmlns:p="http://schemas.openxmlformats.org/presentationml/2006/main" type="secHead" preserve="1">
+<p:sldLayout xmlns:a="http://schemas.openxmlformats.org/drawingml/2006/main" xmlns:r="http://schemas.openxmlformats.org/officeDocument/2006/relationships" xmlns:p="http://schemas.openxmlformats.org/presentationml/2006/main" showMasterSp="0" type="secHead" preserve="1">
   <p:cSld name="Section Header">
     <p:spTree>
       <p:nvGrpSpPr>
@@ -2484,33 +5112,59 @@
           <a:chExt cx="0" cy="0"/>
         </a:xfrm>
       </p:grpSpPr>
-      <p:sp>
-        <p:nvSpPr>
-          <p:cNvPr id="2" name="Title 1">
+      <p:pic>
+        <p:nvPicPr>
+          <p:cNvPr id="8" name="Picture 7" descr="C1-HD-BTM.png"/>
+          <p:cNvPicPr>
+            <a:picLocks noChangeAspect="1"/>
+          </p:cNvPicPr>
+          <p:nvPr/>
+        </p:nvPicPr>
+        <p:blipFill>
+          <a:blip r:embed="rId2">
             <a:extLst>
-              <a:ext uri="{FF2B5EF4-FFF2-40B4-BE49-F238E27FC236}">
-                <a16:creationId xmlns:a16="http://schemas.microsoft.com/office/drawing/2014/main" id="{A87431DD-D27B-5940-A0A7-118FA450BDED}"/>
+              <a:ext uri="{28A0092B-C50C-407E-A947-70E740481C1C}">
+                <a14:useLocalDpi xmlns:a14="http://schemas.microsoft.com/office/drawing/2010/main" val="0"/>
               </a:ext>
             </a:extLst>
-          </p:cNvPr>
-          <p:cNvSpPr>
-            <a:spLocks noGrp="1"/>
-          </p:cNvSpPr>
-          <p:nvPr>
-            <p:ph type="title"/>
-          </p:nvPr>
-        </p:nvSpPr>
+          </a:blip>
+          <a:stretch>
+            <a:fillRect/>
+          </a:stretch>
+        </p:blipFill>
         <p:spPr>
           <a:xfrm>
-            <a:off x="831633" y="1709739"/>
-            <a:ext cx="10512862" cy="2852737"/>
+            <a:off x="0" y="4375150"/>
+            <a:ext cx="12188825" cy="2482850"/>
+          </a:xfrm>
+          <a:prstGeom prst="rect">
+            <a:avLst/>
+          </a:prstGeom>
+        </p:spPr>
+      </p:pic>
+      <p:sp>
+        <p:nvSpPr>
+          <p:cNvPr id="2" name="Title 1"/>
+          <p:cNvSpPr>
+            <a:spLocks noGrp="1"/>
+          </p:cNvSpPr>
+          <p:nvPr>
+            <p:ph type="title"/>
+          </p:nvPr>
+        </p:nvSpPr>
+        <p:spPr>
+          <a:xfrm>
+            <a:off x="685622" y="753534"/>
+            <a:ext cx="10817581" cy="2801935"/>
           </a:xfrm>
         </p:spPr>
         <p:txBody>
-          <a:bodyPr anchor="b"/>
+          <a:bodyPr anchor="b">
+            <a:normAutofit/>
+          </a:bodyPr>
           <a:lstStyle>
-            <a:lvl1pPr>
-              <a:defRPr sz="5998"/>
+            <a:lvl1pPr algn="r">
+              <a:defRPr sz="3999"/>
             </a:lvl1pPr>
           </a:lstStyle>
           <a:p>
@@ -2518,18 +5172,13 @@
               <a:rPr lang="en-US"/>
               <a:t>Click to edit Master title style</a:t>
             </a:r>
-          </a:p>
-        </p:txBody>
-      </p:sp>
-      <p:sp>
-        <p:nvSpPr>
-          <p:cNvPr id="3" name="Text Placeholder 2">
-            <a:extLst>
-              <a:ext uri="{FF2B5EF4-FFF2-40B4-BE49-F238E27FC236}">
-                <a16:creationId xmlns:a16="http://schemas.microsoft.com/office/drawing/2014/main" id="{BFD69B83-9D03-A24F-BBD1-490146204158}"/>
-              </a:ext>
-            </a:extLst>
-          </p:cNvPr>
+            <a:endParaRPr lang="en-US" dirty="0"/>
+          </a:p>
+        </p:txBody>
+      </p:sp>
+      <p:sp>
+        <p:nvSpPr>
+          <p:cNvPr id="3" name="Text Placeholder 2"/>
           <p:cNvSpPr>
             <a:spLocks noGrp="1"/>
           </p:cNvSpPr>
@@ -2539,16 +5188,18 @@
         </p:nvSpPr>
         <p:spPr>
           <a:xfrm>
-            <a:off x="831633" y="4589464"/>
-            <a:ext cx="10512862" cy="1500187"/>
+            <a:off x="1024200" y="3641726"/>
+            <a:ext cx="10487468" cy="955675"/>
           </a:xfrm>
         </p:spPr>
         <p:txBody>
-          <a:bodyPr/>
+          <a:bodyPr>
+            <a:normAutofit/>
+          </a:bodyPr>
           <a:lstStyle>
-            <a:lvl1pPr marL="0" indent="0">
-              <a:buNone/>
-              <a:defRPr sz="2399">
+            <a:lvl1pPr marL="0" indent="0" algn="r">
+              <a:buNone/>
+              <a:defRPr sz="2199">
                 <a:solidFill>
                   <a:schemeClr val="tx1">
                     <a:tint val="75000"/>
@@ -2648,13 +5299,7 @@
       </p:sp>
       <p:sp>
         <p:nvSpPr>
-          <p:cNvPr id="4" name="Date Placeholder 3">
-            <a:extLst>
-              <a:ext uri="{FF2B5EF4-FFF2-40B4-BE49-F238E27FC236}">
-                <a16:creationId xmlns:a16="http://schemas.microsoft.com/office/drawing/2014/main" id="{06860C6F-1E18-B94F-9076-90E22D5C6292}"/>
-              </a:ext>
-            </a:extLst>
-          </p:cNvPr>
+          <p:cNvPr id="4" name="Date Placeholder 3"/>
           <p:cNvSpPr>
             <a:spLocks noGrp="1"/>
           </p:cNvSpPr>
@@ -2662,10 +5307,19 @@
             <p:ph type="dt" sz="half" idx="10"/>
           </p:nvPr>
         </p:nvSpPr>
-        <p:spPr/>
-        <p:txBody>
-          <a:bodyPr/>
-          <a:lstStyle/>
+        <p:spPr>
+          <a:xfrm>
+            <a:off x="7812417" y="381001"/>
+            <a:ext cx="2910082" cy="365125"/>
+          </a:xfrm>
+        </p:spPr>
+        <p:txBody>
+          <a:bodyPr/>
+          <a:lstStyle>
+            <a:lvl1pPr algn="r">
+              <a:defRPr/>
+            </a:lvl1pPr>
+          </a:lstStyle>
           <a:p>
             <a:fld id="{3E39426D-E7B7-DA40-93F8-CA6510E6F0EE}" type="datetime1">
               <a:rPr lang="en-US" smtClean="0"/>
@@ -2677,13 +5331,7 @@
       </p:sp>
       <p:sp>
         <p:nvSpPr>
-          <p:cNvPr id="5" name="Footer Placeholder 4">
-            <a:extLst>
-              <a:ext uri="{FF2B5EF4-FFF2-40B4-BE49-F238E27FC236}">
-                <a16:creationId xmlns:a16="http://schemas.microsoft.com/office/drawing/2014/main" id="{F64921D2-7FEB-794F-8D5A-635EFD305824}"/>
-              </a:ext>
-            </a:extLst>
-          </p:cNvPr>
+          <p:cNvPr id="5" name="Footer Placeholder 4"/>
           <p:cNvSpPr>
             <a:spLocks noGrp="1"/>
           </p:cNvSpPr>
@@ -2691,7 +5339,12 @@
             <p:ph type="ftr" sz="quarter" idx="11"/>
           </p:nvPr>
         </p:nvSpPr>
-        <p:spPr/>
+        <p:spPr>
+          <a:xfrm>
+            <a:off x="685622" y="381002"/>
+            <a:ext cx="6989671" cy="364065"/>
+          </a:xfrm>
+        </p:spPr>
         <p:txBody>
           <a:bodyPr/>
           <a:lstStyle/>
@@ -2706,13 +5359,7 @@
       </p:sp>
       <p:sp>
         <p:nvSpPr>
-          <p:cNvPr id="6" name="Slide Number Placeholder 5">
-            <a:extLst>
-              <a:ext uri="{FF2B5EF4-FFF2-40B4-BE49-F238E27FC236}">
-                <a16:creationId xmlns:a16="http://schemas.microsoft.com/office/drawing/2014/main" id="{9A31A22E-25C7-744E-8515-91BE3DFE478D}"/>
-              </a:ext>
-            </a:extLst>
-          </p:cNvPr>
+          <p:cNvPr id="6" name="Slide Number Placeholder 5"/>
           <p:cNvSpPr>
             <a:spLocks noGrp="1"/>
           </p:cNvSpPr>
@@ -2720,7 +5367,12 @@
             <p:ph type="sldNum" sz="quarter" idx="12"/>
           </p:nvPr>
         </p:nvSpPr>
-        <p:spPr/>
+        <p:spPr>
+          <a:xfrm>
+            <a:off x="10859623" y="381001"/>
+            <a:ext cx="643580" cy="365125"/>
+          </a:xfrm>
+        </p:spPr>
         <p:txBody>
           <a:bodyPr/>
           <a:lstStyle/>
@@ -2737,7 +5389,7 @@
     </p:spTree>
     <p:extLst>
       <p:ext uri="{BB962C8B-B14F-4D97-AF65-F5344CB8AC3E}">
-        <p14:creationId xmlns:p14="http://schemas.microsoft.com/office/powerpoint/2010/main" val="3063211461"/>
+        <p14:creationId xmlns:p14="http://schemas.microsoft.com/office/powerpoint/2010/main" val="1464744429"/>
       </p:ext>
     </p:extLst>
   </p:cSld>
@@ -2766,13 +5418,7 @@
       </p:grpSpPr>
       <p:sp>
         <p:nvSpPr>
-          <p:cNvPr id="2" name="Title 1">
-            <a:extLst>
-              <a:ext uri="{FF2B5EF4-FFF2-40B4-BE49-F238E27FC236}">
-                <a16:creationId xmlns:a16="http://schemas.microsoft.com/office/drawing/2014/main" id="{0261316F-D20C-2F44-AA48-087DF6B81A30}"/>
-              </a:ext>
-            </a:extLst>
-          </p:cNvPr>
+          <p:cNvPr id="2" name="Title 1"/>
           <p:cNvSpPr>
             <a:spLocks noGrp="1"/>
           </p:cNvSpPr>
@@ -2789,18 +5435,13 @@
               <a:rPr lang="en-US"/>
               <a:t>Click to edit Master title style</a:t>
             </a:r>
-          </a:p>
-        </p:txBody>
-      </p:sp>
-      <p:sp>
-        <p:nvSpPr>
-          <p:cNvPr id="3" name="Content Placeholder 2">
-            <a:extLst>
-              <a:ext uri="{FF2B5EF4-FFF2-40B4-BE49-F238E27FC236}">
-                <a16:creationId xmlns:a16="http://schemas.microsoft.com/office/drawing/2014/main" id="{5404266D-81AB-084A-B269-501ABD16C988}"/>
-              </a:ext>
-            </a:extLst>
-          </p:cNvPr>
+            <a:endParaRPr lang="en-US" dirty="0"/>
+          </a:p>
+        </p:txBody>
+      </p:sp>
+      <p:sp>
+        <p:nvSpPr>
+          <p:cNvPr id="3" name="Content Placeholder 2"/>
           <p:cNvSpPr>
             <a:spLocks noGrp="1"/>
           </p:cNvSpPr>
@@ -2810,8 +5451,8 @@
         </p:nvSpPr>
         <p:spPr>
           <a:xfrm>
-            <a:off x="837982" y="1825625"/>
-            <a:ext cx="5180251" cy="4351338"/>
+            <a:off x="685621" y="2194560"/>
+            <a:ext cx="5332611" cy="4024125"/>
           </a:xfrm>
         </p:spPr>
         <p:txBody>
@@ -2851,18 +5492,13 @@
               <a:rPr lang="en-US"/>
               <a:t>Fifth level</a:t>
             </a:r>
-          </a:p>
-        </p:txBody>
-      </p:sp>
-      <p:sp>
-        <p:nvSpPr>
-          <p:cNvPr id="4" name="Content Placeholder 3">
-            <a:extLst>
-              <a:ext uri="{FF2B5EF4-FFF2-40B4-BE49-F238E27FC236}">
-                <a16:creationId xmlns:a16="http://schemas.microsoft.com/office/drawing/2014/main" id="{7132CB7D-987A-D342-8232-2E5D2C0BFE8F}"/>
-              </a:ext>
-            </a:extLst>
-          </p:cNvPr>
+            <a:endParaRPr lang="en-US" dirty="0"/>
+          </a:p>
+        </p:txBody>
+      </p:sp>
+      <p:sp>
+        <p:nvSpPr>
+          <p:cNvPr id="4" name="Content Placeholder 3"/>
           <p:cNvSpPr>
             <a:spLocks noGrp="1"/>
           </p:cNvSpPr>
@@ -2872,8 +5508,8 @@
         </p:nvSpPr>
         <p:spPr>
           <a:xfrm>
-            <a:off x="6170592" y="1825625"/>
-            <a:ext cx="5180251" cy="4351338"/>
+            <a:off x="6170593" y="2194560"/>
+            <a:ext cx="5332611" cy="4024125"/>
           </a:xfrm>
         </p:spPr>
         <p:txBody>
@@ -2913,18 +5549,13 @@
               <a:rPr lang="en-US"/>
               <a:t>Fifth level</a:t>
             </a:r>
-          </a:p>
-        </p:txBody>
-      </p:sp>
-      <p:sp>
-        <p:nvSpPr>
-          <p:cNvPr id="5" name="Date Placeholder 4">
-            <a:extLst>
-              <a:ext uri="{FF2B5EF4-FFF2-40B4-BE49-F238E27FC236}">
-                <a16:creationId xmlns:a16="http://schemas.microsoft.com/office/drawing/2014/main" id="{0A93C0B6-7B6E-8141-9EEB-29C0DAD344FF}"/>
-              </a:ext>
-            </a:extLst>
-          </p:cNvPr>
+            <a:endParaRPr lang="en-US" dirty="0"/>
+          </a:p>
+        </p:txBody>
+      </p:sp>
+      <p:sp>
+        <p:nvSpPr>
+          <p:cNvPr id="5" name="Date Placeholder 4"/>
           <p:cNvSpPr>
             <a:spLocks noGrp="1"/>
           </p:cNvSpPr>
@@ -2937,7 +5568,7 @@
           <a:bodyPr/>
           <a:lstStyle/>
           <a:p>
-            <a:fld id="{6B8E9881-841B-FD47-8067-4CE54162D2D7}" type="datetime1">
+            <a:fld id="{DD03A468-7FFD-8642-805A-7250196496B4}" type="datetime1">
               <a:rPr lang="en-US" smtClean="0"/>
               <a:t>10/8/18</a:t>
             </a:fld>
@@ -2947,13 +5578,7 @@
       </p:sp>
       <p:sp>
         <p:nvSpPr>
-          <p:cNvPr id="6" name="Footer Placeholder 5">
-            <a:extLst>
-              <a:ext uri="{FF2B5EF4-FFF2-40B4-BE49-F238E27FC236}">
-                <a16:creationId xmlns:a16="http://schemas.microsoft.com/office/drawing/2014/main" id="{AF075B17-1F00-0F4A-8D5A-40AA098532BB}"/>
-              </a:ext>
-            </a:extLst>
-          </p:cNvPr>
+          <p:cNvPr id="6" name="Footer Placeholder 5"/>
           <p:cNvSpPr>
             <a:spLocks noGrp="1"/>
           </p:cNvSpPr>
@@ -2976,13 +5601,7 @@
       </p:sp>
       <p:sp>
         <p:nvSpPr>
-          <p:cNvPr id="7" name="Slide Number Placeholder 6">
-            <a:extLst>
-              <a:ext uri="{FF2B5EF4-FFF2-40B4-BE49-F238E27FC236}">
-                <a16:creationId xmlns:a16="http://schemas.microsoft.com/office/drawing/2014/main" id="{308F402A-F250-2F46-A306-D0DCCD853460}"/>
-              </a:ext>
-            </a:extLst>
-          </p:cNvPr>
+          <p:cNvPr id="7" name="Slide Number Placeholder 6"/>
           <p:cNvSpPr>
             <a:spLocks noGrp="1"/>
           </p:cNvSpPr>
@@ -3007,13 +5626,14 @@
     </p:spTree>
     <p:extLst>
       <p:ext uri="{BB962C8B-B14F-4D97-AF65-F5344CB8AC3E}">
-        <p14:creationId xmlns:p14="http://schemas.microsoft.com/office/powerpoint/2010/main" val="2590348794"/>
+        <p14:creationId xmlns:p14="http://schemas.microsoft.com/office/powerpoint/2010/main" val="1569510710"/>
       </p:ext>
     </p:extLst>
   </p:cSld>
   <p:clrMapOvr>
     <a:masterClrMapping/>
   </p:clrMapOvr>
+  <p:hf hdr="0"/>
 </p:sldLayout>
 </file>
 
@@ -3036,13 +5656,7 @@
       </p:grpSpPr>
       <p:sp>
         <p:nvSpPr>
-          <p:cNvPr id="2" name="Title 1">
-            <a:extLst>
-              <a:ext uri="{FF2B5EF4-FFF2-40B4-BE49-F238E27FC236}">
-                <a16:creationId xmlns:a16="http://schemas.microsoft.com/office/drawing/2014/main" id="{5E9B651C-B3A0-E943-A491-FEC2E06210CF}"/>
-              </a:ext>
-            </a:extLst>
-          </p:cNvPr>
+          <p:cNvPr id="2" name="Title 1"/>
           <p:cNvSpPr>
             <a:spLocks noGrp="1"/>
           </p:cNvSpPr>
@@ -3052,8 +5666,8 @@
         </p:nvSpPr>
         <p:spPr>
           <a:xfrm>
-            <a:off x="839569" y="365126"/>
-            <a:ext cx="10512862" cy="1325563"/>
+            <a:off x="2894846" y="762000"/>
+            <a:ext cx="8608358" cy="1295400"/>
           </a:xfrm>
         </p:spPr>
         <p:txBody>
@@ -3064,18 +5678,13 @@
               <a:rPr lang="en-US"/>
               <a:t>Click to edit Master title style</a:t>
             </a:r>
-          </a:p>
-        </p:txBody>
-      </p:sp>
-      <p:sp>
-        <p:nvSpPr>
-          <p:cNvPr id="3" name="Text Placeholder 2">
-            <a:extLst>
-              <a:ext uri="{FF2B5EF4-FFF2-40B4-BE49-F238E27FC236}">
-                <a16:creationId xmlns:a16="http://schemas.microsoft.com/office/drawing/2014/main" id="{D0422DAC-043C-F34B-9770-1C4D2CE614B3}"/>
-              </a:ext>
-            </a:extLst>
-          </p:cNvPr>
+            <a:endParaRPr lang="en-US" dirty="0"/>
+          </a:p>
+        </p:txBody>
+      </p:sp>
+      <p:sp>
+        <p:nvSpPr>
+          <p:cNvPr id="3" name="Text Placeholder 2"/>
           <p:cNvSpPr>
             <a:spLocks noGrp="1"/>
           </p:cNvSpPr>
@@ -3085,16 +5694,22 @@
         </p:nvSpPr>
         <p:spPr>
           <a:xfrm>
-            <a:off x="839570" y="1681163"/>
-            <a:ext cx="5156444" cy="823912"/>
+            <a:off x="914171" y="2183802"/>
+            <a:ext cx="5078668" cy="823912"/>
           </a:xfrm>
         </p:spPr>
         <p:txBody>
-          <a:bodyPr anchor="b"/>
+          <a:bodyPr anchor="b">
+            <a:normAutofit/>
+          </a:bodyPr>
           <a:lstStyle>
             <a:lvl1pPr marL="0" indent="0">
               <a:buNone/>
-              <a:defRPr sz="2399" b="1"/>
+              <a:defRPr sz="2799" b="0">
+                <a:solidFill>
+                  <a:schemeClr val="tx1"/>
+                </a:solidFill>
+              </a:defRPr>
             </a:lvl1pPr>
             <a:lvl2pPr marL="457063" indent="0">
               <a:buNone/>
@@ -3140,13 +5755,7 @@
       </p:sp>
       <p:sp>
         <p:nvSpPr>
-          <p:cNvPr id="4" name="Content Placeholder 3">
-            <a:extLst>
-              <a:ext uri="{FF2B5EF4-FFF2-40B4-BE49-F238E27FC236}">
-                <a16:creationId xmlns:a16="http://schemas.microsoft.com/office/drawing/2014/main" id="{4DFB7BC6-D58B-6343-BB91-19EA46EBCFAB}"/>
-              </a:ext>
-            </a:extLst>
-          </p:cNvPr>
+          <p:cNvPr id="4" name="Content Placeholder 3"/>
           <p:cNvSpPr>
             <a:spLocks noGrp="1"/>
           </p:cNvSpPr>
@@ -3156,8 +5765,8 @@
         </p:nvSpPr>
         <p:spPr>
           <a:xfrm>
-            <a:off x="839570" y="2505075"/>
-            <a:ext cx="5156444" cy="3684588"/>
+            <a:off x="685622" y="3132667"/>
+            <a:ext cx="5310392" cy="3086019"/>
           </a:xfrm>
         </p:spPr>
         <p:txBody>
@@ -3197,18 +5806,13 @@
               <a:rPr lang="en-US"/>
               <a:t>Fifth level</a:t>
             </a:r>
-          </a:p>
-        </p:txBody>
-      </p:sp>
-      <p:sp>
-        <p:nvSpPr>
-          <p:cNvPr id="5" name="Text Placeholder 4">
-            <a:extLst>
-              <a:ext uri="{FF2B5EF4-FFF2-40B4-BE49-F238E27FC236}">
-                <a16:creationId xmlns:a16="http://schemas.microsoft.com/office/drawing/2014/main" id="{8AA59911-C94B-3B4E-B962-9630F7CAC45A}"/>
-              </a:ext>
-            </a:extLst>
-          </p:cNvPr>
+            <a:endParaRPr lang="en-US" dirty="0"/>
+          </a:p>
+        </p:txBody>
+      </p:sp>
+      <p:sp>
+        <p:nvSpPr>
+          <p:cNvPr id="5" name="Text Placeholder 4"/>
           <p:cNvSpPr>
             <a:spLocks noGrp="1"/>
           </p:cNvSpPr>
@@ -3218,16 +5822,22 @@
         </p:nvSpPr>
         <p:spPr>
           <a:xfrm>
-            <a:off x="6170593" y="1681163"/>
-            <a:ext cx="5181838" cy="823912"/>
+            <a:off x="6399133" y="2183802"/>
+            <a:ext cx="5104070" cy="823912"/>
           </a:xfrm>
         </p:spPr>
         <p:txBody>
-          <a:bodyPr anchor="b"/>
+          <a:bodyPr anchor="b">
+            <a:normAutofit/>
+          </a:bodyPr>
           <a:lstStyle>
             <a:lvl1pPr marL="0" indent="0">
               <a:buNone/>
-              <a:defRPr sz="2399" b="1"/>
+              <a:defRPr sz="2799" b="0">
+                <a:solidFill>
+                  <a:schemeClr val="tx1"/>
+                </a:solidFill>
+              </a:defRPr>
             </a:lvl1pPr>
             <a:lvl2pPr marL="457063" indent="0">
               <a:buNone/>
@@ -3273,13 +5883,7 @@
       </p:sp>
       <p:sp>
         <p:nvSpPr>
-          <p:cNvPr id="6" name="Content Placeholder 5">
-            <a:extLst>
-              <a:ext uri="{FF2B5EF4-FFF2-40B4-BE49-F238E27FC236}">
-                <a16:creationId xmlns:a16="http://schemas.microsoft.com/office/drawing/2014/main" id="{BF8C57E9-FC5D-E143-8D69-CA7442AAC55C}"/>
-              </a:ext>
-            </a:extLst>
-          </p:cNvPr>
+          <p:cNvPr id="6" name="Content Placeholder 5"/>
           <p:cNvSpPr>
             <a:spLocks noGrp="1"/>
           </p:cNvSpPr>
@@ -3289,8 +5893,8 @@
         </p:nvSpPr>
         <p:spPr>
           <a:xfrm>
-            <a:off x="6170593" y="2505075"/>
-            <a:ext cx="5181838" cy="3684588"/>
+            <a:off x="6170593" y="3132667"/>
+            <a:ext cx="5332611" cy="3086019"/>
           </a:xfrm>
         </p:spPr>
         <p:txBody>
@@ -3330,18 +5934,13 @@
               <a:rPr lang="en-US"/>
               <a:t>Fifth level</a:t>
             </a:r>
-          </a:p>
-        </p:txBody>
-      </p:sp>
-      <p:sp>
-        <p:nvSpPr>
-          <p:cNvPr id="7" name="Date Placeholder 6">
-            <a:extLst>
-              <a:ext uri="{FF2B5EF4-FFF2-40B4-BE49-F238E27FC236}">
-                <a16:creationId xmlns:a16="http://schemas.microsoft.com/office/drawing/2014/main" id="{B793449D-9D7F-7C4B-9685-1FD565D1D9F3}"/>
-              </a:ext>
-            </a:extLst>
-          </p:cNvPr>
+            <a:endParaRPr lang="en-US" dirty="0"/>
+          </a:p>
+        </p:txBody>
+      </p:sp>
+      <p:sp>
+        <p:nvSpPr>
+          <p:cNvPr id="7" name="Date Placeholder 6"/>
           <p:cNvSpPr>
             <a:spLocks noGrp="1"/>
           </p:cNvSpPr>
@@ -3354,7 +5953,7 @@
           <a:bodyPr/>
           <a:lstStyle/>
           <a:p>
-            <a:fld id="{70DA7BF9-37F6-DD44-9E60-798365980305}" type="datetime1">
+            <a:fld id="{DD03A468-7FFD-8642-805A-7250196496B4}" type="datetime1">
               <a:rPr lang="en-US" smtClean="0"/>
               <a:t>10/8/18</a:t>
             </a:fld>
@@ -3364,13 +5963,7 @@
       </p:sp>
       <p:sp>
         <p:nvSpPr>
-          <p:cNvPr id="8" name="Footer Placeholder 7">
-            <a:extLst>
-              <a:ext uri="{FF2B5EF4-FFF2-40B4-BE49-F238E27FC236}">
-                <a16:creationId xmlns:a16="http://schemas.microsoft.com/office/drawing/2014/main" id="{DF3441FD-449F-CF45-BEAD-A7AD1A32210D}"/>
-              </a:ext>
-            </a:extLst>
-          </p:cNvPr>
+          <p:cNvPr id="8" name="Footer Placeholder 7"/>
           <p:cNvSpPr>
             <a:spLocks noGrp="1"/>
           </p:cNvSpPr>
@@ -3393,13 +5986,7 @@
       </p:sp>
       <p:sp>
         <p:nvSpPr>
-          <p:cNvPr id="9" name="Slide Number Placeholder 8">
-            <a:extLst>
-              <a:ext uri="{FF2B5EF4-FFF2-40B4-BE49-F238E27FC236}">
-                <a16:creationId xmlns:a16="http://schemas.microsoft.com/office/drawing/2014/main" id="{B90D8182-683E-2549-9B51-380DE0A843EF}"/>
-              </a:ext>
-            </a:extLst>
-          </p:cNvPr>
+          <p:cNvPr id="9" name="Slide Number Placeholder 8"/>
           <p:cNvSpPr>
             <a:spLocks noGrp="1"/>
           </p:cNvSpPr>
@@ -3424,13 +6011,14 @@
     </p:spTree>
     <p:extLst>
       <p:ext uri="{BB962C8B-B14F-4D97-AF65-F5344CB8AC3E}">
-        <p14:creationId xmlns:p14="http://schemas.microsoft.com/office/powerpoint/2010/main" val="3836673251"/>
+        <p14:creationId xmlns:p14="http://schemas.microsoft.com/office/powerpoint/2010/main" val="794664533"/>
       </p:ext>
     </p:extLst>
   </p:cSld>
   <p:clrMapOvr>
     <a:masterClrMapping/>
   </p:clrMapOvr>
+  <p:hf hdr="0"/>
 </p:sldLayout>
 </file>
 
@@ -3453,13 +6041,7 @@
       </p:grpSpPr>
       <p:sp>
         <p:nvSpPr>
-          <p:cNvPr id="2" name="Title 1">
-            <a:extLst>
-              <a:ext uri="{FF2B5EF4-FFF2-40B4-BE49-F238E27FC236}">
-                <a16:creationId xmlns:a16="http://schemas.microsoft.com/office/drawing/2014/main" id="{E60C2FB8-416F-3648-A9D6-DF7C9CEFE488}"/>
-              </a:ext>
-            </a:extLst>
-          </p:cNvPr>
+          <p:cNvPr id="2" name="Title 1"/>
           <p:cNvSpPr>
             <a:spLocks noGrp="1"/>
           </p:cNvSpPr>
@@ -3476,18 +6058,13 @@
               <a:rPr lang="en-US"/>
               <a:t>Click to edit Master title style</a:t>
             </a:r>
-          </a:p>
-        </p:txBody>
-      </p:sp>
-      <p:sp>
-        <p:nvSpPr>
-          <p:cNvPr id="3" name="Date Placeholder 2">
-            <a:extLst>
-              <a:ext uri="{FF2B5EF4-FFF2-40B4-BE49-F238E27FC236}">
-                <a16:creationId xmlns:a16="http://schemas.microsoft.com/office/drawing/2014/main" id="{0F736FB2-FAEE-6F48-9F00-4E8E8DBD0445}"/>
-              </a:ext>
-            </a:extLst>
-          </p:cNvPr>
+            <a:endParaRPr lang="en-US" dirty="0"/>
+          </a:p>
+        </p:txBody>
+      </p:sp>
+      <p:sp>
+        <p:nvSpPr>
+          <p:cNvPr id="3" name="Date Placeholder 2"/>
           <p:cNvSpPr>
             <a:spLocks noGrp="1"/>
           </p:cNvSpPr>
@@ -3510,13 +6087,7 @@
       </p:sp>
       <p:sp>
         <p:nvSpPr>
-          <p:cNvPr id="4" name="Footer Placeholder 3">
-            <a:extLst>
-              <a:ext uri="{FF2B5EF4-FFF2-40B4-BE49-F238E27FC236}">
-                <a16:creationId xmlns:a16="http://schemas.microsoft.com/office/drawing/2014/main" id="{00E99A8D-6CB5-BD4B-BA66-FD07998634FB}"/>
-              </a:ext>
-            </a:extLst>
-          </p:cNvPr>
+          <p:cNvPr id="4" name="Footer Placeholder 3"/>
           <p:cNvSpPr>
             <a:spLocks noGrp="1"/>
           </p:cNvSpPr>
@@ -3539,13 +6110,7 @@
       </p:sp>
       <p:sp>
         <p:nvSpPr>
-          <p:cNvPr id="5" name="Slide Number Placeholder 4">
-            <a:extLst>
-              <a:ext uri="{FF2B5EF4-FFF2-40B4-BE49-F238E27FC236}">
-                <a16:creationId xmlns:a16="http://schemas.microsoft.com/office/drawing/2014/main" id="{F80E7031-483E-0F45-B5C4-F54AA5B06614}"/>
-              </a:ext>
-            </a:extLst>
-          </p:cNvPr>
+          <p:cNvPr id="5" name="Slide Number Placeholder 4"/>
           <p:cNvSpPr>
             <a:spLocks noGrp="1"/>
           </p:cNvSpPr>
@@ -3570,7 +6135,7 @@
     </p:spTree>
     <p:extLst>
       <p:ext uri="{BB962C8B-B14F-4D97-AF65-F5344CB8AC3E}">
-        <p14:creationId xmlns:p14="http://schemas.microsoft.com/office/powerpoint/2010/main" val="2385907670"/>
+        <p14:creationId xmlns:p14="http://schemas.microsoft.com/office/powerpoint/2010/main" val="3118195728"/>
       </p:ext>
     </p:extLst>
   </p:cSld>
@@ -3599,13 +6164,7 @@
       </p:grpSpPr>
       <p:sp>
         <p:nvSpPr>
-          <p:cNvPr id="2" name="Date Placeholder 1">
-            <a:extLst>
-              <a:ext uri="{FF2B5EF4-FFF2-40B4-BE49-F238E27FC236}">
-                <a16:creationId xmlns:a16="http://schemas.microsoft.com/office/drawing/2014/main" id="{45D8981D-0A83-DB4B-A6A9-BF9A89709301}"/>
-              </a:ext>
-            </a:extLst>
-          </p:cNvPr>
+          <p:cNvPr id="2" name="Date Placeholder 1"/>
           <p:cNvSpPr>
             <a:spLocks noGrp="1"/>
           </p:cNvSpPr>
@@ -3628,13 +6187,7 @@
       </p:sp>
       <p:sp>
         <p:nvSpPr>
-          <p:cNvPr id="3" name="Footer Placeholder 2">
-            <a:extLst>
-              <a:ext uri="{FF2B5EF4-FFF2-40B4-BE49-F238E27FC236}">
-                <a16:creationId xmlns:a16="http://schemas.microsoft.com/office/drawing/2014/main" id="{AC775DCA-5A05-5D43-9835-BE618851D201}"/>
-              </a:ext>
-            </a:extLst>
-          </p:cNvPr>
+          <p:cNvPr id="3" name="Footer Placeholder 2"/>
           <p:cNvSpPr>
             <a:spLocks noGrp="1"/>
           </p:cNvSpPr>
@@ -3657,13 +6210,7 @@
       </p:sp>
       <p:sp>
         <p:nvSpPr>
-          <p:cNvPr id="4" name="Slide Number Placeholder 3">
-            <a:extLst>
-              <a:ext uri="{FF2B5EF4-FFF2-40B4-BE49-F238E27FC236}">
-                <a16:creationId xmlns:a16="http://schemas.microsoft.com/office/drawing/2014/main" id="{80EEED99-CB13-A94F-A8E0-743C21A64DE3}"/>
-              </a:ext>
-            </a:extLst>
-          </p:cNvPr>
+          <p:cNvPr id="4" name="Slide Number Placeholder 3"/>
           <p:cNvSpPr>
             <a:spLocks noGrp="1"/>
           </p:cNvSpPr>
@@ -3688,7 +6235,7 @@
     </p:spTree>
     <p:extLst>
       <p:ext uri="{BB962C8B-B14F-4D97-AF65-F5344CB8AC3E}">
-        <p14:creationId xmlns:p14="http://schemas.microsoft.com/office/powerpoint/2010/main" val="2044327903"/>
+        <p14:creationId xmlns:p14="http://schemas.microsoft.com/office/powerpoint/2010/main" val="1506033791"/>
       </p:ext>
     </p:extLst>
   </p:cSld>
@@ -3717,13 +6264,7 @@
       </p:grpSpPr>
       <p:sp>
         <p:nvSpPr>
-          <p:cNvPr id="2" name="Title 1">
-            <a:extLst>
-              <a:ext uri="{FF2B5EF4-FFF2-40B4-BE49-F238E27FC236}">
-                <a16:creationId xmlns:a16="http://schemas.microsoft.com/office/drawing/2014/main" id="{1F320D4F-519A-BF46-9F0F-2B5D45F8D27D}"/>
-              </a:ext>
-            </a:extLst>
-          </p:cNvPr>
+          <p:cNvPr id="2" name="Title 1"/>
           <p:cNvSpPr>
             <a:spLocks noGrp="1"/>
           </p:cNvSpPr>
@@ -3733,14 +6274,14 @@
         </p:nvSpPr>
         <p:spPr>
           <a:xfrm>
-            <a:off x="839570" y="457200"/>
-            <a:ext cx="3931213" cy="1600200"/>
+            <a:off x="685622" y="1524000"/>
+            <a:ext cx="4113728" cy="1600200"/>
           </a:xfrm>
         </p:spPr>
         <p:txBody>
           <a:bodyPr anchor="b"/>
           <a:lstStyle>
-            <a:lvl1pPr>
+            <a:lvl1pPr algn="l">
               <a:defRPr sz="3199"/>
             </a:lvl1pPr>
           </a:lstStyle>
@@ -3749,18 +6290,13 @@
               <a:rPr lang="en-US"/>
               <a:t>Click to edit Master title style</a:t>
             </a:r>
-          </a:p>
-        </p:txBody>
-      </p:sp>
-      <p:sp>
-        <p:nvSpPr>
-          <p:cNvPr id="3" name="Content Placeholder 2">
-            <a:extLst>
-              <a:ext uri="{FF2B5EF4-FFF2-40B4-BE49-F238E27FC236}">
-                <a16:creationId xmlns:a16="http://schemas.microsoft.com/office/drawing/2014/main" id="{83E8B7B4-EA8C-204C-9721-F00327C1B62D}"/>
-              </a:ext>
-            </a:extLst>
-          </p:cNvPr>
+            <a:endParaRPr lang="en-US" dirty="0"/>
+          </a:p>
+        </p:txBody>
+      </p:sp>
+      <p:sp>
+        <p:nvSpPr>
+          <p:cNvPr id="3" name="Content Placeholder 2"/>
           <p:cNvSpPr>
             <a:spLocks noGrp="1"/>
           </p:cNvSpPr>
@@ -3770,41 +6306,13 @@
         </p:nvSpPr>
         <p:spPr>
           <a:xfrm>
-            <a:off x="5181838" y="987426"/>
-            <a:ext cx="6170593" cy="4873625"/>
+            <a:off x="4994281" y="746760"/>
+            <a:ext cx="6508923" cy="5471925"/>
           </a:xfrm>
         </p:spPr>
         <p:txBody>
-          <a:bodyPr/>
-          <a:lstStyle>
-            <a:lvl1pPr>
-              <a:defRPr sz="3199"/>
-            </a:lvl1pPr>
-            <a:lvl2pPr>
-              <a:defRPr sz="2799"/>
-            </a:lvl2pPr>
-            <a:lvl3pPr>
-              <a:defRPr sz="2399"/>
-            </a:lvl3pPr>
-            <a:lvl4pPr>
-              <a:defRPr sz="1999"/>
-            </a:lvl4pPr>
-            <a:lvl5pPr>
-              <a:defRPr sz="1999"/>
-            </a:lvl5pPr>
-            <a:lvl6pPr>
-              <a:defRPr sz="1999"/>
-            </a:lvl6pPr>
-            <a:lvl7pPr>
-              <a:defRPr sz="1999"/>
-            </a:lvl7pPr>
-            <a:lvl8pPr>
-              <a:defRPr sz="1999"/>
-            </a:lvl8pPr>
-            <a:lvl9pPr>
-              <a:defRPr sz="1999"/>
-            </a:lvl9pPr>
-          </a:lstStyle>
+          <a:bodyPr anchor="ctr"/>
+          <a:lstStyle/>
           <a:p>
             <a:pPr lvl="0"/>
             <a:r>
@@ -3839,18 +6347,13 @@
               <a:rPr lang="en-US"/>
               <a:t>Fifth level</a:t>
             </a:r>
-          </a:p>
-        </p:txBody>
-      </p:sp>
-      <p:sp>
-        <p:nvSpPr>
-          <p:cNvPr id="4" name="Text Placeholder 3">
-            <a:extLst>
-              <a:ext uri="{FF2B5EF4-FFF2-40B4-BE49-F238E27FC236}">
-                <a16:creationId xmlns:a16="http://schemas.microsoft.com/office/drawing/2014/main" id="{C39EB8C0-E27A-0F44-9881-46D009F2F18B}"/>
-              </a:ext>
-            </a:extLst>
-          </p:cNvPr>
+            <a:endParaRPr lang="en-US" dirty="0"/>
+          </a:p>
+        </p:txBody>
+      </p:sp>
+      <p:sp>
+        <p:nvSpPr>
+          <p:cNvPr id="4" name="Text Placeholder 3"/>
           <p:cNvSpPr>
             <a:spLocks noGrp="1"/>
           </p:cNvSpPr>
@@ -3860,8 +6363,8 @@
         </p:nvSpPr>
         <p:spPr>
           <a:xfrm>
-            <a:off x="839570" y="2057400"/>
-            <a:ext cx="3931213" cy="3811588"/>
+            <a:off x="685622" y="3124200"/>
+            <a:ext cx="4113728" cy="3094485"/>
           </a:xfrm>
         </p:spPr>
         <p:txBody>
@@ -3915,13 +6418,7 @@
       </p:sp>
       <p:sp>
         <p:nvSpPr>
-          <p:cNvPr id="5" name="Date Placeholder 4">
-            <a:extLst>
-              <a:ext uri="{FF2B5EF4-FFF2-40B4-BE49-F238E27FC236}">
-                <a16:creationId xmlns:a16="http://schemas.microsoft.com/office/drawing/2014/main" id="{63D98DC6-2A8A-364B-96EE-CA0FF75D2E9F}"/>
-              </a:ext>
-            </a:extLst>
-          </p:cNvPr>
+          <p:cNvPr id="5" name="Date Placeholder 4"/>
           <p:cNvSpPr>
             <a:spLocks noGrp="1"/>
           </p:cNvSpPr>
@@ -3934,28 +6431,45 @@
           <a:bodyPr/>
           <a:lstStyle/>
           <a:p>
-            <a:fld id="{EADB070B-3D41-AA46-9B8A-CB2ED9C06DB1}" type="datetime1">
+            <a:fld id="{DD03A468-7FFD-8642-805A-7250196496B4}" type="datetime1">
               <a:rPr lang="en-US" smtClean="0"/>
               <a:t>10/8/18</a:t>
             </a:fld>
+            <a:endParaRPr lang="en-US"/>
+          </a:p>
+        </p:txBody>
+      </p:sp>
+      <p:sp>
+        <p:nvSpPr>
+          <p:cNvPr id="6" name="Footer Placeholder 5"/>
+          <p:cNvSpPr>
+            <a:spLocks noGrp="1"/>
+          </p:cNvSpPr>
+          <p:nvPr>
+            <p:ph type="ftr" sz="quarter" idx="11"/>
+          </p:nvPr>
+        </p:nvSpPr>
+        <p:spPr/>
+        <p:txBody>
+          <a:bodyPr/>
+          <a:lstStyle/>
+          <a:p>
+            <a:r>
+              <a:rPr lang="en-US"/>
+              <a:t>AWS Java Lambda Functions with Kotlin</a:t>
+            </a:r>
             <a:endParaRPr lang="en-US" dirty="0"/>
           </a:p>
         </p:txBody>
       </p:sp>
       <p:sp>
         <p:nvSpPr>
-          <p:cNvPr id="6" name="Footer Placeholder 5">
-            <a:extLst>
-              <a:ext uri="{FF2B5EF4-FFF2-40B4-BE49-F238E27FC236}">
-                <a16:creationId xmlns:a16="http://schemas.microsoft.com/office/drawing/2014/main" id="{3C7328EF-43E4-7540-8C41-B4A2880935C8}"/>
-              </a:ext>
-            </a:extLst>
-          </p:cNvPr>
-          <p:cNvSpPr>
-            <a:spLocks noGrp="1"/>
-          </p:cNvSpPr>
-          <p:nvPr>
-            <p:ph type="ftr" sz="quarter" idx="11"/>
+          <p:cNvPr id="7" name="Slide Number Placeholder 6"/>
+          <p:cNvSpPr>
+            <a:spLocks noGrp="1"/>
+          </p:cNvSpPr>
+          <p:nvPr>
+            <p:ph type="sldNum" sz="quarter" idx="12"/>
           </p:nvPr>
         </p:nvSpPr>
         <p:spPr/>
@@ -3963,35 +6477,7 @@
           <a:bodyPr/>
           <a:lstStyle/>
           <a:p>
-            <a:r>
-              <a:rPr lang="en-US"/>
-              <a:t>AWS Java Lambda Functions with Kotlin</a:t>
-            </a:r>
-          </a:p>
-        </p:txBody>
-      </p:sp>
-      <p:sp>
-        <p:nvSpPr>
-          <p:cNvPr id="7" name="Slide Number Placeholder 6">
-            <a:extLst>
-              <a:ext uri="{FF2B5EF4-FFF2-40B4-BE49-F238E27FC236}">
-                <a16:creationId xmlns:a16="http://schemas.microsoft.com/office/drawing/2014/main" id="{416C17B7-EE9F-3442-970C-6D9D565B0C23}"/>
-              </a:ext>
-            </a:extLst>
-          </p:cNvPr>
-          <p:cNvSpPr>
-            <a:spLocks noGrp="1"/>
-          </p:cNvSpPr>
-          <p:nvPr>
-            <p:ph type="sldNum" sz="quarter" idx="12"/>
-          </p:nvPr>
-        </p:nvSpPr>
-        <p:spPr/>
-        <p:txBody>
-          <a:bodyPr/>
-          <a:lstStyle/>
-          <a:p>
-            <a:fld id="{2754ED01-E2A0-4C1E-8E21-014B99041579}" type="slidenum">
+            <a:fld id="{ABCABC6B-F667-1540-8370-D056DC2C0FCE}" type="slidenum">
               <a:rPr lang="en-US" smtClean="0"/>
               <a:pPr/>
               <a:t>‹#›</a:t>
@@ -4003,13 +6489,14 @@
     </p:spTree>
     <p:extLst>
       <p:ext uri="{BB962C8B-B14F-4D97-AF65-F5344CB8AC3E}">
-        <p14:creationId xmlns:p14="http://schemas.microsoft.com/office/powerpoint/2010/main" val="2514310236"/>
+        <p14:creationId xmlns:p14="http://schemas.microsoft.com/office/powerpoint/2010/main" val="4259566539"/>
       </p:ext>
     </p:extLst>
   </p:cSld>
   <p:clrMapOvr>
     <a:masterClrMapping/>
   </p:clrMapOvr>
+  <p:hf hdr="0"/>
 </p:sldLayout>
 </file>
 
@@ -4032,13 +6519,7 @@
       </p:grpSpPr>
       <p:sp>
         <p:nvSpPr>
-          <p:cNvPr id="2" name="Title 1">
-            <a:extLst>
-              <a:ext uri="{FF2B5EF4-FFF2-40B4-BE49-F238E27FC236}">
-                <a16:creationId xmlns:a16="http://schemas.microsoft.com/office/drawing/2014/main" id="{BC2977BD-C4F5-3A40-9306-EF84AFC85FE0}"/>
-              </a:ext>
-            </a:extLst>
-          </p:cNvPr>
+          <p:cNvPr id="2" name="Title 1"/>
           <p:cNvSpPr>
             <a:spLocks noGrp="1"/>
           </p:cNvSpPr>
@@ -4048,14 +6529,14 @@
         </p:nvSpPr>
         <p:spPr>
           <a:xfrm>
-            <a:off x="839570" y="457200"/>
-            <a:ext cx="3931213" cy="1600200"/>
+            <a:off x="685621" y="1524000"/>
+            <a:ext cx="6871450" cy="1600200"/>
           </a:xfrm>
         </p:spPr>
         <p:txBody>
           <a:bodyPr anchor="b"/>
           <a:lstStyle>
-            <a:lvl1pPr>
+            <a:lvl1pPr algn="l">
               <a:defRPr sz="3199"/>
             </a:lvl1pPr>
           </a:lstStyle>
@@ -4064,20 +6545,15 @@
               <a:rPr lang="en-US"/>
               <a:t>Click to edit Master title style</a:t>
             </a:r>
-          </a:p>
-        </p:txBody>
-      </p:sp>
-      <p:sp>
-        <p:nvSpPr>
-          <p:cNvPr id="3" name="Picture Placeholder 2">
-            <a:extLst>
-              <a:ext uri="{FF2B5EF4-FFF2-40B4-BE49-F238E27FC236}">
-                <a16:creationId xmlns:a16="http://schemas.microsoft.com/office/drawing/2014/main" id="{7640AD65-763D-6A4A-B9B0-D23025908F7D}"/>
-              </a:ext>
-            </a:extLst>
-          </p:cNvPr>
-          <p:cNvSpPr>
-            <a:spLocks noGrp="1"/>
+            <a:endParaRPr lang="en-US" dirty="0"/>
+          </a:p>
+        </p:txBody>
+      </p:sp>
+      <p:sp>
+        <p:nvSpPr>
+          <p:cNvPr id="3" name="Picture Placeholder 2"/>
+          <p:cNvSpPr>
+            <a:spLocks noGrp="1" noChangeAspect="1"/>
           </p:cNvSpPr>
           <p:nvPr>
             <p:ph type="pic" idx="1"/>
@@ -4085,12 +6561,12 @@
         </p:nvSpPr>
         <p:spPr>
           <a:xfrm>
-            <a:off x="5181838" y="987426"/>
-            <a:ext cx="6170593" cy="4873625"/>
+            <a:off x="7859191" y="751242"/>
+            <a:ext cx="3644013" cy="5467443"/>
           </a:xfrm>
         </p:spPr>
         <p:txBody>
-          <a:bodyPr/>
+          <a:bodyPr anchor="t"/>
           <a:lstStyle>
             <a:lvl1pPr marL="0" indent="0">
               <a:buNone/>
@@ -4130,19 +6606,17 @@
             </a:lvl9pPr>
           </a:lstStyle>
           <a:p>
-            <a:endParaRPr lang="en-US"/>
-          </a:p>
-        </p:txBody>
-      </p:sp>
-      <p:sp>
-        <p:nvSpPr>
-          <p:cNvPr id="4" name="Text Placeholder 3">
-            <a:extLst>
-              <a:ext uri="{FF2B5EF4-FFF2-40B4-BE49-F238E27FC236}">
-                <a16:creationId xmlns:a16="http://schemas.microsoft.com/office/drawing/2014/main" id="{A1C4BAAA-7561-9C49-A71A-CB0C11B3F0BB}"/>
-              </a:ext>
-            </a:extLst>
-          </p:cNvPr>
+            <a:r>
+              <a:rPr lang="en-US"/>
+              <a:t>Click icon to add picture</a:t>
+            </a:r>
+            <a:endParaRPr lang="en-US" dirty="0"/>
+          </a:p>
+        </p:txBody>
+      </p:sp>
+      <p:sp>
+        <p:nvSpPr>
+          <p:cNvPr id="4" name="Text Placeholder 3"/>
           <p:cNvSpPr>
             <a:spLocks noGrp="1"/>
           </p:cNvSpPr>
@@ -4152,8 +6626,8 @@
         </p:nvSpPr>
         <p:spPr>
           <a:xfrm>
-            <a:off x="839570" y="2057400"/>
-            <a:ext cx="3931213" cy="3811588"/>
+            <a:off x="685621" y="3124200"/>
+            <a:ext cx="6871450" cy="3094485"/>
           </a:xfrm>
         </p:spPr>
         <p:txBody>
@@ -4207,13 +6681,7 @@
       </p:sp>
       <p:sp>
         <p:nvSpPr>
-          <p:cNvPr id="5" name="Date Placeholder 4">
-            <a:extLst>
-              <a:ext uri="{FF2B5EF4-FFF2-40B4-BE49-F238E27FC236}">
-                <a16:creationId xmlns:a16="http://schemas.microsoft.com/office/drawing/2014/main" id="{EA6AD4F7-19D6-1E47-AF9F-C805BCAFCCFB}"/>
-              </a:ext>
-            </a:extLst>
-          </p:cNvPr>
+          <p:cNvPr id="5" name="Date Placeholder 4"/>
           <p:cNvSpPr>
             <a:spLocks noGrp="1"/>
           </p:cNvSpPr>
@@ -4236,13 +6704,7 @@
       </p:sp>
       <p:sp>
         <p:nvSpPr>
-          <p:cNvPr id="6" name="Footer Placeholder 5">
-            <a:extLst>
-              <a:ext uri="{FF2B5EF4-FFF2-40B4-BE49-F238E27FC236}">
-                <a16:creationId xmlns:a16="http://schemas.microsoft.com/office/drawing/2014/main" id="{B876175E-E932-CA47-A086-030283C14D6D}"/>
-              </a:ext>
-            </a:extLst>
-          </p:cNvPr>
+          <p:cNvPr id="6" name="Footer Placeholder 5"/>
           <p:cNvSpPr>
             <a:spLocks noGrp="1"/>
           </p:cNvSpPr>
@@ -4265,13 +6727,7 @@
       </p:sp>
       <p:sp>
         <p:nvSpPr>
-          <p:cNvPr id="7" name="Slide Number Placeholder 6">
-            <a:extLst>
-              <a:ext uri="{FF2B5EF4-FFF2-40B4-BE49-F238E27FC236}">
-                <a16:creationId xmlns:a16="http://schemas.microsoft.com/office/drawing/2014/main" id="{8DC4666D-2410-FF45-A82B-40B4BDE772CA}"/>
-              </a:ext>
-            </a:extLst>
-          </p:cNvPr>
+          <p:cNvPr id="7" name="Slide Number Placeholder 6"/>
           <p:cNvSpPr>
             <a:spLocks noGrp="1"/>
           </p:cNvSpPr>
@@ -4297,7 +6753,7 @@
     </p:spTree>
     <p:extLst>
       <p:ext uri="{BB962C8B-B14F-4D97-AF65-F5344CB8AC3E}">
-        <p14:creationId xmlns:p14="http://schemas.microsoft.com/office/powerpoint/2010/main" val="608601127"/>
+        <p14:creationId xmlns:p14="http://schemas.microsoft.com/office/powerpoint/2010/main" val="1265300648"/>
       </p:ext>
     </p:extLst>
   </p:cSld>
@@ -4311,12 +6767,9 @@
 <p:sldMaster xmlns:a="http://schemas.openxmlformats.org/drawingml/2006/main" xmlns:r="http://schemas.openxmlformats.org/officeDocument/2006/relationships" xmlns:p="http://schemas.openxmlformats.org/presentationml/2006/main">
   <p:cSld>
     <p:bg>
-      <p:bgPr>
-        <a:solidFill>
-          <a:schemeClr val="bg1"/>
-        </a:solidFill>
-        <a:effectLst/>
-      </p:bgPr>
+      <p:bgRef idx="1001">
+        <a:schemeClr val="bg1"/>
+      </p:bgRef>
     </p:bg>
     <p:spTree>
       <p:nvGrpSpPr>
@@ -4332,141 +6785,155 @@
           <a:chExt cx="0" cy="0"/>
         </a:xfrm>
       </p:grpSpPr>
-      <p:sp>
-        <p:nvSpPr>
-          <p:cNvPr id="2" name="Title Placeholder 1">
+      <p:pic>
+        <p:nvPicPr>
+          <p:cNvPr id="8" name="Picture 7" descr="C1-HD-TOP.png"/>
+          <p:cNvPicPr>
+            <a:picLocks noChangeAspect="1"/>
+          </p:cNvPicPr>
+          <p:nvPr/>
+        </p:nvPicPr>
+        <p:blipFill>
+          <a:blip r:embed="rId21">
             <a:extLst>
-              <a:ext uri="{FF2B5EF4-FFF2-40B4-BE49-F238E27FC236}">
-                <a16:creationId xmlns:a16="http://schemas.microsoft.com/office/drawing/2014/main" id="{80E5C6FC-DD63-4F4D-8407-A7764B692CE3}"/>
+              <a:ext uri="{28A0092B-C50C-407E-A947-70E740481C1C}">
+                <a14:useLocalDpi xmlns:a14="http://schemas.microsoft.com/office/drawing/2010/main" val="0"/>
               </a:ext>
             </a:extLst>
-          </p:cNvPr>
-          <p:cNvSpPr>
-            <a:spLocks noGrp="1"/>
-          </p:cNvSpPr>
-          <p:nvPr>
-            <p:ph type="title"/>
-          </p:nvPr>
-        </p:nvSpPr>
+          </a:blip>
+          <a:stretch>
+            <a:fillRect/>
+          </a:stretch>
+        </p:blipFill>
         <p:spPr>
           <a:xfrm>
-            <a:off x="837982" y="365126"/>
-            <a:ext cx="10512862" cy="1325563"/>
+            <a:off x="0" y="0"/>
+            <a:ext cx="12188825" cy="1441450"/>
           </a:xfrm>
           <a:prstGeom prst="rect">
             <a:avLst/>
           </a:prstGeom>
         </p:spPr>
-        <p:txBody>
-          <a:bodyPr vert="horz" lIns="91440" tIns="45720" rIns="91440" bIns="45720" rtlCol="0" anchor="ctr">
-            <a:normAutofit/>
-          </a:bodyPr>
-          <a:lstStyle/>
-          <a:p>
-            <a:r>
-              <a:rPr lang="en-US"/>
-              <a:t>Click to edit Master title style</a:t>
-            </a:r>
-          </a:p>
-        </p:txBody>
-      </p:sp>
-      <p:sp>
-        <p:nvSpPr>
-          <p:cNvPr id="3" name="Text Placeholder 2">
-            <a:extLst>
-              <a:ext uri="{FF2B5EF4-FFF2-40B4-BE49-F238E27FC236}">
-                <a16:creationId xmlns:a16="http://schemas.microsoft.com/office/drawing/2014/main" id="{9F2CB4CC-2AAE-E64C-8039-BBE0122BF8EF}"/>
-              </a:ext>
-            </a:extLst>
-          </p:cNvPr>
-          <p:cNvSpPr>
-            <a:spLocks noGrp="1"/>
-          </p:cNvSpPr>
-          <p:nvPr>
-            <p:ph type="body" idx="1"/>
+      </p:pic>
+      <p:sp>
+        <p:nvSpPr>
+          <p:cNvPr id="2" name="Title Placeholder 1"/>
+          <p:cNvSpPr>
+            <a:spLocks noGrp="1"/>
+          </p:cNvSpPr>
+          <p:nvPr>
+            <p:ph type="title"/>
           </p:nvPr>
         </p:nvSpPr>
         <p:spPr>
           <a:xfrm>
-            <a:off x="837982" y="1825625"/>
-            <a:ext cx="10512862" cy="4351338"/>
+            <a:off x="2894846" y="764373"/>
+            <a:ext cx="8608358" cy="1293028"/>
           </a:xfrm>
           <a:prstGeom prst="rect">
             <a:avLst/>
           </a:prstGeom>
         </p:spPr>
         <p:txBody>
-          <a:bodyPr vert="horz" lIns="91440" tIns="45720" rIns="91440" bIns="45720" rtlCol="0">
+          <a:bodyPr vert="horz" lIns="91440" tIns="45720" rIns="91440" bIns="45720" rtlCol="0" anchor="ctr">
             <a:normAutofit/>
           </a:bodyPr>
           <a:lstStyle/>
           <a:p>
-            <a:pPr lvl="0"/>
-            <a:r>
-              <a:rPr lang="en-US"/>
-              <a:t>Edit Master text styles</a:t>
-            </a:r>
-          </a:p>
-          <a:p>
-            <a:pPr lvl="1"/>
-            <a:r>
-              <a:rPr lang="en-US"/>
-              <a:t>Second level</a:t>
-            </a:r>
-          </a:p>
-          <a:p>
-            <a:pPr lvl="2"/>
-            <a:r>
-              <a:rPr lang="en-US"/>
-              <a:t>Third level</a:t>
-            </a:r>
-          </a:p>
-          <a:p>
-            <a:pPr lvl="3"/>
-            <a:r>
-              <a:rPr lang="en-US"/>
-              <a:t>Fourth level</a:t>
-            </a:r>
-          </a:p>
-          <a:p>
-            <a:pPr lvl="4"/>
-            <a:r>
-              <a:rPr lang="en-US"/>
-              <a:t>Fifth level</a:t>
-            </a:r>
-          </a:p>
-        </p:txBody>
-      </p:sp>
-      <p:sp>
-        <p:nvSpPr>
-          <p:cNvPr id="4" name="Date Placeholder 3">
-            <a:extLst>
-              <a:ext uri="{FF2B5EF4-FFF2-40B4-BE49-F238E27FC236}">
-                <a16:creationId xmlns:a16="http://schemas.microsoft.com/office/drawing/2014/main" id="{0B58BAD2-1554-3B41-B068-AD156259DF64}"/>
-              </a:ext>
-            </a:extLst>
-          </p:cNvPr>
-          <p:cNvSpPr>
-            <a:spLocks noGrp="1"/>
-          </p:cNvSpPr>
-          <p:nvPr>
-            <p:ph type="dt" sz="half" idx="2"/>
+            <a:r>
+              <a:rPr lang="en-US"/>
+              <a:t>Click to edit Master title style</a:t>
+            </a:r>
+            <a:endParaRPr lang="en-US" dirty="0"/>
+          </a:p>
+        </p:txBody>
+      </p:sp>
+      <p:sp>
+        <p:nvSpPr>
+          <p:cNvPr id="3" name="Text Placeholder 2"/>
+          <p:cNvSpPr>
+            <a:spLocks noGrp="1"/>
+          </p:cNvSpPr>
+          <p:nvPr>
+            <p:ph type="body" idx="1"/>
           </p:nvPr>
         </p:nvSpPr>
         <p:spPr>
           <a:xfrm>
-            <a:off x="837982" y="6356351"/>
-            <a:ext cx="2742486" cy="365125"/>
+            <a:off x="685622" y="2194561"/>
+            <a:ext cx="10817582" cy="4024125"/>
           </a:xfrm>
           <a:prstGeom prst="rect">
             <a:avLst/>
           </a:prstGeom>
         </p:spPr>
         <p:txBody>
+          <a:bodyPr vert="horz" lIns="91440" tIns="45720" rIns="91440" bIns="45720" rtlCol="0">
+            <a:normAutofit/>
+          </a:bodyPr>
+          <a:lstStyle/>
+          <a:p>
+            <a:pPr lvl="0"/>
+            <a:r>
+              <a:rPr lang="en-US"/>
+              <a:t>Edit Master text styles</a:t>
+            </a:r>
+          </a:p>
+          <a:p>
+            <a:pPr lvl="1"/>
+            <a:r>
+              <a:rPr lang="en-US"/>
+              <a:t>Second level</a:t>
+            </a:r>
+          </a:p>
+          <a:p>
+            <a:pPr lvl="2"/>
+            <a:r>
+              <a:rPr lang="en-US"/>
+              <a:t>Third level</a:t>
+            </a:r>
+          </a:p>
+          <a:p>
+            <a:pPr lvl="3"/>
+            <a:r>
+              <a:rPr lang="en-US"/>
+              <a:t>Fourth level</a:t>
+            </a:r>
+          </a:p>
+          <a:p>
+            <a:pPr lvl="4"/>
+            <a:r>
+              <a:rPr lang="en-US"/>
+              <a:t>Fifth level</a:t>
+            </a:r>
+            <a:endParaRPr lang="en-US" dirty="0"/>
+          </a:p>
+        </p:txBody>
+      </p:sp>
+      <p:sp>
+        <p:nvSpPr>
+          <p:cNvPr id="4" name="Date Placeholder 3"/>
+          <p:cNvSpPr>
+            <a:spLocks noGrp="1"/>
+          </p:cNvSpPr>
+          <p:nvPr>
+            <p:ph type="dt" sz="half" idx="2"/>
+          </p:nvPr>
+        </p:nvSpPr>
+        <p:spPr>
+          <a:xfrm>
+            <a:off x="8593122" y="6356351"/>
+            <a:ext cx="2910082" cy="365125"/>
+          </a:xfrm>
+          <a:prstGeom prst="rect">
+            <a:avLst/>
+          </a:prstGeom>
+        </p:spPr>
+        <p:txBody>
           <a:bodyPr vert="horz" lIns="91440" tIns="45720" rIns="91440" bIns="45720" rtlCol="0" anchor="ctr"/>
           <a:lstStyle>
-            <a:lvl1pPr algn="l">
-              <a:defRPr sz="1200">
+            <a:lvl1pPr algn="r">
+              <a:defRPr sz="1050">
                 <a:solidFill>
                   <a:schemeClr val="tx1">
                     <a:tint val="75000"/>
@@ -4486,13 +6953,7 @@
       </p:sp>
       <p:sp>
         <p:nvSpPr>
-          <p:cNvPr id="5" name="Footer Placeholder 4">
-            <a:extLst>
-              <a:ext uri="{FF2B5EF4-FFF2-40B4-BE49-F238E27FC236}">
-                <a16:creationId xmlns:a16="http://schemas.microsoft.com/office/drawing/2014/main" id="{0E0283C8-F67D-FB44-BE03-F66288B38995}"/>
-              </a:ext>
-            </a:extLst>
-          </p:cNvPr>
+          <p:cNvPr id="5" name="Footer Placeholder 4"/>
           <p:cNvSpPr>
             <a:spLocks noGrp="1"/>
           </p:cNvSpPr>
@@ -4502,8 +6963,8 @@
         </p:nvSpPr>
         <p:spPr>
           <a:xfrm>
-            <a:off x="4037549" y="6356351"/>
-            <a:ext cx="4113728" cy="365125"/>
+            <a:off x="685621" y="6355846"/>
+            <a:ext cx="7770376" cy="365125"/>
           </a:xfrm>
           <a:prstGeom prst="rect">
             <a:avLst/>
@@ -4512,8 +6973,8 @@
         <p:txBody>
           <a:bodyPr vert="horz" lIns="91440" tIns="45720" rIns="91440" bIns="45720" rtlCol="0" anchor="ctr"/>
           <a:lstStyle>
-            <a:lvl1pPr algn="ctr">
-              <a:defRPr sz="1200">
+            <a:lvl1pPr algn="l">
+              <a:defRPr sz="1050">
                 <a:solidFill>
                   <a:schemeClr val="tx1">
                     <a:tint val="75000"/>
@@ -4533,13 +6994,7 @@
       </p:sp>
       <p:sp>
         <p:nvSpPr>
-          <p:cNvPr id="6" name="Slide Number Placeholder 5">
-            <a:extLst>
-              <a:ext uri="{FF2B5EF4-FFF2-40B4-BE49-F238E27FC236}">
-                <a16:creationId xmlns:a16="http://schemas.microsoft.com/office/drawing/2014/main" id="{61039AEB-DEF4-2D47-82B8-66B7DA09E2D5}"/>
-              </a:ext>
-            </a:extLst>
-          </p:cNvPr>
+          <p:cNvPr id="6" name="Slide Number Placeholder 5"/>
           <p:cNvSpPr>
             <a:spLocks noGrp="1"/>
           </p:cNvSpPr>
@@ -4549,7 +7004,7 @@
         </p:nvSpPr>
         <p:spPr>
           <a:xfrm>
-            <a:off x="8608357" y="6356351"/>
+            <a:off x="8760718" y="381001"/>
             <a:ext cx="2742486" cy="365125"/>
           </a:xfrm>
           <a:prstGeom prst="rect">
@@ -4560,7 +7015,7 @@
           <a:bodyPr vert="horz" lIns="91440" tIns="45720" rIns="91440" bIns="45720" rtlCol="0" anchor="ctr"/>
           <a:lstStyle>
             <a:lvl1pPr algn="r">
-              <a:defRPr sz="1200">
+              <a:defRPr sz="1050">
                 <a:solidFill>
                   <a:schemeClr val="tx1">
                     <a:tint val="75000"/>
@@ -4582,30 +7037,36 @@
     </p:spTree>
     <p:extLst>
       <p:ext uri="{BB962C8B-B14F-4D97-AF65-F5344CB8AC3E}">
-        <p14:creationId xmlns:p14="http://schemas.microsoft.com/office/powerpoint/2010/main" val="1916414638"/>
+        <p14:creationId xmlns:p14="http://schemas.microsoft.com/office/powerpoint/2010/main" val="3762809378"/>
       </p:ext>
     </p:extLst>
   </p:cSld>
-  <p:clrMap bg1="lt1" tx1="dk1" bg2="lt2" tx2="dk2" accent1="accent1" accent2="accent2" accent3="accent3" accent4="accent4" accent5="accent5" accent6="accent6" hlink="hlink" folHlink="folHlink"/>
+  <p:clrMap bg1="dk1" tx1="lt1" bg2="dk2" tx2="lt2" accent1="accent1" accent2="accent2" accent3="accent3" accent4="accent4" accent5="accent5" accent6="accent6" hlink="hlink" folHlink="folHlink"/>
   <p:sldLayoutIdLst>
-    <p:sldLayoutId id="2147483817" r:id="rId1"/>
-    <p:sldLayoutId id="2147483818" r:id="rId2"/>
-    <p:sldLayoutId id="2147483819" r:id="rId3"/>
-    <p:sldLayoutId id="2147483820" r:id="rId4"/>
-    <p:sldLayoutId id="2147483821" r:id="rId5"/>
-    <p:sldLayoutId id="2147483822" r:id="rId6"/>
-    <p:sldLayoutId id="2147483823" r:id="rId7"/>
-    <p:sldLayoutId id="2147483824" r:id="rId8"/>
-    <p:sldLayoutId id="2147483825" r:id="rId9"/>
-    <p:sldLayoutId id="2147483826" r:id="rId10"/>
-    <p:sldLayoutId id="2147483827" r:id="rId11"/>
-    <p:sldLayoutId id="2147483775" r:id="rId12"/>
-    <p:sldLayoutId id="2147483773" r:id="rId13"/>
+    <p:sldLayoutId id="2147484122" r:id="rId1"/>
+    <p:sldLayoutId id="2147484123" r:id="rId2"/>
+    <p:sldLayoutId id="2147484124" r:id="rId3"/>
+    <p:sldLayoutId id="2147484125" r:id="rId4"/>
+    <p:sldLayoutId id="2147484126" r:id="rId5"/>
+    <p:sldLayoutId id="2147484127" r:id="rId6"/>
+    <p:sldLayoutId id="2147484128" r:id="rId7"/>
+    <p:sldLayoutId id="2147484129" r:id="rId8"/>
+    <p:sldLayoutId id="2147484130" r:id="rId9"/>
+    <p:sldLayoutId id="2147484131" r:id="rId10"/>
+    <p:sldLayoutId id="2147484132" r:id="rId11"/>
+    <p:sldLayoutId id="2147484133" r:id="rId12"/>
+    <p:sldLayoutId id="2147484134" r:id="rId13"/>
+    <p:sldLayoutId id="2147484135" r:id="rId14"/>
+    <p:sldLayoutId id="2147484136" r:id="rId15"/>
+    <p:sldLayoutId id="2147484137" r:id="rId16"/>
+    <p:sldLayoutId id="2147484138" r:id="rId17"/>
+    <p:sldLayoutId id="2147483775" r:id="rId18"/>
+    <p:sldLayoutId id="2147483773" r:id="rId19"/>
   </p:sldLayoutIdLst>
   <p:hf hdr="0"/>
   <p:txStyles>
     <p:titleStyle>
-      <a:lvl1pPr algn="l" defTabSz="914126" rtl="0" eaLnBrk="1" latinLnBrk="0" hangingPunct="1">
+      <a:lvl1pPr algn="r" defTabSz="914126" rtl="0" eaLnBrk="1" latinLnBrk="0" hangingPunct="1">
         <a:lnSpc>
           <a:spcPct val="90000"/>
         </a:lnSpc>
@@ -4613,7 +7074,7 @@
           <a:spcPct val="0"/>
         </a:spcBef>
         <a:buNone/>
-        <a:defRPr sz="4399" kern="1200">
+        <a:defRPr sz="3999" kern="1200" cap="all" baseline="0">
           <a:solidFill>
             <a:schemeClr val="tx1"/>
           </a:solidFill>
@@ -4633,7 +7094,7 @@
         </a:spcBef>
         <a:buFont typeface="Arial" panose="020B0604020202020204" pitchFamily="34" charset="0"/>
         <a:buChar char="•"/>
-        <a:defRPr sz="2799" kern="1200">
+        <a:defRPr sz="2199" kern="1200">
           <a:solidFill>
             <a:schemeClr val="tx1"/>
           </a:solidFill>
@@ -4651,7 +7112,7 @@
         </a:spcBef>
         <a:buFont typeface="Arial" panose="020B0604020202020204" pitchFamily="34" charset="0"/>
         <a:buChar char="•"/>
-        <a:defRPr sz="2399" kern="1200">
+        <a:defRPr sz="1999" kern="1200">
           <a:solidFill>
             <a:schemeClr val="tx1"/>
           </a:solidFill>
@@ -4669,7 +7130,7 @@
         </a:spcBef>
         <a:buFont typeface="Arial" panose="020B0604020202020204" pitchFamily="34" charset="0"/>
         <a:buChar char="•"/>
-        <a:defRPr sz="1999" kern="1200">
+        <a:defRPr sz="1799" kern="1200">
           <a:solidFill>
             <a:schemeClr val="tx1"/>
           </a:solidFill>
@@ -4687,7 +7148,7 @@
         </a:spcBef>
         <a:buFont typeface="Arial" panose="020B0604020202020204" pitchFamily="34" charset="0"/>
         <a:buChar char="•"/>
-        <a:defRPr sz="1799" kern="1200">
+        <a:defRPr sz="1600" kern="1200">
           <a:solidFill>
             <a:schemeClr val="tx1"/>
           </a:solidFill>
@@ -4705,7 +7166,7 @@
         </a:spcBef>
         <a:buFont typeface="Arial" panose="020B0604020202020204" pitchFamily="34" charset="0"/>
         <a:buChar char="•"/>
-        <a:defRPr sz="1799" kern="1200">
+        <a:defRPr sz="1600" kern="1200">
           <a:solidFill>
             <a:schemeClr val="tx1"/>
           </a:solidFill>
@@ -4723,7 +7184,7 @@
         </a:spcBef>
         <a:buFont typeface="Arial" panose="020B0604020202020204" pitchFamily="34" charset="0"/>
         <a:buChar char="•"/>
-        <a:defRPr sz="1799" kern="1200">
+        <a:defRPr sz="1600" kern="1200">
           <a:solidFill>
             <a:schemeClr val="tx1"/>
           </a:solidFill>
@@ -4741,7 +7202,7 @@
         </a:spcBef>
         <a:buFont typeface="Arial" panose="020B0604020202020204" pitchFamily="34" charset="0"/>
         <a:buChar char="•"/>
-        <a:defRPr sz="1799" kern="1200">
+        <a:defRPr sz="1600" kern="1200">
           <a:solidFill>
             <a:schemeClr val="tx1"/>
           </a:solidFill>
@@ -4759,7 +7220,7 @@
         </a:spcBef>
         <a:buFont typeface="Arial" panose="020B0604020202020204" pitchFamily="34" charset="0"/>
         <a:buChar char="•"/>
-        <a:defRPr sz="1799" kern="1200">
+        <a:defRPr sz="1600" kern="1200">
           <a:solidFill>
             <a:schemeClr val="tx1"/>
           </a:solidFill>
@@ -4777,7 +7238,7 @@
         </a:spcBef>
         <a:buFont typeface="Arial" panose="020B0604020202020204" pitchFamily="34" charset="0"/>
         <a:buChar char="•"/>
-        <a:defRPr sz="1799" kern="1200">
+        <a:defRPr sz="1600" kern="1200">
           <a:solidFill>
             <a:schemeClr val="tx1"/>
           </a:solidFill>
@@ -4883,6 +7344,11 @@
       </a:lvl9pPr>
     </p:otherStyle>
   </p:txStyles>
+  <p:extLst>
+    <p:ext uri="{27BBF7A9-308A-43DC-89C8-2F10F3537804}">
+      <p15:sldGuideLst xmlns:p15="http://schemas.microsoft.com/office/powerpoint/2012/main"/>
+    </p:ext>
+  </p:extLst>
 </p:sldMaster>
 </file>
 
@@ -4921,7 +7387,9 @@
         </p:nvSpPr>
         <p:spPr/>
         <p:txBody>
-          <a:bodyPr/>
+          <a:bodyPr>
+            <a:normAutofit/>
+          </a:bodyPr>
           <a:lstStyle/>
           <a:p>
             <a:r>
@@ -4949,7 +7417,9 @@
         </p:nvSpPr>
         <p:spPr/>
         <p:txBody>
-          <a:bodyPr/>
+          <a:bodyPr>
+            <a:normAutofit fontScale="92500" lnSpcReduction="10000"/>
+          </a:bodyPr>
           <a:lstStyle/>
           <a:p>
             <a:r>
@@ -5446,7 +7916,7 @@
         <p:spPr/>
         <p:txBody>
           <a:bodyPr>
-            <a:normAutofit/>
+            <a:normAutofit fontScale="92500" lnSpcReduction="10000"/>
           </a:bodyPr>
           <a:lstStyle/>
           <a:p>
@@ -5461,7 +7931,7 @@
               <a:rPr lang="en-US" sz="1600" dirty="0">
                 <a:hlinkClick r:id="rId2"/>
               </a:rPr>
-              <a:t>https://goo.gl/EHfTEC</a:t>
+              <a:t>https://goo.gl/D223VE</a:t>
             </a:r>
             <a:endParaRPr lang="en-US" sz="1600" dirty="0"/>
           </a:p>
@@ -5780,13 +8250,13 @@
         <p:spPr/>
         <p:txBody>
           <a:bodyPr>
-            <a:normAutofit/>
+            <a:normAutofit fontScale="92500" lnSpcReduction="10000"/>
           </a:bodyPr>
           <a:lstStyle/>
           <a:p>
             <a:r>
               <a:rPr lang="en-US" sz="2000" dirty="0" err="1"/>
-              <a:t>keith.wedinger@improving.com</a:t>
+              <a:t>keith.wedinger@icloud.com</a:t>
             </a:r>
             <a:endParaRPr lang="en-US" sz="2000" dirty="0"/>
           </a:p>
@@ -5882,11 +8352,7 @@
               <a:buNone/>
             </a:pPr>
             <a:r>
-              <a:rPr lang="en-US" sz="4000" b="1" dirty="0">
-                <a:solidFill>
-                  <a:schemeClr val="accent1"/>
-                </a:solidFill>
-              </a:rPr>
+              <a:rPr lang="en-US" sz="4000" b="1" dirty="0"/>
               <a:t>THANK YOU FOR ATTENDING!!</a:t>
             </a:r>
           </a:p>
@@ -6235,171 +8701,21 @@
             <p:ph type="title"/>
           </p:nvPr>
         </p:nvSpPr>
-        <p:spPr/>
-        <p:txBody>
-          <a:bodyPr/>
-          <a:lstStyle/>
-          <a:p>
+        <p:spPr>
+          <a:xfrm>
+            <a:off x="1800817" y="584478"/>
+            <a:ext cx="8608358" cy="1293028"/>
+          </a:xfrm>
+        </p:spPr>
+        <p:txBody>
+          <a:bodyPr/>
+          <a:lstStyle/>
+          <a:p>
+            <a:pPr algn="ctr"/>
             <a:r>
               <a:rPr lang="en-US" dirty="0"/>
               <a:t>Before We Get Started…</a:t>
             </a:r>
-          </a:p>
-        </p:txBody>
-      </p:sp>
-      <p:sp>
-        <p:nvSpPr>
-          <p:cNvPr id="8" name="TextBox 7">
-            <a:extLst>
-              <a:ext uri="{FF2B5EF4-FFF2-40B4-BE49-F238E27FC236}">
-                <a16:creationId xmlns:a16="http://schemas.microsoft.com/office/drawing/2014/main" id="{1BAC3316-0DC7-FE42-8C97-F233651D0BEC}"/>
-              </a:ext>
-            </a:extLst>
-          </p:cNvPr>
-          <p:cNvSpPr txBox="1"/>
-          <p:nvPr/>
-        </p:nvSpPr>
-        <p:spPr>
-          <a:xfrm>
-            <a:off x="289324" y="4772685"/>
-            <a:ext cx="11631346" cy="1384995"/>
-          </a:xfrm>
-          <a:prstGeom prst="rect">
-            <a:avLst/>
-          </a:prstGeom>
-          <a:noFill/>
-        </p:spPr>
-        <p:txBody>
-          <a:bodyPr wrap="square" rtlCol="0">
-            <a:spAutoFit/>
-          </a:bodyPr>
-          <a:lstStyle/>
-          <a:p>
-            <a:pPr algn="ctr"/>
-            <a:r>
-              <a:rPr lang="en-US" sz="2800" dirty="0"/>
-              <a:t>No need to write down or take pics of slide deck content</a:t>
-            </a:r>
-          </a:p>
-          <a:p>
-            <a:pPr algn="ctr"/>
-            <a:r>
-              <a:rPr lang="en-US" sz="2800" dirty="0"/>
-              <a:t>Presentation: </a:t>
-            </a:r>
-            <a:r>
-              <a:rPr lang="en-US" sz="2800" dirty="0">
-                <a:hlinkClick r:id="rId2"/>
-              </a:rPr>
-              <a:t>https://goo.gl/EHfTEC</a:t>
-            </a:r>
-            <a:endParaRPr lang="en-US" sz="2800" dirty="0"/>
-          </a:p>
-          <a:p>
-            <a:pPr algn="ctr"/>
-            <a:r>
-              <a:rPr lang="en-US" sz="2800" dirty="0" err="1"/>
-              <a:t>Github</a:t>
-            </a:r>
-            <a:r>
-              <a:rPr lang="en-US" sz="2800" dirty="0"/>
-              <a:t> repository: </a:t>
-            </a:r>
-            <a:r>
-              <a:rPr lang="en-US" sz="2800" dirty="0">
-                <a:hlinkClick r:id="rId3"/>
-              </a:rPr>
-              <a:t>https://github.com/jkwuc89/kotlinawslambda</a:t>
-            </a:r>
-            <a:endParaRPr lang="en-US" sz="2800" dirty="0"/>
-          </a:p>
-        </p:txBody>
-      </p:sp>
-      <p:sp>
-        <p:nvSpPr>
-          <p:cNvPr id="9" name="Date Placeholder 8">
-            <a:extLst>
-              <a:ext uri="{FF2B5EF4-FFF2-40B4-BE49-F238E27FC236}">
-                <a16:creationId xmlns:a16="http://schemas.microsoft.com/office/drawing/2014/main" id="{F87E9C43-DFA2-F043-9ABF-7448676C7C85}"/>
-              </a:ext>
-            </a:extLst>
-          </p:cNvPr>
-          <p:cNvSpPr>
-            <a:spLocks noGrp="1"/>
-          </p:cNvSpPr>
-          <p:nvPr>
-            <p:ph type="dt" sz="half" idx="10"/>
-          </p:nvPr>
-        </p:nvSpPr>
-        <p:spPr/>
-        <p:txBody>
-          <a:bodyPr/>
-          <a:lstStyle/>
-          <a:p>
-            <a:fld id="{05923396-6093-FA48-B85F-62CA2E626F30}" type="datetime1">
-              <a:rPr lang="en-US" smtClean="0"/>
-              <a:t>10/8/18</a:t>
-            </a:fld>
-            <a:endParaRPr lang="en-US"/>
-          </a:p>
-        </p:txBody>
-      </p:sp>
-      <p:sp>
-        <p:nvSpPr>
-          <p:cNvPr id="10" name="Footer Placeholder 9">
-            <a:extLst>
-              <a:ext uri="{FF2B5EF4-FFF2-40B4-BE49-F238E27FC236}">
-                <a16:creationId xmlns:a16="http://schemas.microsoft.com/office/drawing/2014/main" id="{5318AE62-0741-7D46-9816-5EDA28289011}"/>
-              </a:ext>
-            </a:extLst>
-          </p:cNvPr>
-          <p:cNvSpPr>
-            <a:spLocks noGrp="1"/>
-          </p:cNvSpPr>
-          <p:nvPr>
-            <p:ph type="ftr" sz="quarter" idx="11"/>
-          </p:nvPr>
-        </p:nvSpPr>
-        <p:spPr/>
-        <p:txBody>
-          <a:bodyPr/>
-          <a:lstStyle/>
-          <a:p>
-            <a:r>
-              <a:rPr lang="en-US"/>
-              <a:t>AWS Java Lambda Functions with Kotlin</a:t>
-            </a:r>
-            <a:endParaRPr lang="en-US" dirty="0"/>
-          </a:p>
-        </p:txBody>
-      </p:sp>
-      <p:sp>
-        <p:nvSpPr>
-          <p:cNvPr id="11" name="Slide Number Placeholder 10">
-            <a:extLst>
-              <a:ext uri="{FF2B5EF4-FFF2-40B4-BE49-F238E27FC236}">
-                <a16:creationId xmlns:a16="http://schemas.microsoft.com/office/drawing/2014/main" id="{B5823D19-58A2-D94F-999B-283D7DBC8BE9}"/>
-              </a:ext>
-            </a:extLst>
-          </p:cNvPr>
-          <p:cNvSpPr>
-            <a:spLocks noGrp="1"/>
-          </p:cNvSpPr>
-          <p:nvPr>
-            <p:ph type="sldNum" sz="quarter" idx="12"/>
-          </p:nvPr>
-        </p:nvSpPr>
-        <p:spPr/>
-        <p:txBody>
-          <a:bodyPr/>
-          <a:lstStyle/>
-          <a:p>
-            <a:fld id="{ABCABC6B-F667-1540-8370-D056DC2C0FCE}" type="slidenum">
-              <a:rPr lang="en-US" smtClean="0"/>
-              <a:pPr/>
-              <a:t>3</a:t>
-            </a:fld>
-            <a:endParaRPr lang="en-US" dirty="0"/>
           </a:p>
         </p:txBody>
       </p:sp>
@@ -6420,18 +8736,183 @@
           </p:nvPr>
         </p:nvPicPr>
         <p:blipFill>
-          <a:blip r:embed="rId4"/>
+          <a:blip r:embed="rId2"/>
           <a:stretch>
             <a:fillRect/>
           </a:stretch>
         </p:blipFill>
         <p:spPr>
           <a:xfrm>
-            <a:off x="4668151" y="1690689"/>
-            <a:ext cx="2852523" cy="2845172"/>
+            <a:off x="4959563" y="1690689"/>
+            <a:ext cx="2290867" cy="2284963"/>
           </a:xfrm>
         </p:spPr>
       </p:pic>
+      <p:sp>
+        <p:nvSpPr>
+          <p:cNvPr id="9" name="Date Placeholder 8">
+            <a:extLst>
+              <a:ext uri="{FF2B5EF4-FFF2-40B4-BE49-F238E27FC236}">
+                <a16:creationId xmlns:a16="http://schemas.microsoft.com/office/drawing/2014/main" id="{F87E9C43-DFA2-F043-9ABF-7448676C7C85}"/>
+              </a:ext>
+            </a:extLst>
+          </p:cNvPr>
+          <p:cNvSpPr>
+            <a:spLocks noGrp="1"/>
+          </p:cNvSpPr>
+          <p:nvPr>
+            <p:ph type="dt" sz="half" idx="10"/>
+          </p:nvPr>
+        </p:nvSpPr>
+        <p:spPr/>
+        <p:txBody>
+          <a:bodyPr/>
+          <a:lstStyle/>
+          <a:p>
+            <a:fld id="{05923396-6093-FA48-B85F-62CA2E626F30}" type="datetime1">
+              <a:rPr lang="en-US" smtClean="0"/>
+              <a:t>10/8/18</a:t>
+            </a:fld>
+            <a:endParaRPr lang="en-US"/>
+          </a:p>
+        </p:txBody>
+      </p:sp>
+      <p:sp>
+        <p:nvSpPr>
+          <p:cNvPr id="10" name="Footer Placeholder 9">
+            <a:extLst>
+              <a:ext uri="{FF2B5EF4-FFF2-40B4-BE49-F238E27FC236}">
+                <a16:creationId xmlns:a16="http://schemas.microsoft.com/office/drawing/2014/main" id="{5318AE62-0741-7D46-9816-5EDA28289011}"/>
+              </a:ext>
+            </a:extLst>
+          </p:cNvPr>
+          <p:cNvSpPr>
+            <a:spLocks noGrp="1"/>
+          </p:cNvSpPr>
+          <p:nvPr>
+            <p:ph type="ftr" sz="quarter" idx="11"/>
+          </p:nvPr>
+        </p:nvSpPr>
+        <p:spPr/>
+        <p:txBody>
+          <a:bodyPr/>
+          <a:lstStyle/>
+          <a:p>
+            <a:r>
+              <a:rPr lang="en-US"/>
+              <a:t>AWS Java Lambda Functions with Kotlin</a:t>
+            </a:r>
+            <a:endParaRPr lang="en-US" dirty="0"/>
+          </a:p>
+        </p:txBody>
+      </p:sp>
+      <p:sp>
+        <p:nvSpPr>
+          <p:cNvPr id="11" name="Slide Number Placeholder 10">
+            <a:extLst>
+              <a:ext uri="{FF2B5EF4-FFF2-40B4-BE49-F238E27FC236}">
+                <a16:creationId xmlns:a16="http://schemas.microsoft.com/office/drawing/2014/main" id="{B5823D19-58A2-D94F-999B-283D7DBC8BE9}"/>
+              </a:ext>
+            </a:extLst>
+          </p:cNvPr>
+          <p:cNvSpPr>
+            <a:spLocks noGrp="1"/>
+          </p:cNvSpPr>
+          <p:nvPr>
+            <p:ph type="sldNum" sz="quarter" idx="12"/>
+          </p:nvPr>
+        </p:nvSpPr>
+        <p:spPr/>
+        <p:txBody>
+          <a:bodyPr/>
+          <a:lstStyle/>
+          <a:p>
+            <a:fld id="{ABCABC6B-F667-1540-8370-D056DC2C0FCE}" type="slidenum">
+              <a:rPr lang="en-US" smtClean="0"/>
+              <a:pPr/>
+              <a:t>3</a:t>
+            </a:fld>
+            <a:endParaRPr lang="en-US" dirty="0"/>
+          </a:p>
+        </p:txBody>
+      </p:sp>
+      <p:sp>
+        <p:nvSpPr>
+          <p:cNvPr id="8" name="TextBox 7">
+            <a:extLst>
+              <a:ext uri="{FF2B5EF4-FFF2-40B4-BE49-F238E27FC236}">
+                <a16:creationId xmlns:a16="http://schemas.microsoft.com/office/drawing/2014/main" id="{1BAC3316-0DC7-FE42-8C97-F233651D0BEC}"/>
+              </a:ext>
+            </a:extLst>
+          </p:cNvPr>
+          <p:cNvSpPr txBox="1"/>
+          <p:nvPr/>
+        </p:nvSpPr>
+        <p:spPr>
+          <a:xfrm>
+            <a:off x="289323" y="4177830"/>
+            <a:ext cx="11631346" cy="2246769"/>
+          </a:xfrm>
+          <a:prstGeom prst="rect">
+            <a:avLst/>
+          </a:prstGeom>
+          <a:noFill/>
+        </p:spPr>
+        <p:txBody>
+          <a:bodyPr wrap="square" rtlCol="0">
+            <a:spAutoFit/>
+          </a:bodyPr>
+          <a:lstStyle/>
+          <a:p>
+            <a:pPr algn="ctr"/>
+            <a:r>
+              <a:rPr lang="en-US" sz="2800" dirty="0"/>
+              <a:t>No need to write down or take pics of slide deck content</a:t>
+            </a:r>
+          </a:p>
+          <a:p>
+            <a:pPr algn="ctr"/>
+            <a:r>
+              <a:rPr lang="en-US" sz="2800" dirty="0"/>
+              <a:t>Presentation: </a:t>
+            </a:r>
+            <a:r>
+              <a:rPr lang="en-US" sz="2800" dirty="0">
+                <a:hlinkClick r:id="rId3"/>
+              </a:rPr>
+              <a:t>https://goo.gl/D223VE</a:t>
+            </a:r>
+            <a:endParaRPr lang="en-US" sz="2800" dirty="0"/>
+          </a:p>
+          <a:p>
+            <a:pPr algn="ctr"/>
+            <a:r>
+              <a:rPr lang="en-US" sz="2800" dirty="0"/>
+              <a:t>Github repositories:</a:t>
+            </a:r>
+            <a:br>
+              <a:rPr lang="en-US" sz="2800" dirty="0"/>
+            </a:br>
+            <a:r>
+              <a:rPr lang="en-US" sz="2800" dirty="0">
+                <a:hlinkClick r:id="rId4"/>
+              </a:rPr>
+              <a:t>https://github.com/jkwuc89/kotlinawslambda</a:t>
+            </a:r>
+            <a:endParaRPr lang="en-US" sz="2800" dirty="0"/>
+          </a:p>
+          <a:p>
+            <a:pPr algn="ctr"/>
+            <a:r>
+              <a:rPr lang="en-US" sz="2800" dirty="0">
+                <a:hlinkClick r:id="rId5"/>
+              </a:rPr>
+              <a:t>https://github.com/jkwuc89/tasktracker</a:t>
+            </a:r>
+            <a:endParaRPr lang="en-US" sz="2800" dirty="0"/>
+          </a:p>
+        </p:txBody>
+      </p:sp>
     </p:spTree>
     <p:extLst>
       <p:ext uri="{BB962C8B-B14F-4D97-AF65-F5344CB8AC3E}">
@@ -6485,7 +8966,7 @@
           <a:p>
             <a:r>
               <a:rPr lang="en-US" dirty="0"/>
-              <a:t>Introduction (me)</a:t>
+              <a:t>Introduction: me</a:t>
             </a:r>
           </a:p>
         </p:txBody>
@@ -6689,7 +9170,7 @@
           <a:p>
             <a:r>
               <a:rPr lang="en-US" dirty="0"/>
-              <a:t>About Root Insurance</a:t>
+              <a:t>Introduction: Root Insurance</a:t>
             </a:r>
           </a:p>
         </p:txBody>
@@ -6712,7 +9193,9 @@
         </p:nvSpPr>
         <p:spPr/>
         <p:txBody>
-          <a:bodyPr/>
+          <a:bodyPr>
+            <a:normAutofit/>
+          </a:bodyPr>
           <a:lstStyle/>
           <a:p>
             <a:r>
@@ -7228,7 +9711,7 @@
         <p:spPr/>
         <p:txBody>
           <a:bodyPr>
-            <a:normAutofit fontScale="92500" lnSpcReduction="20000"/>
+            <a:normAutofit fontScale="92500" lnSpcReduction="10000"/>
           </a:bodyPr>
           <a:lstStyle/>
           <a:p>
@@ -7786,7 +10269,7 @@
         <p:spPr/>
         <p:txBody>
           <a:bodyPr>
-            <a:normAutofit/>
+            <a:normAutofit fontScale="92500" lnSpcReduction="10000"/>
           </a:bodyPr>
           <a:lstStyle/>
           <a:p>
@@ -8046,9 +10529,9 @@
 </file>
 
 <file path=ppt/theme/theme1.xml><?xml version="1.0" encoding="utf-8"?>
-<a:theme xmlns:a="http://schemas.openxmlformats.org/drawingml/2006/main" name="Office Theme">
+<a:theme xmlns:a="http://schemas.openxmlformats.org/drawingml/2006/main" name="Vapor Trail">
   <a:themeElements>
-    <a:clrScheme name="Office">
+    <a:clrScheme name="Vapor Trail">
       <a:dk1>
         <a:sysClr val="windowText" lastClr="000000"/>
       </a:dk1>
@@ -8056,44 +10539,44 @@
         <a:sysClr val="window" lastClr="FFFFFF"/>
       </a:lt1>
       <a:dk2>
-        <a:srgbClr val="44546A"/>
+        <a:srgbClr val="454545"/>
       </a:dk2>
       <a:lt2>
-        <a:srgbClr val="E7E6E6"/>
+        <a:srgbClr val="DADADA"/>
       </a:lt2>
       <a:accent1>
-        <a:srgbClr val="4472C4"/>
+        <a:srgbClr val="01D17D"/>
       </a:accent1>
       <a:accent2>
-        <a:srgbClr val="ED7D31"/>
+        <a:srgbClr val="84C72A"/>
       </a:accent2>
       <a:accent3>
-        <a:srgbClr val="A5A5A5"/>
+        <a:srgbClr val="E1D126"/>
       </a:accent3>
       <a:accent4>
-        <a:srgbClr val="FFC000"/>
+        <a:srgbClr val="E29932"/>
       </a:accent4>
       <a:accent5>
-        <a:srgbClr val="5B9BD5"/>
+        <a:srgbClr val="E56526"/>
       </a:accent5>
       <a:accent6>
-        <a:srgbClr val="70AD47"/>
+        <a:srgbClr val="D63731"/>
       </a:accent6>
       <a:hlink>
-        <a:srgbClr val="0563C1"/>
+        <a:srgbClr val="35FA7F"/>
       </a:hlink>
       <a:folHlink>
-        <a:srgbClr val="954F72"/>
+        <a:srgbClr val="BAFC85"/>
       </a:folHlink>
     </a:clrScheme>
-    <a:fontScheme name="Office">
+    <a:fontScheme name="Vapor Trail">
       <a:majorFont>
-        <a:latin typeface="Calibri Light" panose="020F0302020204030204"/>
+        <a:latin typeface="Century Gothic" panose="020B0502020202020204"/>
         <a:ea typeface=""/>
         <a:cs typeface=""/>
-        <a:font script="Jpan" typeface="游ゴシック Light"/>
+        <a:font script="Jpan" typeface="ＭＳ Ｐゴシック"/>
         <a:font script="Hang" typeface="맑은 고딕"/>
-        <a:font script="Hans" typeface="等线 Light"/>
+        <a:font script="Hans" typeface="宋体"/>
         <a:font script="Hant" typeface="新細明體"/>
         <a:font script="Arab" typeface="Times New Roman"/>
         <a:font script="Hebr" typeface="Times New Roman"/>
@@ -8121,31 +10604,14 @@
         <a:font script="Viet" typeface="Times New Roman"/>
         <a:font script="Uigh" typeface="Microsoft Uighur"/>
         <a:font script="Geor" typeface="Sylfaen"/>
-        <a:font script="Armn" typeface="Arial"/>
-        <a:font script="Bugi" typeface="Leelawadee UI"/>
-        <a:font script="Bopo" typeface="Microsoft JhengHei"/>
-        <a:font script="Java" typeface="Javanese Text"/>
-        <a:font script="Lisu" typeface="Segoe UI"/>
-        <a:font script="Mymr" typeface="Myanmar Text"/>
-        <a:font script="Nkoo" typeface="Ebrima"/>
-        <a:font script="Olck" typeface="Nirmala UI"/>
-        <a:font script="Osma" typeface="Ebrima"/>
-        <a:font script="Phag" typeface="Phagspa"/>
-        <a:font script="Syrn" typeface="Estrangelo Edessa"/>
-        <a:font script="Syrj" typeface="Estrangelo Edessa"/>
-        <a:font script="Syre" typeface="Estrangelo Edessa"/>
-        <a:font script="Sora" typeface="Nirmala UI"/>
-        <a:font script="Tale" typeface="Microsoft Tai Le"/>
-        <a:font script="Talu" typeface="Microsoft New Tai Lue"/>
-        <a:font script="Tfng" typeface="Ebrima"/>
       </a:majorFont>
       <a:minorFont>
-        <a:latin typeface="Calibri" panose="020F0502020204030204"/>
+        <a:latin typeface="Century Gothic" panose="020B0502020202020204"/>
         <a:ea typeface=""/>
         <a:cs typeface=""/>
-        <a:font script="Jpan" typeface="游ゴシック"/>
+        <a:font script="Jpan" typeface="ＭＳ Ｐゴシック"/>
         <a:font script="Hang" typeface="맑은 고딕"/>
-        <a:font script="Hans" typeface="等线"/>
+        <a:font script="Hans" typeface="宋体"/>
         <a:font script="Hant" typeface="新細明體"/>
         <a:font script="Arab" typeface="Arial"/>
         <a:font script="Hebr" typeface="Arial"/>
@@ -8173,26 +10639,9 @@
         <a:font script="Viet" typeface="Arial"/>
         <a:font script="Uigh" typeface="Microsoft Uighur"/>
         <a:font script="Geor" typeface="Sylfaen"/>
-        <a:font script="Armn" typeface="Arial"/>
-        <a:font script="Bugi" typeface="Leelawadee UI"/>
-        <a:font script="Bopo" typeface="Microsoft JhengHei"/>
-        <a:font script="Java" typeface="Javanese Text"/>
-        <a:font script="Lisu" typeface="Segoe UI"/>
-        <a:font script="Mymr" typeface="Myanmar Text"/>
-        <a:font script="Nkoo" typeface="Ebrima"/>
-        <a:font script="Olck" typeface="Nirmala UI"/>
-        <a:font script="Osma" typeface="Ebrima"/>
-        <a:font script="Phag" typeface="Phagspa"/>
-        <a:font script="Syrn" typeface="Estrangelo Edessa"/>
-        <a:font script="Syrj" typeface="Estrangelo Edessa"/>
-        <a:font script="Syre" typeface="Estrangelo Edessa"/>
-        <a:font script="Sora" typeface="Nirmala UI"/>
-        <a:font script="Tale" typeface="Microsoft Tai Le"/>
-        <a:font script="Talu" typeface="Microsoft New Tai Lue"/>
-        <a:font script="Tfng" typeface="Ebrima"/>
       </a:minorFont>
     </a:fontScheme>
-    <a:fmtScheme name="Office">
+    <a:fmtScheme name="Vapor Trail">
       <a:fillStyleLst>
         <a:solidFill>
           <a:schemeClr val="phClr"/>
@@ -8201,23 +10650,24 @@
           <a:gsLst>
             <a:gs pos="0">
               <a:schemeClr val="phClr">
+                <a:tint val="69000"/>
+                <a:alpha val="100000"/>
+                <a:satMod val="109000"/>
                 <a:lumMod val="110000"/>
-                <a:satMod val="105000"/>
-                <a:tint val="67000"/>
               </a:schemeClr>
             </a:gs>
-            <a:gs pos="50000">
+            <a:gs pos="52000">
               <a:schemeClr val="phClr">
-                <a:lumMod val="105000"/>
-                <a:satMod val="103000"/>
-                <a:tint val="73000"/>
+                <a:tint val="74000"/>
+                <a:satMod val="100000"/>
+                <a:lumMod val="104000"/>
               </a:schemeClr>
             </a:gs>
             <a:gs pos="100000">
               <a:schemeClr val="phClr">
-                <a:lumMod val="105000"/>
-                <a:satMod val="109000"/>
-                <a:tint val="81000"/>
+                <a:tint val="78000"/>
+                <a:satMod val="100000"/>
+                <a:lumMod val="100000"/>
               </a:schemeClr>
             </a:gs>
           </a:gsLst>
@@ -8227,23 +10677,16 @@
           <a:gsLst>
             <a:gs pos="0">
               <a:schemeClr val="phClr">
-                <a:satMod val="103000"/>
-                <a:lumMod val="102000"/>
-                <a:tint val="94000"/>
+                <a:tint val="96000"/>
+                <a:satMod val="100000"/>
+                <a:lumMod val="104000"/>
               </a:schemeClr>
             </a:gs>
-            <a:gs pos="50000">
+            <a:gs pos="78000">
               <a:schemeClr val="phClr">
+                <a:shade val="100000"/>
                 <a:satMod val="110000"/>
                 <a:lumMod val="100000"/>
-                <a:shade val="100000"/>
-              </a:schemeClr>
-            </a:gs>
-            <a:gs pos="100000">
-              <a:schemeClr val="phClr">
-                <a:lumMod val="99000"/>
-                <a:satMod val="120000"/>
-                <a:shade val="78000"/>
               </a:schemeClr>
             </a:gs>
           </a:gsLst>
@@ -8251,26 +10694,23 @@
         </a:gradFill>
       </a:fillStyleLst>
       <a:lnStyleLst>
-        <a:ln w="6350" cap="flat" cmpd="sng" algn="ctr">
+        <a:ln w="9525" cap="flat" cmpd="sng" algn="ctr">
           <a:solidFill>
             <a:schemeClr val="phClr"/>
           </a:solidFill>
           <a:prstDash val="solid"/>
-          <a:miter lim="800000"/>
         </a:ln>
         <a:ln w="12700" cap="flat" cmpd="sng" algn="ctr">
           <a:solidFill>
             <a:schemeClr val="phClr"/>
           </a:solidFill>
           <a:prstDash val="solid"/>
-          <a:miter lim="800000"/>
         </a:ln>
         <a:ln w="19050" cap="flat" cmpd="sng" algn="ctr">
           <a:solidFill>
             <a:schemeClr val="phClr"/>
           </a:solidFill>
           <a:prstDash val="solid"/>
-          <a:miter lim="800000"/>
         </a:ln>
       </a:lnStyleLst>
       <a:effectStyleLst>
@@ -8279,15 +10719,33 @@
         </a:effectStyle>
         <a:effectStyle>
           <a:effectLst/>
+          <a:scene3d>
+            <a:camera prst="orthographicFront">
+              <a:rot lat="0" lon="0" rev="0"/>
+            </a:camera>
+            <a:lightRig rig="threePt" dir="t"/>
+          </a:scene3d>
+          <a:sp3d>
+            <a:bevelT w="25400" h="12700"/>
+          </a:sp3d>
         </a:effectStyle>
         <a:effectStyle>
           <a:effectLst>
             <a:outerShdw blurRad="57150" dist="19050" dir="5400000" algn="ctr" rotWithShape="0">
               <a:srgbClr val="000000">
-                <a:alpha val="63000"/>
+                <a:alpha val="48000"/>
               </a:srgbClr>
             </a:outerShdw>
           </a:effectLst>
+          <a:scene3d>
+            <a:camera prst="orthographicFront">
+              <a:rot lat="0" lon="0" rev="0"/>
+            </a:camera>
+            <a:lightRig rig="threePt" dir="t"/>
+          </a:scene3d>
+          <a:sp3d>
+            <a:bevelT w="50800" h="25400"/>
+          </a:sp3d>
         </a:effectStyle>
       </a:effectStyleLst>
       <a:bgFillStyleLst>
@@ -8305,16 +10763,16 @@
             <a:gs pos="0">
               <a:schemeClr val="phClr">
                 <a:tint val="93000"/>
+                <a:shade val="98000"/>
                 <a:satMod val="150000"/>
-                <a:shade val="98000"/>
                 <a:lumMod val="102000"/>
               </a:schemeClr>
             </a:gs>
             <a:gs pos="50000">
               <a:schemeClr val="phClr">
                 <a:tint val="98000"/>
+                <a:shade val="90000"/>
                 <a:satMod val="130000"/>
-                <a:shade val="90000"/>
                 <a:lumMod val="103000"/>
               </a:schemeClr>
             </a:gs>
@@ -8334,7 +10792,7 @@
   <a:extraClrSchemeLst/>
   <a:extLst>
     <a:ext uri="{05A4C25C-085E-4340-85A3-A5531E510DB2}">
-      <thm15:themeFamily xmlns:thm15="http://schemas.microsoft.com/office/thememl/2012/main" name="Office Theme" id="{62F939B6-93AF-4DB8-9C6B-D6C7DFDC589F}" vid="{4A3C46E8-61CC-4603-A589-7422A47A8E4A}"/>
+      <thm15:themeFamily xmlns:thm15="http://schemas.microsoft.com/office/thememl/2012/main" name="Vapor Trail" id="{4FDF2955-7D9C-493C-B9F9-C205151B46CD}" vid="{2B2A868B-6BC2-4B3E-98B9-1258F41035DE}"/>
     </a:ext>
   </a:extLst>
 </a:theme>

--- a/AWS Java Lambda Functions with Kotlin Ohio DevFest 2018.pptx
+++ b/AWS Java Lambda Functions with Kotlin Ohio DevFest 2018.pptx
@@ -226,7 +226,7 @@
           <a:p>
             <a:fld id="{B398E617-937E-FC4A-8748-C6BABACC53FE}" type="datetimeFigureOut">
               <a:rPr lang="en-US" smtClean="0"/>
-              <a:t>10/8/18</a:t>
+              <a:t>10/9/18</a:t>
             </a:fld>
             <a:endParaRPr lang="en-US"/>
           </a:p>
@@ -391,7 +391,7 @@
           <a:p>
             <a:fld id="{1DC1E76F-63EC-3849-B890-E56FE4AABDB1}" type="datetimeFigureOut">
               <a:rPr lang="en-US" smtClean="0"/>
-              <a:t>10/8/18</a:t>
+              <a:t>10/9/18</a:t>
             </a:fld>
             <a:endParaRPr lang="en-US"/>
           </a:p>
@@ -1113,7 +1113,7 @@
           <a:p>
             <a:fld id="{A0DB8B27-213D-1845-BA35-6CDA5CBC5B02}" type="datetime1">
               <a:rPr lang="en-US" smtClean="0"/>
-              <a:t>10/8/18</a:t>
+              <a:t>10/9/18</a:t>
             </a:fld>
             <a:endParaRPr lang="en-US"/>
           </a:p>
@@ -1383,7 +1383,7 @@
           <a:p>
             <a:fld id="{DD03A468-7FFD-8642-805A-7250196496B4}" type="datetime1">
               <a:rPr lang="en-US" smtClean="0"/>
-              <a:t>10/8/18</a:t>
+              <a:t>10/9/18</a:t>
             </a:fld>
             <a:endParaRPr lang="en-US"/>
           </a:p>
@@ -1620,7 +1620,7 @@
           <a:p>
             <a:fld id="{DD03A468-7FFD-8642-805A-7250196496B4}" type="datetime1">
               <a:rPr lang="en-US" smtClean="0"/>
-              <a:t>10/8/18</a:t>
+              <a:t>10/9/18</a:t>
             </a:fld>
             <a:endParaRPr lang="en-US"/>
           </a:p>
@@ -1936,7 +1936,7 @@
           <a:p>
             <a:fld id="{DD03A468-7FFD-8642-805A-7250196496B4}" type="datetime1">
               <a:rPr lang="en-US" smtClean="0"/>
-              <a:t>10/8/18</a:t>
+              <a:t>10/9/18</a:t>
             </a:fld>
             <a:endParaRPr lang="en-US"/>
           </a:p>
@@ -2415,7 +2415,7 @@
           <a:p>
             <a:fld id="{DD03A468-7FFD-8642-805A-7250196496B4}" type="datetime1">
               <a:rPr lang="en-US" smtClean="0"/>
-              <a:t>10/8/18</a:t>
+              <a:t>10/9/18</a:t>
             </a:fld>
             <a:endParaRPr lang="en-US"/>
           </a:p>
@@ -2968,7 +2968,7 @@
           <a:p>
             <a:fld id="{DD03A468-7FFD-8642-805A-7250196496B4}" type="datetime1">
               <a:rPr lang="en-US" smtClean="0"/>
-              <a:t>10/8/18</a:t>
+              <a:t>10/9/18</a:t>
             </a:fld>
             <a:endParaRPr lang="en-US"/>
           </a:p>
@@ -3748,7 +3748,7 @@
           <a:p>
             <a:fld id="{DD03A468-7FFD-8642-805A-7250196496B4}" type="datetime1">
               <a:rPr lang="en-US" smtClean="0"/>
-              <a:t>10/8/18</a:t>
+              <a:t>10/9/18</a:t>
             </a:fld>
             <a:endParaRPr lang="en-US"/>
           </a:p>
@@ -3929,7 +3929,7 @@
           <a:p>
             <a:fld id="{DD03A468-7FFD-8642-805A-7250196496B4}" type="datetime1">
               <a:rPr lang="en-US" smtClean="0"/>
-              <a:t>10/8/18</a:t>
+              <a:t>10/9/18</a:t>
             </a:fld>
             <a:endParaRPr lang="en-US"/>
           </a:p>
@@ -4158,7 +4158,7 @@
           <a:p>
             <a:fld id="{DD03A468-7FFD-8642-805A-7250196496B4}" type="datetime1">
               <a:rPr lang="en-US" smtClean="0"/>
-              <a:t>10/8/18</a:t>
+              <a:t>10/9/18</a:t>
             </a:fld>
             <a:endParaRPr lang="en-US"/>
           </a:p>
@@ -4448,7 +4448,7 @@
           <a:p>
             <a:fld id="{AE59933F-E581-284D-9F44-23CAF5A7BE8E}" type="datetime1">
               <a:rPr lang="en-US" smtClean="0"/>
-              <a:t>10/8/18</a:t>
+              <a:t>10/9/18</a:t>
             </a:fld>
             <a:endParaRPr lang="en-US"/>
           </a:p>
@@ -4821,7 +4821,7 @@
           <a:p>
             <a:fld id="{0649FB6B-7974-BC47-8B12-FCA27EBCD9A0}" type="datetime1">
               <a:rPr lang="en-US" smtClean="0"/>
-              <a:t>10/8/18</a:t>
+              <a:t>10/9/18</a:t>
             </a:fld>
             <a:endParaRPr lang="en-US"/>
           </a:p>
@@ -5028,7 +5028,7 @@
           <a:p>
             <a:fld id="{DD03A468-7FFD-8642-805A-7250196496B4}" type="datetime1">
               <a:rPr lang="en-US" smtClean="0"/>
-              <a:t>10/8/18</a:t>
+              <a:t>10/9/18</a:t>
             </a:fld>
             <a:endParaRPr lang="en-US"/>
           </a:p>
@@ -5323,7 +5323,7 @@
           <a:p>
             <a:fld id="{3E39426D-E7B7-DA40-93F8-CA6510E6F0EE}" type="datetime1">
               <a:rPr lang="en-US" smtClean="0"/>
-              <a:t>10/8/18</a:t>
+              <a:t>10/9/18</a:t>
             </a:fld>
             <a:endParaRPr lang="en-US"/>
           </a:p>
@@ -5570,7 +5570,7 @@
           <a:p>
             <a:fld id="{DD03A468-7FFD-8642-805A-7250196496B4}" type="datetime1">
               <a:rPr lang="en-US" smtClean="0"/>
-              <a:t>10/8/18</a:t>
+              <a:t>10/9/18</a:t>
             </a:fld>
             <a:endParaRPr lang="en-US"/>
           </a:p>
@@ -5955,7 +5955,7 @@
           <a:p>
             <a:fld id="{DD03A468-7FFD-8642-805A-7250196496B4}" type="datetime1">
               <a:rPr lang="en-US" smtClean="0"/>
-              <a:t>10/8/18</a:t>
+              <a:t>10/9/18</a:t>
             </a:fld>
             <a:endParaRPr lang="en-US"/>
           </a:p>
@@ -6079,7 +6079,7 @@
           <a:p>
             <a:fld id="{694812C7-2D69-FD44-8352-9031E5BB8854}" type="datetime1">
               <a:rPr lang="en-US" smtClean="0"/>
-              <a:t>10/8/18</a:t>
+              <a:t>10/9/18</a:t>
             </a:fld>
             <a:endParaRPr lang="en-US"/>
           </a:p>
@@ -6179,7 +6179,7 @@
           <a:p>
             <a:fld id="{D6DC22B3-CCBA-7E4B-9576-3F4BAADBA1E6}" type="datetime1">
               <a:rPr lang="en-US" smtClean="0"/>
-              <a:t>10/8/18</a:t>
+              <a:t>10/9/18</a:t>
             </a:fld>
             <a:endParaRPr lang="en-US"/>
           </a:p>
@@ -6433,7 +6433,7 @@
           <a:p>
             <a:fld id="{DD03A468-7FFD-8642-805A-7250196496B4}" type="datetime1">
               <a:rPr lang="en-US" smtClean="0"/>
-              <a:t>10/8/18</a:t>
+              <a:t>10/9/18</a:t>
             </a:fld>
             <a:endParaRPr lang="en-US"/>
           </a:p>
@@ -6696,7 +6696,7 @@
           <a:p>
             <a:fld id="{1EE23566-357D-9145-AFF5-B5286448FCC5}" type="datetime1">
               <a:rPr lang="en-US" smtClean="0"/>
-              <a:t>10/8/18</a:t>
+              <a:t>10/9/18</a:t>
             </a:fld>
             <a:endParaRPr lang="en-US"/>
           </a:p>
@@ -6945,7 +6945,7 @@
           <a:p>
             <a:fld id="{DD03A468-7FFD-8642-805A-7250196496B4}" type="datetime1">
               <a:rPr lang="en-US" smtClean="0"/>
-              <a:t>10/8/18</a:t>
+              <a:t>10/9/18</a:t>
             </a:fld>
             <a:endParaRPr lang="en-US"/>
           </a:p>
@@ -7598,7 +7598,7 @@
           <a:p>
             <a:fld id="{5ECE730C-6F03-F84C-944B-1C568222F063}" type="datetime1">
               <a:rPr lang="en-US" smtClean="0"/>
-              <a:t>10/8/18</a:t>
+              <a:t>10/9/18</a:t>
             </a:fld>
             <a:endParaRPr lang="en-US"/>
           </a:p>
@@ -7774,7 +7774,7 @@
           <a:p>
             <a:fld id="{CCA7FE3F-9686-E74E-A1C5-774AE4FD679D}" type="datetime1">
               <a:rPr lang="en-US" smtClean="0"/>
-              <a:t>10/8/18</a:t>
+              <a:t>10/9/18</a:t>
             </a:fld>
             <a:endParaRPr lang="en-US"/>
           </a:p>
@@ -8108,7 +8108,7 @@
           <a:p>
             <a:fld id="{2C7281AE-07D0-B247-929E-89BE96173440}" type="datetime1">
               <a:rPr lang="en-US" smtClean="0"/>
-              <a:t>10/8/18</a:t>
+              <a:t>10/9/18</a:t>
             </a:fld>
             <a:endParaRPr lang="en-US"/>
           </a:p>
@@ -8250,7 +8250,7 @@
         <p:spPr/>
         <p:txBody>
           <a:bodyPr>
-            <a:normAutofit fontScale="92500" lnSpcReduction="10000"/>
+            <a:normAutofit/>
           </a:bodyPr>
           <a:lstStyle/>
           <a:p>
@@ -8310,36 +8310,6 @@
               <a:rPr lang="en-US" sz="2000" dirty="0"/>
               <a:t>Untapped (for craft beer folks 🍺): jkwuc89</a:t>
             </a:r>
-          </a:p>
-          <a:p>
-            <a:r>
-              <a:rPr lang="en-US" sz="2000" dirty="0"/>
-              <a:t>This presentation (again): </a:t>
-            </a:r>
-            <a:r>
-              <a:rPr lang="en-US" sz="2000" dirty="0">
-                <a:hlinkClick r:id="rId5"/>
-              </a:rPr>
-              <a:t>https://goo.gl/DQ7cEU</a:t>
-            </a:r>
-            <a:endParaRPr lang="en-US" sz="2000" dirty="0"/>
-          </a:p>
-          <a:p>
-            <a:r>
-              <a:rPr lang="en-US" sz="2000" dirty="0" err="1"/>
-              <a:t>Github</a:t>
-            </a:r>
-            <a:r>
-              <a:rPr lang="en-US" sz="2000" dirty="0"/>
-              <a:t> repo (again): </a:t>
-            </a:r>
-            <a:r>
-              <a:rPr lang="en-US" sz="2000" dirty="0">
-                <a:hlinkClick r:id="rId6"/>
-              </a:rPr>
-              <a:t>https://github.com/jkwuc89/tasktracker</a:t>
-            </a:r>
-            <a:endParaRPr lang="en-US" sz="2000" dirty="0"/>
           </a:p>
           <a:p>
             <a:pPr marL="51435" indent="0">
@@ -8384,7 +8354,7 @@
           <a:p>
             <a:fld id="{C6705A40-A93A-F546-99E4-15E941AFDCDE}" type="datetime1">
               <a:rPr lang="en-US" smtClean="0"/>
-              <a:t>10/8/18</a:t>
+              <a:t>10/9/18</a:t>
             </a:fld>
             <a:endParaRPr lang="en-US"/>
           </a:p>
@@ -8590,7 +8560,7 @@
           <a:p>
             <a:fld id="{8F4E8B77-2546-E24A-8CE5-D6A6150A518D}" type="datetime1">
               <a:rPr lang="en-US" smtClean="0"/>
-              <a:t>10/8/18</a:t>
+              <a:t>10/9/18</a:t>
             </a:fld>
             <a:endParaRPr lang="en-US"/>
           </a:p>
@@ -8771,7 +8741,7 @@
           <a:p>
             <a:fld id="{05923396-6093-FA48-B85F-62CA2E626F30}" type="datetime1">
               <a:rPr lang="en-US" smtClean="0"/>
-              <a:t>10/8/18</a:t>
+              <a:t>10/9/18</a:t>
             </a:fld>
             <a:endParaRPr lang="en-US"/>
           </a:p>
@@ -9052,7 +9022,7 @@
           <a:p>
             <a:fld id="{90F1244E-41D8-AA42-8B9B-7EE03FFE790D}" type="datetime1">
               <a:rPr lang="en-US" smtClean="0"/>
-              <a:t>10/8/18</a:t>
+              <a:t>10/9/18</a:t>
             </a:fld>
             <a:endParaRPr lang="en-US"/>
           </a:p>
@@ -9265,7 +9235,7 @@
           <a:p>
             <a:fld id="{4BE75957-40B6-744E-99B6-AB95327FBD2E}" type="datetime1">
               <a:rPr lang="en-US" smtClean="0"/>
-              <a:t>10/8/18</a:t>
+              <a:t>10/9/18</a:t>
             </a:fld>
             <a:endParaRPr lang="en-US"/>
           </a:p>
@@ -9561,7 +9531,7 @@
           <a:p>
             <a:fld id="{93D0FE6E-FA00-124B-A222-C2299CA2B7B2}" type="datetime1">
               <a:rPr lang="en-US" smtClean="0"/>
-              <a:t>10/8/18</a:t>
+              <a:t>10/9/18</a:t>
             </a:fld>
             <a:endParaRPr lang="en-US"/>
           </a:p>
@@ -9861,7 +9831,7 @@
           <a:p>
             <a:fld id="{2FC4B022-2D37-A442-BF0D-962CFBDC1E4F}" type="datetime1">
               <a:rPr lang="en-US" smtClean="0"/>
-              <a:t>10/8/18</a:t>
+              <a:t>10/9/18</a:t>
             </a:fld>
             <a:endParaRPr lang="en-US"/>
           </a:p>
@@ -10125,7 +10095,7 @@
           <a:p>
             <a:fld id="{4D9900D3-85F8-9C41-B3C3-A18873D7AF03}" type="datetime1">
               <a:rPr lang="en-US" smtClean="0"/>
-              <a:t>10/8/18</a:t>
+              <a:t>10/9/18</a:t>
             </a:fld>
             <a:endParaRPr lang="en-US"/>
           </a:p>
@@ -10269,7 +10239,7 @@
         <p:spPr/>
         <p:txBody>
           <a:bodyPr>
-            <a:normAutofit fontScale="92500" lnSpcReduction="10000"/>
+            <a:normAutofit/>
           </a:bodyPr>
           <a:lstStyle/>
           <a:p>
@@ -10297,23 +10267,9 @@
               <a:rPr lang="en-US" sz="1850" dirty="0">
                 <a:hlinkClick r:id="rId3"/>
               </a:rPr>
-              <a:t>https://aws.amazon.com/cli/</a:t>
-            </a:r>
-            <a:endParaRPr lang="en-US" sz="1850" dirty="0"/>
-          </a:p>
-          <a:p>
-            <a:pPr lvl="2"/>
-            <a:r>
-              <a:rPr lang="en-US" sz="1700" dirty="0"/>
-              <a:t>Windows version uses Windows installer</a:t>
-            </a:r>
-          </a:p>
-          <a:p>
-            <a:pPr lvl="2"/>
-            <a:r>
-              <a:rPr lang="en-US" sz="1700" dirty="0"/>
-              <a:t>Mac OS version requires Python and pip (use pip3 if using Python 3)</a:t>
-            </a:r>
+              <a:t>https://docs.aws.amazon.com/cli/latest/userguide/installing.html</a:t>
+            </a:r>
+            <a:endParaRPr lang="en-US" sz="1700" dirty="0"/>
           </a:p>
           <a:p>
             <a:r>
@@ -10450,7 +10406,7 @@
           <a:p>
             <a:fld id="{B455ACDA-5709-E44F-B381-D5CB3CB1E13A}" type="datetime1">
               <a:rPr lang="en-US" smtClean="0"/>
-              <a:t>10/8/18</a:t>
+              <a:t>10/9/18</a:t>
             </a:fld>
             <a:endParaRPr lang="en-US"/>
           </a:p>
